--- a/Animal Image Classifier.pptx
+++ b/Animal Image Classifier.pptx
@@ -1,40 +1,40 @@
 
 <file path=ppt/presentation.xml><?xml version="1.0" encoding="utf-8"?>
-<p:presentation xmlns:a="http://schemas.openxmlformats.org/drawingml/2006/main" xmlns:r="http://schemas.openxmlformats.org/officeDocument/2006/relationships" xmlns:mc="http://schemas.openxmlformats.org/markup-compatibility/2006" xmlns:mv="urn:schemas-microsoft-com:mac:vml" xmlns:p="http://schemas.openxmlformats.org/presentationml/2006/main" xmlns:c="http://schemas.openxmlformats.org/drawingml/2006/chart" xmlns:dgm="http://schemas.openxmlformats.org/drawingml/2006/diagram" xmlns:o="urn:schemas-microsoft-com:office:office" xmlns:v="urn:schemas-microsoft-com:vml" xmlns:pvml="urn:schemas-microsoft-com:office:powerpoint" xmlns:com="http://schemas.openxmlformats.org/drawingml/2006/compatibility" xmlns:p14="http://schemas.microsoft.com/office/powerpoint/2010/main" xmlns:p15="http://schemas.microsoft.com/office/powerpoint/2012/main" autoCompressPictures="0" embedTrueTypeFonts="1" strictFirstAndLastChars="0" saveSubsetFonts="1">
+<p:presentation xmlns:a="http://schemas.openxmlformats.org/drawingml/2006/main" xmlns:r="http://schemas.openxmlformats.org/officeDocument/2006/relationships" xmlns:p="http://schemas.openxmlformats.org/presentationml/2006/main" strictFirstAndLastChars="0" embedTrueTypeFonts="1" saveSubsetFonts="1" autoCompressPictures="0">
   <p:sldMasterIdLst>
-    <p:sldMasterId id="2147483659" r:id="rId3"/>
+    <p:sldMasterId id="2147483659" r:id="rId1"/>
   </p:sldMasterIdLst>
   <p:notesMasterIdLst>
-    <p:notesMasterId r:id="rId4"/>
+    <p:notesMasterId r:id="rId15"/>
   </p:notesMasterIdLst>
   <p:sldIdLst>
-    <p:sldId id="256" r:id="rId5"/>
-    <p:sldId id="257" r:id="rId6"/>
-    <p:sldId id="258" r:id="rId7"/>
-    <p:sldId id="259" r:id="rId8"/>
-    <p:sldId id="260" r:id="rId9"/>
-    <p:sldId id="261" r:id="rId10"/>
-    <p:sldId id="262" r:id="rId11"/>
-    <p:sldId id="263" r:id="rId12"/>
-    <p:sldId id="264" r:id="rId13"/>
-    <p:sldId id="265" r:id="rId14"/>
-    <p:sldId id="266" r:id="rId15"/>
-    <p:sldId id="267" r:id="rId16"/>
-    <p:sldId id="268" r:id="rId17"/>
+    <p:sldId id="256" r:id="rId2"/>
+    <p:sldId id="257" r:id="rId3"/>
+    <p:sldId id="258" r:id="rId4"/>
+    <p:sldId id="259" r:id="rId5"/>
+    <p:sldId id="260" r:id="rId6"/>
+    <p:sldId id="261" r:id="rId7"/>
+    <p:sldId id="262" r:id="rId8"/>
+    <p:sldId id="263" r:id="rId9"/>
+    <p:sldId id="264" r:id="rId10"/>
+    <p:sldId id="265" r:id="rId11"/>
+    <p:sldId id="266" r:id="rId12"/>
+    <p:sldId id="267" r:id="rId13"/>
+    <p:sldId id="268" r:id="rId14"/>
   </p:sldIdLst>
-  <p:sldSz cy="5143500" cx="9144000"/>
+  <p:sldSz cx="9144000" cy="5143500" type="screen16x9"/>
   <p:notesSz cx="6858000" cy="9144000"/>
   <p:embeddedFontLst>
     <p:embeddedFont>
-      <p:font typeface="Roboto"/>
-      <p:regular r:id="rId18"/>
-      <p:bold r:id="rId19"/>
-      <p:italic r:id="rId20"/>
-      <p:boldItalic r:id="rId21"/>
+      <p:font typeface="Roboto" panose="02000000000000000000" pitchFamily="2" charset="0"/>
+      <p:regular r:id="rId16"/>
+      <p:bold r:id="rId17"/>
+      <p:italic r:id="rId18"/>
+      <p:boldItalic r:id="rId19"/>
     </p:embeddedFont>
   </p:embeddedFontLst>
   <p:defaultTextStyle>
-    <a:defPPr lvl="0" marR="0" rtl="0" algn="l">
+    <a:defPPr marR="0" lvl="0" algn="l" rtl="0">
       <a:lnSpc>
         <a:spcPct val="100000"/>
       </a:lnSpc>
@@ -45,7 +45,7 @@
         <a:spcPts val="0"/>
       </a:spcAft>
     </a:defPPr>
-    <a:lvl1pPr lvl="0" marR="0" rtl="0" algn="l">
+    <a:lvl1pPr marR="0" lvl="0" algn="l" rtl="0">
       <a:lnSpc>
         <a:spcPct val="100000"/>
       </a:lnSpc>
@@ -59,7 +59,7 @@
         <a:srgbClr val="000000"/>
       </a:buClr>
       <a:buFont typeface="Arial"/>
-      <a:defRPr b="0" i="0" sz="1400" u="none" cap="none" strike="noStrike">
+      <a:defRPr sz="1400" b="0" i="0" u="none" strike="noStrike" cap="none">
         <a:solidFill>
           <a:srgbClr val="000000"/>
         </a:solidFill>
@@ -69,7 +69,7 @@
         <a:sym typeface="Arial"/>
       </a:defRPr>
     </a:lvl1pPr>
-    <a:lvl2pPr lvl="1" marR="0" rtl="0" algn="l">
+    <a:lvl2pPr marR="0" lvl="1" algn="l" rtl="0">
       <a:lnSpc>
         <a:spcPct val="100000"/>
       </a:lnSpc>
@@ -83,7 +83,7 @@
         <a:srgbClr val="000000"/>
       </a:buClr>
       <a:buFont typeface="Arial"/>
-      <a:defRPr b="0" i="0" sz="1400" u="none" cap="none" strike="noStrike">
+      <a:defRPr sz="1400" b="0" i="0" u="none" strike="noStrike" cap="none">
         <a:solidFill>
           <a:srgbClr val="000000"/>
         </a:solidFill>
@@ -93,7 +93,7 @@
         <a:sym typeface="Arial"/>
       </a:defRPr>
     </a:lvl2pPr>
-    <a:lvl3pPr lvl="2" marR="0" rtl="0" algn="l">
+    <a:lvl3pPr marR="0" lvl="2" algn="l" rtl="0">
       <a:lnSpc>
         <a:spcPct val="100000"/>
       </a:lnSpc>
@@ -107,7 +107,7 @@
         <a:srgbClr val="000000"/>
       </a:buClr>
       <a:buFont typeface="Arial"/>
-      <a:defRPr b="0" i="0" sz="1400" u="none" cap="none" strike="noStrike">
+      <a:defRPr sz="1400" b="0" i="0" u="none" strike="noStrike" cap="none">
         <a:solidFill>
           <a:srgbClr val="000000"/>
         </a:solidFill>
@@ -117,7 +117,7 @@
         <a:sym typeface="Arial"/>
       </a:defRPr>
     </a:lvl3pPr>
-    <a:lvl4pPr lvl="3" marR="0" rtl="0" algn="l">
+    <a:lvl4pPr marR="0" lvl="3" algn="l" rtl="0">
       <a:lnSpc>
         <a:spcPct val="100000"/>
       </a:lnSpc>
@@ -131,7 +131,7 @@
         <a:srgbClr val="000000"/>
       </a:buClr>
       <a:buFont typeface="Arial"/>
-      <a:defRPr b="0" i="0" sz="1400" u="none" cap="none" strike="noStrike">
+      <a:defRPr sz="1400" b="0" i="0" u="none" strike="noStrike" cap="none">
         <a:solidFill>
           <a:srgbClr val="000000"/>
         </a:solidFill>
@@ -141,7 +141,7 @@
         <a:sym typeface="Arial"/>
       </a:defRPr>
     </a:lvl4pPr>
-    <a:lvl5pPr lvl="4" marR="0" rtl="0" algn="l">
+    <a:lvl5pPr marR="0" lvl="4" algn="l" rtl="0">
       <a:lnSpc>
         <a:spcPct val="100000"/>
       </a:lnSpc>
@@ -155,7 +155,7 @@
         <a:srgbClr val="000000"/>
       </a:buClr>
       <a:buFont typeface="Arial"/>
-      <a:defRPr b="0" i="0" sz="1400" u="none" cap="none" strike="noStrike">
+      <a:defRPr sz="1400" b="0" i="0" u="none" strike="noStrike" cap="none">
         <a:solidFill>
           <a:srgbClr val="000000"/>
         </a:solidFill>
@@ -165,7 +165,7 @@
         <a:sym typeface="Arial"/>
       </a:defRPr>
     </a:lvl5pPr>
-    <a:lvl6pPr lvl="5" marR="0" rtl="0" algn="l">
+    <a:lvl6pPr marR="0" lvl="5" algn="l" rtl="0">
       <a:lnSpc>
         <a:spcPct val="100000"/>
       </a:lnSpc>
@@ -179,7 +179,7 @@
         <a:srgbClr val="000000"/>
       </a:buClr>
       <a:buFont typeface="Arial"/>
-      <a:defRPr b="0" i="0" sz="1400" u="none" cap="none" strike="noStrike">
+      <a:defRPr sz="1400" b="0" i="0" u="none" strike="noStrike" cap="none">
         <a:solidFill>
           <a:srgbClr val="000000"/>
         </a:solidFill>
@@ -189,7 +189,7 @@
         <a:sym typeface="Arial"/>
       </a:defRPr>
     </a:lvl6pPr>
-    <a:lvl7pPr lvl="6" marR="0" rtl="0" algn="l">
+    <a:lvl7pPr marR="0" lvl="6" algn="l" rtl="0">
       <a:lnSpc>
         <a:spcPct val="100000"/>
       </a:lnSpc>
@@ -203,7 +203,7 @@
         <a:srgbClr val="000000"/>
       </a:buClr>
       <a:buFont typeface="Arial"/>
-      <a:defRPr b="0" i="0" sz="1400" u="none" cap="none" strike="noStrike">
+      <a:defRPr sz="1400" b="0" i="0" u="none" strike="noStrike" cap="none">
         <a:solidFill>
           <a:srgbClr val="000000"/>
         </a:solidFill>
@@ -213,7 +213,7 @@
         <a:sym typeface="Arial"/>
       </a:defRPr>
     </a:lvl7pPr>
-    <a:lvl8pPr lvl="7" marR="0" rtl="0" algn="l">
+    <a:lvl8pPr marR="0" lvl="7" algn="l" rtl="0">
       <a:lnSpc>
         <a:spcPct val="100000"/>
       </a:lnSpc>
@@ -227,7 +227,7 @@
         <a:srgbClr val="000000"/>
       </a:buClr>
       <a:buFont typeface="Arial"/>
-      <a:defRPr b="0" i="0" sz="1400" u="none" cap="none" strike="noStrike">
+      <a:defRPr sz="1400" b="0" i="0" u="none" strike="noStrike" cap="none">
         <a:solidFill>
           <a:srgbClr val="000000"/>
         </a:solidFill>
@@ -237,7 +237,7 @@
         <a:sym typeface="Arial"/>
       </a:defRPr>
     </a:lvl8pPr>
-    <a:lvl9pPr lvl="8" marR="0" rtl="0" algn="l">
+    <a:lvl9pPr marR="0" lvl="8" algn="l" rtl="0">
       <a:lnSpc>
         <a:spcPct val="100000"/>
       </a:lnSpc>
@@ -251,7 +251,7 @@
         <a:srgbClr val="000000"/>
       </a:buClr>
       <a:buFont typeface="Arial"/>
-      <a:defRPr b="0" i="0" sz="1400" u="none" cap="none" strike="noStrike">
+      <a:defRPr sz="1400" b="0" i="0" u="none" strike="noStrike" cap="none">
         <a:solidFill>
           <a:srgbClr val="000000"/>
         </a:solidFill>
@@ -266,11 +266,16 @@
 </file>
 
 <file path=ppt/notesMasters/notesMaster1.xml><?xml version="1.0" encoding="utf-8"?>
-<p:notesMaster xmlns:a="http://schemas.openxmlformats.org/drawingml/2006/main" xmlns:r="http://schemas.openxmlformats.org/officeDocument/2006/relationships" xmlns:mc="http://schemas.openxmlformats.org/markup-compatibility/2006" xmlns:mv="urn:schemas-microsoft-com:mac:vml" xmlns:p="http://schemas.openxmlformats.org/presentationml/2006/main" xmlns:c="http://schemas.openxmlformats.org/drawingml/2006/chart" xmlns:dgm="http://schemas.openxmlformats.org/drawingml/2006/diagram" xmlns:o="urn:schemas-microsoft-com:office:office" xmlns:v="urn:schemas-microsoft-com:vml" xmlns:pvml="urn:schemas-microsoft-com:office:powerpoint" xmlns:com="http://schemas.openxmlformats.org/drawingml/2006/compatibility" xmlns:p14="http://schemas.microsoft.com/office/powerpoint/2010/main" xmlns:p15="http://schemas.microsoft.com/office/powerpoint/2012/main">
+<p:notesMaster xmlns:a="http://schemas.openxmlformats.org/drawingml/2006/main" xmlns:r="http://schemas.openxmlformats.org/officeDocument/2006/relationships" xmlns:p="http://schemas.openxmlformats.org/presentationml/2006/main">
   <p:cSld>
+    <p:bg>
+      <p:bgRef idx="1001">
+        <a:schemeClr val="bg1"/>
+      </p:bgRef>
+    </p:bg>
     <p:spTree>
       <p:nvGrpSpPr>
-        <p:cNvPr id="2" name="Shape 2"/>
+        <p:cNvPr id="1" name="Shape 2"/>
         <p:cNvGrpSpPr/>
         <p:nvPr/>
       </p:nvGrpSpPr>
@@ -285,9 +290,11 @@
       <p:sp>
         <p:nvSpPr>
           <p:cNvPr id="3" name="Google Shape;3;n"/>
-          <p:cNvSpPr/>
+          <p:cNvSpPr>
+            <a:spLocks noGrp="1" noRot="1" noChangeAspect="1"/>
+          </p:cNvSpPr>
           <p:nvPr>
-            <p:ph idx="2" type="sldImg"/>
+            <p:ph type="sldImg" idx="2"/>
           </p:nvPr>
         </p:nvSpPr>
         <p:spPr>
@@ -296,9 +303,13 @@
             <a:ext cx="6096075" cy="3429000"/>
           </a:xfrm>
           <a:custGeom>
-            <a:rect b="b" l="l" r="r" t="t"/>
+            <a:avLst/>
+            <a:gdLst/>
+            <a:ahLst/>
+            <a:cxnLst/>
+            <a:rect l="l" t="t" r="r" b="b"/>
             <a:pathLst>
-              <a:path extrusionOk="0" h="120000" w="120000">
+              <a:path w="120000" h="120000" extrusionOk="0">
                 <a:moveTo>
                   <a:pt x="0" y="0"/>
                 </a:moveTo>
@@ -316,23 +327,25 @@
             </a:pathLst>
           </a:custGeom>
           <a:noFill/>
-          <a:ln cap="flat" cmpd="sng" w="9525">
+          <a:ln w="9525" cap="flat" cmpd="sng">
             <a:solidFill>
               <a:srgbClr val="000000"/>
             </a:solidFill>
             <a:prstDash val="solid"/>
             <a:round/>
-            <a:headEnd len="sm" w="sm" type="none"/>
-            <a:tailEnd len="sm" w="sm" type="none"/>
+            <a:headEnd type="none" w="sm" len="sm"/>
+            <a:tailEnd type="none" w="sm" len="sm"/>
           </a:ln>
         </p:spPr>
       </p:sp>
       <p:sp>
         <p:nvSpPr>
           <p:cNvPr id="4" name="Google Shape;4;n"/>
-          <p:cNvSpPr txBox="1"/>
+          <p:cNvSpPr txBox="1">
+            <a:spLocks noGrp="1"/>
+          </p:cNvSpPr>
           <p:nvPr>
-            <p:ph idx="1" type="body"/>
+            <p:ph type="body" idx="1"/>
           </p:nvPr>
         </p:nvSpPr>
         <p:spPr>
@@ -349,9 +362,9 @@
           </a:ln>
         </p:spPr>
         <p:txBody>
-          <a:bodyPr anchorCtr="0" anchor="t" bIns="91425" lIns="91425" spcFirstLastPara="1" rIns="91425" wrap="square" tIns="91425"/>
+          <a:bodyPr spcFirstLastPara="1" wrap="square" lIns="91425" tIns="91425" rIns="91425" bIns="91425" anchor="t" anchorCtr="0"/>
           <a:lstStyle>
-            <a:lvl1pPr indent="-298450" lvl="0" marL="457200">
+            <a:lvl1pPr marL="457200" lvl="0" indent="-298450">
               <a:spcBef>
                 <a:spcPts val="0"/>
               </a:spcBef>
@@ -362,7 +375,7 @@
               <a:buChar char="●"/>
               <a:defRPr sz="1100"/>
             </a:lvl1pPr>
-            <a:lvl2pPr indent="-298450" lvl="1" marL="914400">
+            <a:lvl2pPr marL="914400" lvl="1" indent="-298450">
               <a:spcBef>
                 <a:spcPts val="0"/>
               </a:spcBef>
@@ -373,7 +386,7 @@
               <a:buChar char="○"/>
               <a:defRPr sz="1100"/>
             </a:lvl2pPr>
-            <a:lvl3pPr indent="-298450" lvl="2" marL="1371600">
+            <a:lvl3pPr marL="1371600" lvl="2" indent="-298450">
               <a:spcBef>
                 <a:spcPts val="0"/>
               </a:spcBef>
@@ -384,7 +397,7 @@
               <a:buChar char="■"/>
               <a:defRPr sz="1100"/>
             </a:lvl3pPr>
-            <a:lvl4pPr indent="-298450" lvl="3" marL="1828800">
+            <a:lvl4pPr marL="1828800" lvl="3" indent="-298450">
               <a:spcBef>
                 <a:spcPts val="0"/>
               </a:spcBef>
@@ -395,7 +408,7 @@
               <a:buChar char="●"/>
               <a:defRPr sz="1100"/>
             </a:lvl4pPr>
-            <a:lvl5pPr indent="-298450" lvl="4" marL="2286000">
+            <a:lvl5pPr marL="2286000" lvl="4" indent="-298450">
               <a:spcBef>
                 <a:spcPts val="0"/>
               </a:spcBef>
@@ -406,7 +419,7 @@
               <a:buChar char="○"/>
               <a:defRPr sz="1100"/>
             </a:lvl5pPr>
-            <a:lvl6pPr indent="-298450" lvl="5" marL="2743200">
+            <a:lvl6pPr marL="2743200" lvl="5" indent="-298450">
               <a:spcBef>
                 <a:spcPts val="0"/>
               </a:spcBef>
@@ -417,7 +430,7 @@
               <a:buChar char="■"/>
               <a:defRPr sz="1100"/>
             </a:lvl6pPr>
-            <a:lvl7pPr indent="-298450" lvl="6" marL="3200400">
+            <a:lvl7pPr marL="3200400" lvl="6" indent="-298450">
               <a:spcBef>
                 <a:spcPts val="0"/>
               </a:spcBef>
@@ -428,7 +441,7 @@
               <a:buChar char="●"/>
               <a:defRPr sz="1100"/>
             </a:lvl7pPr>
-            <a:lvl8pPr indent="-298450" lvl="7" marL="3657600">
+            <a:lvl8pPr marL="3657600" lvl="7" indent="-298450">
               <a:spcBef>
                 <a:spcPts val="0"/>
               </a:spcBef>
@@ -439,7 +452,7 @@
               <a:buChar char="○"/>
               <a:defRPr sz="1100"/>
             </a:lvl8pPr>
-            <a:lvl9pPr indent="-298450" lvl="8" marL="4114800">
+            <a:lvl9pPr marL="4114800" lvl="8" indent="-298450">
               <a:spcBef>
                 <a:spcPts val="0"/>
               </a:spcBef>
@@ -451,14 +464,16 @@
               <a:defRPr sz="1100"/>
             </a:lvl9pPr>
           </a:lstStyle>
-          <a:p/>
+          <a:p>
+            <a:endParaRPr/>
+          </a:p>
         </p:txBody>
       </p:sp>
     </p:spTree>
   </p:cSld>
-  <p:clrMap accent1="accent1" accent2="accent2" accent3="accent3" accent4="accent4" accent5="accent5" accent6="accent6" bg1="lt1" bg2="dk2" tx1="dk1" tx2="lt2" folHlink="folHlink" hlink="hlink"/>
+  <p:clrMap bg1="lt1" tx1="dk1" bg2="dk2" tx2="lt2" accent1="accent1" accent2="accent2" accent3="accent3" accent4="accent4" accent5="accent5" accent6="accent6" hlink="hlink" folHlink="folHlink"/>
   <p:notesStyle>
-    <a:defPPr lvl="0" marR="0" rtl="0" algn="l">
+    <a:defPPr marR="0" lvl="0" algn="l" rtl="0">
       <a:lnSpc>
         <a:spcPct val="100000"/>
       </a:lnSpc>
@@ -469,7 +484,7 @@
         <a:spcPts val="0"/>
       </a:spcAft>
     </a:defPPr>
-    <a:lvl1pPr lvl="0" marR="0" rtl="0" algn="l">
+    <a:lvl1pPr marR="0" lvl="0" algn="l" rtl="0">
       <a:lnSpc>
         <a:spcPct val="100000"/>
       </a:lnSpc>
@@ -483,7 +498,7 @@
         <a:srgbClr val="000000"/>
       </a:buClr>
       <a:buFont typeface="Arial"/>
-      <a:defRPr b="0" i="0" sz="1400" u="none" cap="none" strike="noStrike">
+      <a:defRPr sz="1400" b="0" i="0" u="none" strike="noStrike" cap="none">
         <a:solidFill>
           <a:srgbClr val="000000"/>
         </a:solidFill>
@@ -493,7 +508,7 @@
         <a:sym typeface="Arial"/>
       </a:defRPr>
     </a:lvl1pPr>
-    <a:lvl2pPr lvl="1" marR="0" rtl="0" algn="l">
+    <a:lvl2pPr marR="0" lvl="1" algn="l" rtl="0">
       <a:lnSpc>
         <a:spcPct val="100000"/>
       </a:lnSpc>
@@ -507,7 +522,7 @@
         <a:srgbClr val="000000"/>
       </a:buClr>
       <a:buFont typeface="Arial"/>
-      <a:defRPr b="0" i="0" sz="1400" u="none" cap="none" strike="noStrike">
+      <a:defRPr sz="1400" b="0" i="0" u="none" strike="noStrike" cap="none">
         <a:solidFill>
           <a:srgbClr val="000000"/>
         </a:solidFill>
@@ -517,7 +532,7 @@
         <a:sym typeface="Arial"/>
       </a:defRPr>
     </a:lvl2pPr>
-    <a:lvl3pPr lvl="2" marR="0" rtl="0" algn="l">
+    <a:lvl3pPr marR="0" lvl="2" algn="l" rtl="0">
       <a:lnSpc>
         <a:spcPct val="100000"/>
       </a:lnSpc>
@@ -531,7 +546,7 @@
         <a:srgbClr val="000000"/>
       </a:buClr>
       <a:buFont typeface="Arial"/>
-      <a:defRPr b="0" i="0" sz="1400" u="none" cap="none" strike="noStrike">
+      <a:defRPr sz="1400" b="0" i="0" u="none" strike="noStrike" cap="none">
         <a:solidFill>
           <a:srgbClr val="000000"/>
         </a:solidFill>
@@ -541,7 +556,7 @@
         <a:sym typeface="Arial"/>
       </a:defRPr>
     </a:lvl3pPr>
-    <a:lvl4pPr lvl="3" marR="0" rtl="0" algn="l">
+    <a:lvl4pPr marR="0" lvl="3" algn="l" rtl="0">
       <a:lnSpc>
         <a:spcPct val="100000"/>
       </a:lnSpc>
@@ -555,7 +570,7 @@
         <a:srgbClr val="000000"/>
       </a:buClr>
       <a:buFont typeface="Arial"/>
-      <a:defRPr b="0" i="0" sz="1400" u="none" cap="none" strike="noStrike">
+      <a:defRPr sz="1400" b="0" i="0" u="none" strike="noStrike" cap="none">
         <a:solidFill>
           <a:srgbClr val="000000"/>
         </a:solidFill>
@@ -565,7 +580,7 @@
         <a:sym typeface="Arial"/>
       </a:defRPr>
     </a:lvl4pPr>
-    <a:lvl5pPr lvl="4" marR="0" rtl="0" algn="l">
+    <a:lvl5pPr marR="0" lvl="4" algn="l" rtl="0">
       <a:lnSpc>
         <a:spcPct val="100000"/>
       </a:lnSpc>
@@ -579,7 +594,7 @@
         <a:srgbClr val="000000"/>
       </a:buClr>
       <a:buFont typeface="Arial"/>
-      <a:defRPr b="0" i="0" sz="1400" u="none" cap="none" strike="noStrike">
+      <a:defRPr sz="1400" b="0" i="0" u="none" strike="noStrike" cap="none">
         <a:solidFill>
           <a:srgbClr val="000000"/>
         </a:solidFill>
@@ -589,7 +604,7 @@
         <a:sym typeface="Arial"/>
       </a:defRPr>
     </a:lvl5pPr>
-    <a:lvl6pPr lvl="5" marR="0" rtl="0" algn="l">
+    <a:lvl6pPr marR="0" lvl="5" algn="l" rtl="0">
       <a:lnSpc>
         <a:spcPct val="100000"/>
       </a:lnSpc>
@@ -603,7 +618,7 @@
         <a:srgbClr val="000000"/>
       </a:buClr>
       <a:buFont typeface="Arial"/>
-      <a:defRPr b="0" i="0" sz="1400" u="none" cap="none" strike="noStrike">
+      <a:defRPr sz="1400" b="0" i="0" u="none" strike="noStrike" cap="none">
         <a:solidFill>
           <a:srgbClr val="000000"/>
         </a:solidFill>
@@ -613,7 +628,7 @@
         <a:sym typeface="Arial"/>
       </a:defRPr>
     </a:lvl6pPr>
-    <a:lvl7pPr lvl="6" marR="0" rtl="0" algn="l">
+    <a:lvl7pPr marR="0" lvl="6" algn="l" rtl="0">
       <a:lnSpc>
         <a:spcPct val="100000"/>
       </a:lnSpc>
@@ -627,7 +642,7 @@
         <a:srgbClr val="000000"/>
       </a:buClr>
       <a:buFont typeface="Arial"/>
-      <a:defRPr b="0" i="0" sz="1400" u="none" cap="none" strike="noStrike">
+      <a:defRPr sz="1400" b="0" i="0" u="none" strike="noStrike" cap="none">
         <a:solidFill>
           <a:srgbClr val="000000"/>
         </a:solidFill>
@@ -637,7 +652,7 @@
         <a:sym typeface="Arial"/>
       </a:defRPr>
     </a:lvl7pPr>
-    <a:lvl8pPr lvl="7" marR="0" rtl="0" algn="l">
+    <a:lvl8pPr marR="0" lvl="7" algn="l" rtl="0">
       <a:lnSpc>
         <a:spcPct val="100000"/>
       </a:lnSpc>
@@ -651,7 +666,7 @@
         <a:srgbClr val="000000"/>
       </a:buClr>
       <a:buFont typeface="Arial"/>
-      <a:defRPr b="0" i="0" sz="1400" u="none" cap="none" strike="noStrike">
+      <a:defRPr sz="1400" b="0" i="0" u="none" strike="noStrike" cap="none">
         <a:solidFill>
           <a:srgbClr val="000000"/>
         </a:solidFill>
@@ -661,7 +676,7 @@
         <a:sym typeface="Arial"/>
       </a:defRPr>
     </a:lvl8pPr>
-    <a:lvl9pPr lvl="8" marR="0" rtl="0" algn="l">
+    <a:lvl9pPr marR="0" lvl="8" algn="l" rtl="0">
       <a:lnSpc>
         <a:spcPct val="100000"/>
       </a:lnSpc>
@@ -675,7 +690,7 @@
         <a:srgbClr val="000000"/>
       </a:buClr>
       <a:buFont typeface="Arial"/>
-      <a:defRPr b="0" i="0" sz="1400" u="none" cap="none" strike="noStrike">
+      <a:defRPr sz="1400" b="0" i="0" u="none" strike="noStrike" cap="none">
         <a:solidFill>
           <a:srgbClr val="000000"/>
         </a:solidFill>
@@ -690,11 +705,11 @@
 </file>
 
 <file path=ppt/notesSlides/notesSlide1.xml><?xml version="1.0" encoding="utf-8"?>
-<p:notes xmlns:a="http://schemas.openxmlformats.org/drawingml/2006/main" xmlns:r="http://schemas.openxmlformats.org/officeDocument/2006/relationships" xmlns:mc="http://schemas.openxmlformats.org/markup-compatibility/2006" xmlns:mv="urn:schemas-microsoft-com:mac:vml" xmlns:p="http://schemas.openxmlformats.org/presentationml/2006/main" xmlns:c="http://schemas.openxmlformats.org/drawingml/2006/chart" xmlns:dgm="http://schemas.openxmlformats.org/drawingml/2006/diagram" xmlns:o="urn:schemas-microsoft-com:office:office" xmlns:v="urn:schemas-microsoft-com:vml" xmlns:pvml="urn:schemas-microsoft-com:office:powerpoint" xmlns:com="http://schemas.openxmlformats.org/drawingml/2006/compatibility" xmlns:p14="http://schemas.microsoft.com/office/powerpoint/2010/main" xmlns:p15="http://schemas.microsoft.com/office/powerpoint/2012/main" showMasterPhAnim="0" showMasterSp="0">
+<p:notes xmlns:a="http://schemas.openxmlformats.org/drawingml/2006/main" xmlns:r="http://schemas.openxmlformats.org/officeDocument/2006/relationships" xmlns:p="http://schemas.openxmlformats.org/presentationml/2006/main" showMasterSp="0" showMasterPhAnim="0">
   <p:cSld>
     <p:spTree>
       <p:nvGrpSpPr>
-        <p:cNvPr id="81" name="Shape 81"/>
+        <p:cNvPr id="1" name="Shape 81"/>
         <p:cNvGrpSpPr/>
         <p:nvPr/>
       </p:nvGrpSpPr>
@@ -709,9 +724,11 @@
       <p:sp>
         <p:nvSpPr>
           <p:cNvPr id="82" name="Google Shape;82;p:notes"/>
-          <p:cNvSpPr/>
+          <p:cNvSpPr>
+            <a:spLocks noGrp="1" noRot="1" noChangeAspect="1"/>
+          </p:cNvSpPr>
           <p:nvPr>
-            <p:ph idx="2" type="sldImg"/>
+            <p:ph type="sldImg" idx="2"/>
           </p:nvPr>
         </p:nvSpPr>
         <p:spPr>
@@ -720,9 +737,13 @@
             <a:ext cx="6096075" cy="3429000"/>
           </a:xfrm>
           <a:custGeom>
-            <a:rect b="b" l="l" r="r" t="t"/>
+            <a:avLst/>
+            <a:gdLst/>
+            <a:ahLst/>
+            <a:cxnLst/>
+            <a:rect l="l" t="t" r="r" b="b"/>
             <a:pathLst>
-              <a:path extrusionOk="0" h="120000" w="120000">
+              <a:path w="120000" h="120000" extrusionOk="0">
                 <a:moveTo>
                   <a:pt x="0" y="0"/>
                 </a:moveTo>
@@ -744,9 +765,11 @@
       <p:sp>
         <p:nvSpPr>
           <p:cNvPr id="83" name="Google Shape;83;p:notes"/>
-          <p:cNvSpPr txBox="1"/>
+          <p:cNvSpPr txBox="1">
+            <a:spLocks noGrp="1"/>
+          </p:cNvSpPr>
           <p:nvPr>
-            <p:ph idx="1" type="body"/>
+            <p:ph type="body" idx="1"/>
           </p:nvPr>
         </p:nvSpPr>
         <p:spPr>
@@ -759,12 +782,12 @@
           </a:prstGeom>
         </p:spPr>
         <p:txBody>
-          <a:bodyPr anchorCtr="0" anchor="t" bIns="91425" lIns="91425" spcFirstLastPara="1" rIns="91425" wrap="square" tIns="91425">
+          <a:bodyPr spcFirstLastPara="1" wrap="square" lIns="91425" tIns="91425" rIns="91425" bIns="91425" anchor="t" anchorCtr="0">
             <a:noAutofit/>
           </a:bodyPr>
           <a:lstStyle/>
           <a:p>
-            <a:pPr indent="0" lvl="0" marL="0" rtl="0" algn="l">
+            <a:pPr marL="0" lvl="0" indent="0" algn="l" rtl="0">
               <a:spcBef>
                 <a:spcPts val="0"/>
               </a:spcBef>
@@ -773,9 +796,6 @@
               </a:spcAft>
               <a:buNone/>
             </a:pPr>
-            <a:r>
-              <a:t/>
-            </a:r>
             <a:endParaRPr/>
           </a:p>
         </p:txBody>
@@ -789,11 +809,11 @@
 </file>
 
 <file path=ppt/notesSlides/notesSlide10.xml><?xml version="1.0" encoding="utf-8"?>
-<p:notes xmlns:a="http://schemas.openxmlformats.org/drawingml/2006/main" xmlns:r="http://schemas.openxmlformats.org/officeDocument/2006/relationships" xmlns:mc="http://schemas.openxmlformats.org/markup-compatibility/2006" xmlns:mv="urn:schemas-microsoft-com:mac:vml" xmlns:p="http://schemas.openxmlformats.org/presentationml/2006/main" xmlns:c="http://schemas.openxmlformats.org/drawingml/2006/chart" xmlns:dgm="http://schemas.openxmlformats.org/drawingml/2006/diagram" xmlns:o="urn:schemas-microsoft-com:office:office" xmlns:v="urn:schemas-microsoft-com:vml" xmlns:pvml="urn:schemas-microsoft-com:office:powerpoint" xmlns:com="http://schemas.openxmlformats.org/drawingml/2006/compatibility" xmlns:p14="http://schemas.microsoft.com/office/powerpoint/2010/main" xmlns:p15="http://schemas.microsoft.com/office/powerpoint/2012/main" showMasterPhAnim="0" showMasterSp="0">
+<p:notes xmlns:a="http://schemas.openxmlformats.org/drawingml/2006/main" xmlns:r="http://schemas.openxmlformats.org/officeDocument/2006/relationships" xmlns:p="http://schemas.openxmlformats.org/presentationml/2006/main" showMasterSp="0" showMasterPhAnim="0">
   <p:cSld>
     <p:spTree>
       <p:nvGrpSpPr>
-        <p:cNvPr id="137" name="Shape 137"/>
+        <p:cNvPr id="1" name="Shape 137"/>
         <p:cNvGrpSpPr/>
         <p:nvPr/>
       </p:nvGrpSpPr>
@@ -808,9 +828,11 @@
       <p:sp>
         <p:nvSpPr>
           <p:cNvPr id="138" name="Google Shape;138;g4b08a40a92_0_794:notes"/>
-          <p:cNvSpPr/>
+          <p:cNvSpPr>
+            <a:spLocks noGrp="1" noRot="1" noChangeAspect="1"/>
+          </p:cNvSpPr>
           <p:nvPr>
-            <p:ph idx="2" type="sldImg"/>
+            <p:ph type="sldImg" idx="2"/>
           </p:nvPr>
         </p:nvSpPr>
         <p:spPr>
@@ -819,9 +841,13 @@
             <a:ext cx="6096000" cy="3429000"/>
           </a:xfrm>
           <a:custGeom>
-            <a:rect b="b" l="l" r="r" t="t"/>
+            <a:avLst/>
+            <a:gdLst/>
+            <a:ahLst/>
+            <a:cxnLst/>
+            <a:rect l="l" t="t" r="r" b="b"/>
             <a:pathLst>
-              <a:path extrusionOk="0" h="120000" w="120000">
+              <a:path w="120000" h="120000" extrusionOk="0">
                 <a:moveTo>
                   <a:pt x="0" y="0"/>
                 </a:moveTo>
@@ -843,9 +869,11 @@
       <p:sp>
         <p:nvSpPr>
           <p:cNvPr id="139" name="Google Shape;139;g4b08a40a92_0_794:notes"/>
-          <p:cNvSpPr txBox="1"/>
+          <p:cNvSpPr txBox="1">
+            <a:spLocks noGrp="1"/>
+          </p:cNvSpPr>
           <p:nvPr>
-            <p:ph idx="1" type="body"/>
+            <p:ph type="body" idx="1"/>
           </p:nvPr>
         </p:nvSpPr>
         <p:spPr>
@@ -858,12 +886,12 @@
           </a:prstGeom>
         </p:spPr>
         <p:txBody>
-          <a:bodyPr anchorCtr="0" anchor="t" bIns="91425" lIns="91425" spcFirstLastPara="1" rIns="91425" wrap="square" tIns="91425">
+          <a:bodyPr spcFirstLastPara="1" wrap="square" lIns="91425" tIns="91425" rIns="91425" bIns="91425" anchor="t" anchorCtr="0">
             <a:noAutofit/>
           </a:bodyPr>
           <a:lstStyle/>
           <a:p>
-            <a:pPr indent="0" lvl="0" marL="0" rtl="0" algn="l">
+            <a:pPr marL="0" lvl="0" indent="0" algn="l" rtl="0">
               <a:spcBef>
                 <a:spcPts val="0"/>
               </a:spcBef>
@@ -872,9 +900,6 @@
               </a:spcAft>
               <a:buNone/>
             </a:pPr>
-            <a:r>
-              <a:t/>
-            </a:r>
             <a:endParaRPr/>
           </a:p>
         </p:txBody>
@@ -888,11 +913,11 @@
 </file>
 
 <file path=ppt/notesSlides/notesSlide11.xml><?xml version="1.0" encoding="utf-8"?>
-<p:notes xmlns:a="http://schemas.openxmlformats.org/drawingml/2006/main" xmlns:r="http://schemas.openxmlformats.org/officeDocument/2006/relationships" xmlns:mc="http://schemas.openxmlformats.org/markup-compatibility/2006" xmlns:mv="urn:schemas-microsoft-com:mac:vml" xmlns:p="http://schemas.openxmlformats.org/presentationml/2006/main" xmlns:c="http://schemas.openxmlformats.org/drawingml/2006/chart" xmlns:dgm="http://schemas.openxmlformats.org/drawingml/2006/diagram" xmlns:o="urn:schemas-microsoft-com:office:office" xmlns:v="urn:schemas-microsoft-com:vml" xmlns:pvml="urn:schemas-microsoft-com:office:powerpoint" xmlns:com="http://schemas.openxmlformats.org/drawingml/2006/compatibility" xmlns:p14="http://schemas.microsoft.com/office/powerpoint/2010/main" xmlns:p15="http://schemas.microsoft.com/office/powerpoint/2012/main" showMasterPhAnim="0" showMasterSp="0">
+<p:notes xmlns:a="http://schemas.openxmlformats.org/drawingml/2006/main" xmlns:r="http://schemas.openxmlformats.org/officeDocument/2006/relationships" xmlns:p="http://schemas.openxmlformats.org/presentationml/2006/main" showMasterSp="0" showMasterPhAnim="0">
   <p:cSld>
     <p:spTree>
       <p:nvGrpSpPr>
-        <p:cNvPr id="143" name="Shape 143"/>
+        <p:cNvPr id="1" name="Shape 143"/>
         <p:cNvGrpSpPr/>
         <p:nvPr/>
       </p:nvGrpSpPr>
@@ -907,9 +932,11 @@
       <p:sp>
         <p:nvSpPr>
           <p:cNvPr id="144" name="Google Shape;144;g4b08a40a92_0_799:notes"/>
-          <p:cNvSpPr/>
+          <p:cNvSpPr>
+            <a:spLocks noGrp="1" noRot="1" noChangeAspect="1"/>
+          </p:cNvSpPr>
           <p:nvPr>
-            <p:ph idx="2" type="sldImg"/>
+            <p:ph type="sldImg" idx="2"/>
           </p:nvPr>
         </p:nvSpPr>
         <p:spPr>
@@ -918,9 +945,13 @@
             <a:ext cx="6096000" cy="3429000"/>
           </a:xfrm>
           <a:custGeom>
-            <a:rect b="b" l="l" r="r" t="t"/>
+            <a:avLst/>
+            <a:gdLst/>
+            <a:ahLst/>
+            <a:cxnLst/>
+            <a:rect l="l" t="t" r="r" b="b"/>
             <a:pathLst>
-              <a:path extrusionOk="0" h="120000" w="120000">
+              <a:path w="120000" h="120000" extrusionOk="0">
                 <a:moveTo>
                   <a:pt x="0" y="0"/>
                 </a:moveTo>
@@ -942,9 +973,11 @@
       <p:sp>
         <p:nvSpPr>
           <p:cNvPr id="145" name="Google Shape;145;g4b08a40a92_0_799:notes"/>
-          <p:cNvSpPr txBox="1"/>
+          <p:cNvSpPr txBox="1">
+            <a:spLocks noGrp="1"/>
+          </p:cNvSpPr>
           <p:nvPr>
-            <p:ph idx="1" type="body"/>
+            <p:ph type="body" idx="1"/>
           </p:nvPr>
         </p:nvSpPr>
         <p:spPr>
@@ -957,12 +990,12 @@
           </a:prstGeom>
         </p:spPr>
         <p:txBody>
-          <a:bodyPr anchorCtr="0" anchor="t" bIns="91425" lIns="91425" spcFirstLastPara="1" rIns="91425" wrap="square" tIns="91425">
+          <a:bodyPr spcFirstLastPara="1" wrap="square" lIns="91425" tIns="91425" rIns="91425" bIns="91425" anchor="t" anchorCtr="0">
             <a:noAutofit/>
           </a:bodyPr>
           <a:lstStyle/>
           <a:p>
-            <a:pPr indent="0" lvl="0" marL="0" rtl="0" algn="l">
+            <a:pPr marL="0" lvl="0" indent="0" algn="l" rtl="0">
               <a:spcBef>
                 <a:spcPts val="0"/>
               </a:spcBef>
@@ -971,9 +1004,6 @@
               </a:spcAft>
               <a:buNone/>
             </a:pPr>
-            <a:r>
-              <a:t/>
-            </a:r>
             <a:endParaRPr/>
           </a:p>
         </p:txBody>
@@ -987,11 +1017,11 @@
 </file>
 
 <file path=ppt/notesSlides/notesSlide12.xml><?xml version="1.0" encoding="utf-8"?>
-<p:notes xmlns:a="http://schemas.openxmlformats.org/drawingml/2006/main" xmlns:r="http://schemas.openxmlformats.org/officeDocument/2006/relationships" xmlns:mc="http://schemas.openxmlformats.org/markup-compatibility/2006" xmlns:mv="urn:schemas-microsoft-com:mac:vml" xmlns:p="http://schemas.openxmlformats.org/presentationml/2006/main" xmlns:c="http://schemas.openxmlformats.org/drawingml/2006/chart" xmlns:dgm="http://schemas.openxmlformats.org/drawingml/2006/diagram" xmlns:o="urn:schemas-microsoft-com:office:office" xmlns:v="urn:schemas-microsoft-com:vml" xmlns:pvml="urn:schemas-microsoft-com:office:powerpoint" xmlns:com="http://schemas.openxmlformats.org/drawingml/2006/compatibility" xmlns:p14="http://schemas.microsoft.com/office/powerpoint/2010/main" xmlns:p15="http://schemas.microsoft.com/office/powerpoint/2012/main" showMasterPhAnim="0" showMasterSp="0">
+<p:notes xmlns:a="http://schemas.openxmlformats.org/drawingml/2006/main" xmlns:r="http://schemas.openxmlformats.org/officeDocument/2006/relationships" xmlns:p="http://schemas.openxmlformats.org/presentationml/2006/main" showMasterSp="0" showMasterPhAnim="0">
   <p:cSld>
     <p:spTree>
       <p:nvGrpSpPr>
-        <p:cNvPr id="149" name="Shape 149"/>
+        <p:cNvPr id="1" name="Shape 149"/>
         <p:cNvGrpSpPr/>
         <p:nvPr/>
       </p:nvGrpSpPr>
@@ -1006,9 +1036,11 @@
       <p:sp>
         <p:nvSpPr>
           <p:cNvPr id="150" name="Google Shape;150;g4b08a40a92_0_804:notes"/>
-          <p:cNvSpPr/>
+          <p:cNvSpPr>
+            <a:spLocks noGrp="1" noRot="1" noChangeAspect="1"/>
+          </p:cNvSpPr>
           <p:nvPr>
-            <p:ph idx="2" type="sldImg"/>
+            <p:ph type="sldImg" idx="2"/>
           </p:nvPr>
         </p:nvSpPr>
         <p:spPr>
@@ -1017,9 +1049,13 @@
             <a:ext cx="6096000" cy="3429000"/>
           </a:xfrm>
           <a:custGeom>
-            <a:rect b="b" l="l" r="r" t="t"/>
+            <a:avLst/>
+            <a:gdLst/>
+            <a:ahLst/>
+            <a:cxnLst/>
+            <a:rect l="l" t="t" r="r" b="b"/>
             <a:pathLst>
-              <a:path extrusionOk="0" h="120000" w="120000">
+              <a:path w="120000" h="120000" extrusionOk="0">
                 <a:moveTo>
                   <a:pt x="0" y="0"/>
                 </a:moveTo>
@@ -1041,9 +1077,11 @@
       <p:sp>
         <p:nvSpPr>
           <p:cNvPr id="151" name="Google Shape;151;g4b08a40a92_0_804:notes"/>
-          <p:cNvSpPr txBox="1"/>
+          <p:cNvSpPr txBox="1">
+            <a:spLocks noGrp="1"/>
+          </p:cNvSpPr>
           <p:nvPr>
-            <p:ph idx="1" type="body"/>
+            <p:ph type="body" idx="1"/>
           </p:nvPr>
         </p:nvSpPr>
         <p:spPr>
@@ -1056,12 +1094,12 @@
           </a:prstGeom>
         </p:spPr>
         <p:txBody>
-          <a:bodyPr anchorCtr="0" anchor="t" bIns="91425" lIns="91425" spcFirstLastPara="1" rIns="91425" wrap="square" tIns="91425">
+          <a:bodyPr spcFirstLastPara="1" wrap="square" lIns="91425" tIns="91425" rIns="91425" bIns="91425" anchor="t" anchorCtr="0">
             <a:noAutofit/>
           </a:bodyPr>
           <a:lstStyle/>
           <a:p>
-            <a:pPr indent="0" lvl="0" marL="0" rtl="0" algn="l">
+            <a:pPr marL="0" lvl="0" indent="0" algn="l" rtl="0">
               <a:spcBef>
                 <a:spcPts val="0"/>
               </a:spcBef>
@@ -1070,9 +1108,6 @@
               </a:spcAft>
               <a:buNone/>
             </a:pPr>
-            <a:r>
-              <a:t/>
-            </a:r>
             <a:endParaRPr/>
           </a:p>
         </p:txBody>
@@ -1086,11 +1121,11 @@
 </file>
 
 <file path=ppt/notesSlides/notesSlide13.xml><?xml version="1.0" encoding="utf-8"?>
-<p:notes xmlns:a="http://schemas.openxmlformats.org/drawingml/2006/main" xmlns:r="http://schemas.openxmlformats.org/officeDocument/2006/relationships" xmlns:mc="http://schemas.openxmlformats.org/markup-compatibility/2006" xmlns:mv="urn:schemas-microsoft-com:mac:vml" xmlns:p="http://schemas.openxmlformats.org/presentationml/2006/main" xmlns:c="http://schemas.openxmlformats.org/drawingml/2006/chart" xmlns:dgm="http://schemas.openxmlformats.org/drawingml/2006/diagram" xmlns:o="urn:schemas-microsoft-com:office:office" xmlns:v="urn:schemas-microsoft-com:vml" xmlns:pvml="urn:schemas-microsoft-com:office:powerpoint" xmlns:com="http://schemas.openxmlformats.org/drawingml/2006/compatibility" xmlns:p14="http://schemas.microsoft.com/office/powerpoint/2010/main" xmlns:p15="http://schemas.microsoft.com/office/powerpoint/2012/main" showMasterPhAnim="0" showMasterSp="0">
+<p:notes xmlns:a="http://schemas.openxmlformats.org/drawingml/2006/main" xmlns:r="http://schemas.openxmlformats.org/officeDocument/2006/relationships" xmlns:p="http://schemas.openxmlformats.org/presentationml/2006/main" showMasterSp="0" showMasterPhAnim="0">
   <p:cSld>
     <p:spTree>
       <p:nvGrpSpPr>
-        <p:cNvPr id="155" name="Shape 155"/>
+        <p:cNvPr id="1" name="Shape 155"/>
         <p:cNvGrpSpPr/>
         <p:nvPr/>
       </p:nvGrpSpPr>
@@ -1105,9 +1140,11 @@
       <p:sp>
         <p:nvSpPr>
           <p:cNvPr id="156" name="Google Shape;156;g4b08a40a92_0_809:notes"/>
-          <p:cNvSpPr/>
+          <p:cNvSpPr>
+            <a:spLocks noGrp="1" noRot="1" noChangeAspect="1"/>
+          </p:cNvSpPr>
           <p:nvPr>
-            <p:ph idx="2" type="sldImg"/>
+            <p:ph type="sldImg" idx="2"/>
           </p:nvPr>
         </p:nvSpPr>
         <p:spPr>
@@ -1116,9 +1153,13 @@
             <a:ext cx="6096000" cy="3429000"/>
           </a:xfrm>
           <a:custGeom>
-            <a:rect b="b" l="l" r="r" t="t"/>
+            <a:avLst/>
+            <a:gdLst/>
+            <a:ahLst/>
+            <a:cxnLst/>
+            <a:rect l="l" t="t" r="r" b="b"/>
             <a:pathLst>
-              <a:path extrusionOk="0" h="120000" w="120000">
+              <a:path w="120000" h="120000" extrusionOk="0">
                 <a:moveTo>
                   <a:pt x="0" y="0"/>
                 </a:moveTo>
@@ -1140,9 +1181,11 @@
       <p:sp>
         <p:nvSpPr>
           <p:cNvPr id="157" name="Google Shape;157;g4b08a40a92_0_809:notes"/>
-          <p:cNvSpPr txBox="1"/>
+          <p:cNvSpPr txBox="1">
+            <a:spLocks noGrp="1"/>
+          </p:cNvSpPr>
           <p:nvPr>
-            <p:ph idx="1" type="body"/>
+            <p:ph type="body" idx="1"/>
           </p:nvPr>
         </p:nvSpPr>
         <p:spPr>
@@ -1155,12 +1198,12 @@
           </a:prstGeom>
         </p:spPr>
         <p:txBody>
-          <a:bodyPr anchorCtr="0" anchor="t" bIns="91425" lIns="91425" spcFirstLastPara="1" rIns="91425" wrap="square" tIns="91425">
+          <a:bodyPr spcFirstLastPara="1" wrap="square" lIns="91425" tIns="91425" rIns="91425" bIns="91425" anchor="t" anchorCtr="0">
             <a:noAutofit/>
           </a:bodyPr>
           <a:lstStyle/>
           <a:p>
-            <a:pPr indent="0" lvl="0" marL="0" rtl="0" algn="l">
+            <a:pPr marL="0" lvl="0" indent="0" algn="l" rtl="0">
               <a:spcBef>
                 <a:spcPts val="0"/>
               </a:spcBef>
@@ -1169,9 +1212,6 @@
               </a:spcAft>
               <a:buNone/>
             </a:pPr>
-            <a:r>
-              <a:t/>
-            </a:r>
             <a:endParaRPr/>
           </a:p>
         </p:txBody>
@@ -1185,11 +1225,11 @@
 </file>
 
 <file path=ppt/notesSlides/notesSlide2.xml><?xml version="1.0" encoding="utf-8"?>
-<p:notes xmlns:a="http://schemas.openxmlformats.org/drawingml/2006/main" xmlns:r="http://schemas.openxmlformats.org/officeDocument/2006/relationships" xmlns:mc="http://schemas.openxmlformats.org/markup-compatibility/2006" xmlns:mv="urn:schemas-microsoft-com:mac:vml" xmlns:p="http://schemas.openxmlformats.org/presentationml/2006/main" xmlns:c="http://schemas.openxmlformats.org/drawingml/2006/chart" xmlns:dgm="http://schemas.openxmlformats.org/drawingml/2006/diagram" xmlns:o="urn:schemas-microsoft-com:office:office" xmlns:v="urn:schemas-microsoft-com:vml" xmlns:pvml="urn:schemas-microsoft-com:office:powerpoint" xmlns:com="http://schemas.openxmlformats.org/drawingml/2006/compatibility" xmlns:p14="http://schemas.microsoft.com/office/powerpoint/2010/main" xmlns:p15="http://schemas.microsoft.com/office/powerpoint/2012/main" showMasterPhAnim="0" showMasterSp="0">
+<p:notes xmlns:a="http://schemas.openxmlformats.org/drawingml/2006/main" xmlns:r="http://schemas.openxmlformats.org/officeDocument/2006/relationships" xmlns:p="http://schemas.openxmlformats.org/presentationml/2006/main" showMasterSp="0" showMasterPhAnim="0">
   <p:cSld>
     <p:spTree>
       <p:nvGrpSpPr>
-        <p:cNvPr id="87" name="Shape 87"/>
+        <p:cNvPr id="1" name="Shape 87"/>
         <p:cNvGrpSpPr/>
         <p:nvPr/>
       </p:nvGrpSpPr>
@@ -1204,9 +1244,11 @@
       <p:sp>
         <p:nvSpPr>
           <p:cNvPr id="88" name="Google Shape;88;g4b08a40a92_0_1:notes"/>
-          <p:cNvSpPr/>
+          <p:cNvSpPr>
+            <a:spLocks noGrp="1" noRot="1" noChangeAspect="1"/>
+          </p:cNvSpPr>
           <p:nvPr>
-            <p:ph idx="2" type="sldImg"/>
+            <p:ph type="sldImg" idx="2"/>
           </p:nvPr>
         </p:nvSpPr>
         <p:spPr>
@@ -1215,9 +1257,13 @@
             <a:ext cx="6096000" cy="3429000"/>
           </a:xfrm>
           <a:custGeom>
-            <a:rect b="b" l="l" r="r" t="t"/>
+            <a:avLst/>
+            <a:gdLst/>
+            <a:ahLst/>
+            <a:cxnLst/>
+            <a:rect l="l" t="t" r="r" b="b"/>
             <a:pathLst>
-              <a:path extrusionOk="0" h="120000" w="120000">
+              <a:path w="120000" h="120000" extrusionOk="0">
                 <a:moveTo>
                   <a:pt x="0" y="0"/>
                 </a:moveTo>
@@ -1239,9 +1285,11 @@
       <p:sp>
         <p:nvSpPr>
           <p:cNvPr id="89" name="Google Shape;89;g4b08a40a92_0_1:notes"/>
-          <p:cNvSpPr txBox="1"/>
+          <p:cNvSpPr txBox="1">
+            <a:spLocks noGrp="1"/>
+          </p:cNvSpPr>
           <p:nvPr>
-            <p:ph idx="1" type="body"/>
+            <p:ph type="body" idx="1"/>
           </p:nvPr>
         </p:nvSpPr>
         <p:spPr>
@@ -1254,12 +1302,12 @@
           </a:prstGeom>
         </p:spPr>
         <p:txBody>
-          <a:bodyPr anchorCtr="0" anchor="t" bIns="91425" lIns="91425" spcFirstLastPara="1" rIns="91425" wrap="square" tIns="91425">
+          <a:bodyPr spcFirstLastPara="1" wrap="square" lIns="91425" tIns="91425" rIns="91425" bIns="91425" anchor="t" anchorCtr="0">
             <a:noAutofit/>
           </a:bodyPr>
           <a:lstStyle/>
           <a:p>
-            <a:pPr indent="0" lvl="0" marL="0" rtl="0" algn="l">
+            <a:pPr marL="0" lvl="0" indent="0" algn="l" rtl="0">
               <a:spcBef>
                 <a:spcPts val="0"/>
               </a:spcBef>
@@ -1268,9 +1316,6 @@
               </a:spcAft>
               <a:buNone/>
             </a:pPr>
-            <a:r>
-              <a:t/>
-            </a:r>
             <a:endParaRPr/>
           </a:p>
         </p:txBody>
@@ -1284,11 +1329,11 @@
 </file>
 
 <file path=ppt/notesSlides/notesSlide3.xml><?xml version="1.0" encoding="utf-8"?>
-<p:notes xmlns:a="http://schemas.openxmlformats.org/drawingml/2006/main" xmlns:r="http://schemas.openxmlformats.org/officeDocument/2006/relationships" xmlns:mc="http://schemas.openxmlformats.org/markup-compatibility/2006" xmlns:mv="urn:schemas-microsoft-com:mac:vml" xmlns:p="http://schemas.openxmlformats.org/presentationml/2006/main" xmlns:c="http://schemas.openxmlformats.org/drawingml/2006/chart" xmlns:dgm="http://schemas.openxmlformats.org/drawingml/2006/diagram" xmlns:o="urn:schemas-microsoft-com:office:office" xmlns:v="urn:schemas-microsoft-com:vml" xmlns:pvml="urn:schemas-microsoft-com:office:powerpoint" xmlns:com="http://schemas.openxmlformats.org/drawingml/2006/compatibility" xmlns:p14="http://schemas.microsoft.com/office/powerpoint/2010/main" xmlns:p15="http://schemas.microsoft.com/office/powerpoint/2012/main" showMasterPhAnim="0" showMasterSp="0">
+<p:notes xmlns:a="http://schemas.openxmlformats.org/drawingml/2006/main" xmlns:r="http://schemas.openxmlformats.org/officeDocument/2006/relationships" xmlns:p="http://schemas.openxmlformats.org/presentationml/2006/main" showMasterSp="0" showMasterPhAnim="0">
   <p:cSld>
     <p:spTree>
       <p:nvGrpSpPr>
-        <p:cNvPr id="94" name="Shape 94"/>
+        <p:cNvPr id="1" name="Shape 94"/>
         <p:cNvGrpSpPr/>
         <p:nvPr/>
       </p:nvGrpSpPr>
@@ -1303,9 +1348,11 @@
       <p:sp>
         <p:nvSpPr>
           <p:cNvPr id="95" name="Google Shape;95;g4b08a40a92_0_6:notes"/>
-          <p:cNvSpPr/>
+          <p:cNvSpPr>
+            <a:spLocks noGrp="1" noRot="1" noChangeAspect="1"/>
+          </p:cNvSpPr>
           <p:nvPr>
-            <p:ph idx="2" type="sldImg"/>
+            <p:ph type="sldImg" idx="2"/>
           </p:nvPr>
         </p:nvSpPr>
         <p:spPr>
@@ -1314,9 +1361,13 @@
             <a:ext cx="6096000" cy="3429000"/>
           </a:xfrm>
           <a:custGeom>
-            <a:rect b="b" l="l" r="r" t="t"/>
+            <a:avLst/>
+            <a:gdLst/>
+            <a:ahLst/>
+            <a:cxnLst/>
+            <a:rect l="l" t="t" r="r" b="b"/>
             <a:pathLst>
-              <a:path extrusionOk="0" h="120000" w="120000">
+              <a:path w="120000" h="120000" extrusionOk="0">
                 <a:moveTo>
                   <a:pt x="0" y="0"/>
                 </a:moveTo>
@@ -1338,9 +1389,11 @@
       <p:sp>
         <p:nvSpPr>
           <p:cNvPr id="96" name="Google Shape;96;g4b08a40a92_0_6:notes"/>
-          <p:cNvSpPr txBox="1"/>
+          <p:cNvSpPr txBox="1">
+            <a:spLocks noGrp="1"/>
+          </p:cNvSpPr>
           <p:nvPr>
-            <p:ph idx="1" type="body"/>
+            <p:ph type="body" idx="1"/>
           </p:nvPr>
         </p:nvSpPr>
         <p:spPr>
@@ -1353,12 +1406,12 @@
           </a:prstGeom>
         </p:spPr>
         <p:txBody>
-          <a:bodyPr anchorCtr="0" anchor="t" bIns="91425" lIns="91425" spcFirstLastPara="1" rIns="91425" wrap="square" tIns="91425">
+          <a:bodyPr spcFirstLastPara="1" wrap="square" lIns="91425" tIns="91425" rIns="91425" bIns="91425" anchor="t" anchorCtr="0">
             <a:noAutofit/>
           </a:bodyPr>
           <a:lstStyle/>
           <a:p>
-            <a:pPr indent="0" lvl="0" marL="0" rtl="0" algn="l">
+            <a:pPr marL="0" lvl="0" indent="0" algn="l" rtl="0">
               <a:spcBef>
                 <a:spcPts val="0"/>
               </a:spcBef>
@@ -1367,9 +1420,6 @@
               </a:spcAft>
               <a:buNone/>
             </a:pPr>
-            <a:r>
-              <a:t/>
-            </a:r>
             <a:endParaRPr/>
           </a:p>
         </p:txBody>
@@ -1383,11 +1433,11 @@
 </file>
 
 <file path=ppt/notesSlides/notesSlide4.xml><?xml version="1.0" encoding="utf-8"?>
-<p:notes xmlns:a="http://schemas.openxmlformats.org/drawingml/2006/main" xmlns:r="http://schemas.openxmlformats.org/officeDocument/2006/relationships" xmlns:mc="http://schemas.openxmlformats.org/markup-compatibility/2006" xmlns:mv="urn:schemas-microsoft-com:mac:vml" xmlns:p="http://schemas.openxmlformats.org/presentationml/2006/main" xmlns:c="http://schemas.openxmlformats.org/drawingml/2006/chart" xmlns:dgm="http://schemas.openxmlformats.org/drawingml/2006/diagram" xmlns:o="urn:schemas-microsoft-com:office:office" xmlns:v="urn:schemas-microsoft-com:vml" xmlns:pvml="urn:schemas-microsoft-com:office:powerpoint" xmlns:com="http://schemas.openxmlformats.org/drawingml/2006/compatibility" xmlns:p14="http://schemas.microsoft.com/office/powerpoint/2010/main" xmlns:p15="http://schemas.microsoft.com/office/powerpoint/2012/main" showMasterPhAnim="0" showMasterSp="0">
+<p:notes xmlns:a="http://schemas.openxmlformats.org/drawingml/2006/main" xmlns:r="http://schemas.openxmlformats.org/officeDocument/2006/relationships" xmlns:p="http://schemas.openxmlformats.org/presentationml/2006/main" showMasterSp="0" showMasterPhAnim="0">
   <p:cSld>
     <p:spTree>
       <p:nvGrpSpPr>
-        <p:cNvPr id="99" name="Shape 99"/>
+        <p:cNvPr id="1" name="Shape 99"/>
         <p:cNvGrpSpPr/>
         <p:nvPr/>
       </p:nvGrpSpPr>
@@ -1402,9 +1452,11 @@
       <p:sp>
         <p:nvSpPr>
           <p:cNvPr id="100" name="Google Shape;100;g4b08a40a92_0_11:notes"/>
-          <p:cNvSpPr/>
+          <p:cNvSpPr>
+            <a:spLocks noGrp="1" noRot="1" noChangeAspect="1"/>
+          </p:cNvSpPr>
           <p:nvPr>
-            <p:ph idx="2" type="sldImg"/>
+            <p:ph type="sldImg" idx="2"/>
           </p:nvPr>
         </p:nvSpPr>
         <p:spPr>
@@ -1413,9 +1465,13 @@
             <a:ext cx="6096000" cy="3429000"/>
           </a:xfrm>
           <a:custGeom>
-            <a:rect b="b" l="l" r="r" t="t"/>
+            <a:avLst/>
+            <a:gdLst/>
+            <a:ahLst/>
+            <a:cxnLst/>
+            <a:rect l="l" t="t" r="r" b="b"/>
             <a:pathLst>
-              <a:path extrusionOk="0" h="120000" w="120000">
+              <a:path w="120000" h="120000" extrusionOk="0">
                 <a:moveTo>
                   <a:pt x="0" y="0"/>
                 </a:moveTo>
@@ -1437,9 +1493,11 @@
       <p:sp>
         <p:nvSpPr>
           <p:cNvPr id="101" name="Google Shape;101;g4b08a40a92_0_11:notes"/>
-          <p:cNvSpPr txBox="1"/>
+          <p:cNvSpPr txBox="1">
+            <a:spLocks noGrp="1"/>
+          </p:cNvSpPr>
           <p:nvPr>
-            <p:ph idx="1" type="body"/>
+            <p:ph type="body" idx="1"/>
           </p:nvPr>
         </p:nvSpPr>
         <p:spPr>
@@ -1452,12 +1510,12 @@
           </a:prstGeom>
         </p:spPr>
         <p:txBody>
-          <a:bodyPr anchorCtr="0" anchor="t" bIns="91425" lIns="91425" spcFirstLastPara="1" rIns="91425" wrap="square" tIns="91425">
+          <a:bodyPr spcFirstLastPara="1" wrap="square" lIns="91425" tIns="91425" rIns="91425" bIns="91425" anchor="t" anchorCtr="0">
             <a:noAutofit/>
           </a:bodyPr>
           <a:lstStyle/>
           <a:p>
-            <a:pPr indent="0" lvl="0" marL="0" rtl="0" algn="l">
+            <a:pPr marL="0" lvl="0" indent="0" algn="l" rtl="0">
               <a:spcBef>
                 <a:spcPts val="0"/>
               </a:spcBef>
@@ -1466,9 +1524,6 @@
               </a:spcAft>
               <a:buNone/>
             </a:pPr>
-            <a:r>
-              <a:t/>
-            </a:r>
             <a:endParaRPr/>
           </a:p>
         </p:txBody>
@@ -1482,11 +1537,11 @@
 </file>
 
 <file path=ppt/notesSlides/notesSlide5.xml><?xml version="1.0" encoding="utf-8"?>
-<p:notes xmlns:a="http://schemas.openxmlformats.org/drawingml/2006/main" xmlns:r="http://schemas.openxmlformats.org/officeDocument/2006/relationships" xmlns:mc="http://schemas.openxmlformats.org/markup-compatibility/2006" xmlns:mv="urn:schemas-microsoft-com:mac:vml" xmlns:p="http://schemas.openxmlformats.org/presentationml/2006/main" xmlns:c="http://schemas.openxmlformats.org/drawingml/2006/chart" xmlns:dgm="http://schemas.openxmlformats.org/drawingml/2006/diagram" xmlns:o="urn:schemas-microsoft-com:office:office" xmlns:v="urn:schemas-microsoft-com:vml" xmlns:pvml="urn:schemas-microsoft-com:office:powerpoint" xmlns:com="http://schemas.openxmlformats.org/drawingml/2006/compatibility" xmlns:p14="http://schemas.microsoft.com/office/powerpoint/2010/main" xmlns:p15="http://schemas.microsoft.com/office/powerpoint/2012/main" showMasterPhAnim="0" showMasterSp="0">
+<p:notes xmlns:a="http://schemas.openxmlformats.org/drawingml/2006/main" xmlns:r="http://schemas.openxmlformats.org/officeDocument/2006/relationships" xmlns:p="http://schemas.openxmlformats.org/presentationml/2006/main" showMasterSp="0" showMasterPhAnim="0">
   <p:cSld>
     <p:spTree>
       <p:nvGrpSpPr>
-        <p:cNvPr id="106" name="Shape 106"/>
+        <p:cNvPr id="1" name="Shape 106"/>
         <p:cNvGrpSpPr/>
         <p:nvPr/>
       </p:nvGrpSpPr>
@@ -1501,9 +1556,11 @@
       <p:sp>
         <p:nvSpPr>
           <p:cNvPr id="107" name="Google Shape;107;g4b08a40a92_0_16:notes"/>
-          <p:cNvSpPr/>
+          <p:cNvSpPr>
+            <a:spLocks noGrp="1" noRot="1" noChangeAspect="1"/>
+          </p:cNvSpPr>
           <p:nvPr>
-            <p:ph idx="2" type="sldImg"/>
+            <p:ph type="sldImg" idx="2"/>
           </p:nvPr>
         </p:nvSpPr>
         <p:spPr>
@@ -1512,9 +1569,13 @@
             <a:ext cx="6096000" cy="3429000"/>
           </a:xfrm>
           <a:custGeom>
-            <a:rect b="b" l="l" r="r" t="t"/>
+            <a:avLst/>
+            <a:gdLst/>
+            <a:ahLst/>
+            <a:cxnLst/>
+            <a:rect l="l" t="t" r="r" b="b"/>
             <a:pathLst>
-              <a:path extrusionOk="0" h="120000" w="120000">
+              <a:path w="120000" h="120000" extrusionOk="0">
                 <a:moveTo>
                   <a:pt x="0" y="0"/>
                 </a:moveTo>
@@ -1536,9 +1597,11 @@
       <p:sp>
         <p:nvSpPr>
           <p:cNvPr id="108" name="Google Shape;108;g4b08a40a92_0_16:notes"/>
-          <p:cNvSpPr txBox="1"/>
+          <p:cNvSpPr txBox="1">
+            <a:spLocks noGrp="1"/>
+          </p:cNvSpPr>
           <p:nvPr>
-            <p:ph idx="1" type="body"/>
+            <p:ph type="body" idx="1"/>
           </p:nvPr>
         </p:nvSpPr>
         <p:spPr>
@@ -1551,12 +1614,12 @@
           </a:prstGeom>
         </p:spPr>
         <p:txBody>
-          <a:bodyPr anchorCtr="0" anchor="t" bIns="91425" lIns="91425" spcFirstLastPara="1" rIns="91425" wrap="square" tIns="91425">
+          <a:bodyPr spcFirstLastPara="1" wrap="square" lIns="91425" tIns="91425" rIns="91425" bIns="91425" anchor="t" anchorCtr="0">
             <a:noAutofit/>
           </a:bodyPr>
           <a:lstStyle/>
           <a:p>
-            <a:pPr indent="0" lvl="0" marL="0" rtl="0" algn="l">
+            <a:pPr marL="0" lvl="0" indent="0" algn="l" rtl="0">
               <a:spcBef>
                 <a:spcPts val="0"/>
               </a:spcBef>
@@ -1565,9 +1628,6 @@
               </a:spcAft>
               <a:buNone/>
             </a:pPr>
-            <a:r>
-              <a:t/>
-            </a:r>
             <a:endParaRPr/>
           </a:p>
         </p:txBody>
@@ -1581,11 +1641,11 @@
 </file>
 
 <file path=ppt/notesSlides/notesSlide6.xml><?xml version="1.0" encoding="utf-8"?>
-<p:notes xmlns:a="http://schemas.openxmlformats.org/drawingml/2006/main" xmlns:r="http://schemas.openxmlformats.org/officeDocument/2006/relationships" xmlns:mc="http://schemas.openxmlformats.org/markup-compatibility/2006" xmlns:mv="urn:schemas-microsoft-com:mac:vml" xmlns:p="http://schemas.openxmlformats.org/presentationml/2006/main" xmlns:c="http://schemas.openxmlformats.org/drawingml/2006/chart" xmlns:dgm="http://schemas.openxmlformats.org/drawingml/2006/diagram" xmlns:o="urn:schemas-microsoft-com:office:office" xmlns:v="urn:schemas-microsoft-com:vml" xmlns:pvml="urn:schemas-microsoft-com:office:powerpoint" xmlns:com="http://schemas.openxmlformats.org/drawingml/2006/compatibility" xmlns:p14="http://schemas.microsoft.com/office/powerpoint/2010/main" xmlns:p15="http://schemas.microsoft.com/office/powerpoint/2012/main" showMasterPhAnim="0" showMasterSp="0">
+<p:notes xmlns:a="http://schemas.openxmlformats.org/drawingml/2006/main" xmlns:r="http://schemas.openxmlformats.org/officeDocument/2006/relationships" xmlns:p="http://schemas.openxmlformats.org/presentationml/2006/main" showMasterSp="0" showMasterPhAnim="0">
   <p:cSld>
     <p:spTree>
       <p:nvGrpSpPr>
-        <p:cNvPr id="112" name="Shape 112"/>
+        <p:cNvPr id="1" name="Shape 112"/>
         <p:cNvGrpSpPr/>
         <p:nvPr/>
       </p:nvGrpSpPr>
@@ -1600,9 +1660,11 @@
       <p:sp>
         <p:nvSpPr>
           <p:cNvPr id="113" name="Google Shape;113;g4b08a40a92_0_21:notes"/>
-          <p:cNvSpPr/>
+          <p:cNvSpPr>
+            <a:spLocks noGrp="1" noRot="1" noChangeAspect="1"/>
+          </p:cNvSpPr>
           <p:nvPr>
-            <p:ph idx="2" type="sldImg"/>
+            <p:ph type="sldImg" idx="2"/>
           </p:nvPr>
         </p:nvSpPr>
         <p:spPr>
@@ -1611,9 +1673,13 @@
             <a:ext cx="6096000" cy="3429000"/>
           </a:xfrm>
           <a:custGeom>
-            <a:rect b="b" l="l" r="r" t="t"/>
+            <a:avLst/>
+            <a:gdLst/>
+            <a:ahLst/>
+            <a:cxnLst/>
+            <a:rect l="l" t="t" r="r" b="b"/>
             <a:pathLst>
-              <a:path extrusionOk="0" h="120000" w="120000">
+              <a:path w="120000" h="120000" extrusionOk="0">
                 <a:moveTo>
                   <a:pt x="0" y="0"/>
                 </a:moveTo>
@@ -1635,9 +1701,11 @@
       <p:sp>
         <p:nvSpPr>
           <p:cNvPr id="114" name="Google Shape;114;g4b08a40a92_0_21:notes"/>
-          <p:cNvSpPr txBox="1"/>
+          <p:cNvSpPr txBox="1">
+            <a:spLocks noGrp="1"/>
+          </p:cNvSpPr>
           <p:nvPr>
-            <p:ph idx="1" type="body"/>
+            <p:ph type="body" idx="1"/>
           </p:nvPr>
         </p:nvSpPr>
         <p:spPr>
@@ -1650,12 +1718,12 @@
           </a:prstGeom>
         </p:spPr>
         <p:txBody>
-          <a:bodyPr anchorCtr="0" anchor="t" bIns="91425" lIns="91425" spcFirstLastPara="1" rIns="91425" wrap="square" tIns="91425">
+          <a:bodyPr spcFirstLastPara="1" wrap="square" lIns="91425" tIns="91425" rIns="91425" bIns="91425" anchor="t" anchorCtr="0">
             <a:noAutofit/>
           </a:bodyPr>
           <a:lstStyle/>
           <a:p>
-            <a:pPr indent="0" lvl="0" marL="0" rtl="0" algn="l">
+            <a:pPr marL="0" lvl="0" indent="0" algn="l" rtl="0">
               <a:spcBef>
                 <a:spcPts val="0"/>
               </a:spcBef>
@@ -1664,9 +1732,6 @@
               </a:spcAft>
               <a:buNone/>
             </a:pPr>
-            <a:r>
-              <a:t/>
-            </a:r>
             <a:endParaRPr/>
           </a:p>
         </p:txBody>
@@ -1680,11 +1745,11 @@
 </file>
 
 <file path=ppt/notesSlides/notesSlide7.xml><?xml version="1.0" encoding="utf-8"?>
-<p:notes xmlns:a="http://schemas.openxmlformats.org/drawingml/2006/main" xmlns:r="http://schemas.openxmlformats.org/officeDocument/2006/relationships" xmlns:mc="http://schemas.openxmlformats.org/markup-compatibility/2006" xmlns:mv="urn:schemas-microsoft-com:mac:vml" xmlns:p="http://schemas.openxmlformats.org/presentationml/2006/main" xmlns:c="http://schemas.openxmlformats.org/drawingml/2006/chart" xmlns:dgm="http://schemas.openxmlformats.org/drawingml/2006/diagram" xmlns:o="urn:schemas-microsoft-com:office:office" xmlns:v="urn:schemas-microsoft-com:vml" xmlns:pvml="urn:schemas-microsoft-com:office:powerpoint" xmlns:com="http://schemas.openxmlformats.org/drawingml/2006/compatibility" xmlns:p14="http://schemas.microsoft.com/office/powerpoint/2010/main" xmlns:p15="http://schemas.microsoft.com/office/powerpoint/2012/main" showMasterPhAnim="0" showMasterSp="0">
+<p:notes xmlns:a="http://schemas.openxmlformats.org/drawingml/2006/main" xmlns:r="http://schemas.openxmlformats.org/officeDocument/2006/relationships" xmlns:p="http://schemas.openxmlformats.org/presentationml/2006/main" showMasterSp="0" showMasterPhAnim="0">
   <p:cSld>
     <p:spTree>
       <p:nvGrpSpPr>
-        <p:cNvPr id="118" name="Shape 118"/>
+        <p:cNvPr id="1" name="Shape 118"/>
         <p:cNvGrpSpPr/>
         <p:nvPr/>
       </p:nvGrpSpPr>
@@ -1699,9 +1764,11 @@
       <p:sp>
         <p:nvSpPr>
           <p:cNvPr id="119" name="Google Shape;119;g4b08a40a92_0_26:notes"/>
-          <p:cNvSpPr/>
+          <p:cNvSpPr>
+            <a:spLocks noGrp="1" noRot="1" noChangeAspect="1"/>
+          </p:cNvSpPr>
           <p:nvPr>
-            <p:ph idx="2" type="sldImg"/>
+            <p:ph type="sldImg" idx="2"/>
           </p:nvPr>
         </p:nvSpPr>
         <p:spPr>
@@ -1710,9 +1777,13 @@
             <a:ext cx="6096000" cy="3429000"/>
           </a:xfrm>
           <a:custGeom>
-            <a:rect b="b" l="l" r="r" t="t"/>
+            <a:avLst/>
+            <a:gdLst/>
+            <a:ahLst/>
+            <a:cxnLst/>
+            <a:rect l="l" t="t" r="r" b="b"/>
             <a:pathLst>
-              <a:path extrusionOk="0" h="120000" w="120000">
+              <a:path w="120000" h="120000" extrusionOk="0">
                 <a:moveTo>
                   <a:pt x="0" y="0"/>
                 </a:moveTo>
@@ -1734,9 +1805,11 @@
       <p:sp>
         <p:nvSpPr>
           <p:cNvPr id="120" name="Google Shape;120;g4b08a40a92_0_26:notes"/>
-          <p:cNvSpPr txBox="1"/>
+          <p:cNvSpPr txBox="1">
+            <a:spLocks noGrp="1"/>
+          </p:cNvSpPr>
           <p:nvPr>
-            <p:ph idx="1" type="body"/>
+            <p:ph type="body" idx="1"/>
           </p:nvPr>
         </p:nvSpPr>
         <p:spPr>
@@ -1749,12 +1822,12 @@
           </a:prstGeom>
         </p:spPr>
         <p:txBody>
-          <a:bodyPr anchorCtr="0" anchor="t" bIns="91425" lIns="91425" spcFirstLastPara="1" rIns="91425" wrap="square" tIns="91425">
+          <a:bodyPr spcFirstLastPara="1" wrap="square" lIns="91425" tIns="91425" rIns="91425" bIns="91425" anchor="t" anchorCtr="0">
             <a:noAutofit/>
           </a:bodyPr>
           <a:lstStyle/>
           <a:p>
-            <a:pPr indent="0" lvl="0" marL="0" rtl="0" algn="l">
+            <a:pPr marL="0" lvl="0" indent="0" algn="l" rtl="0">
               <a:spcBef>
                 <a:spcPts val="0"/>
               </a:spcBef>
@@ -1763,9 +1836,6 @@
               </a:spcAft>
               <a:buNone/>
             </a:pPr>
-            <a:r>
-              <a:t/>
-            </a:r>
             <a:endParaRPr/>
           </a:p>
         </p:txBody>
@@ -1779,11 +1849,11 @@
 </file>
 
 <file path=ppt/notesSlides/notesSlide8.xml><?xml version="1.0" encoding="utf-8"?>
-<p:notes xmlns:a="http://schemas.openxmlformats.org/drawingml/2006/main" xmlns:r="http://schemas.openxmlformats.org/officeDocument/2006/relationships" xmlns:mc="http://schemas.openxmlformats.org/markup-compatibility/2006" xmlns:mv="urn:schemas-microsoft-com:mac:vml" xmlns:p="http://schemas.openxmlformats.org/presentationml/2006/main" xmlns:c="http://schemas.openxmlformats.org/drawingml/2006/chart" xmlns:dgm="http://schemas.openxmlformats.org/drawingml/2006/diagram" xmlns:o="urn:schemas-microsoft-com:office:office" xmlns:v="urn:schemas-microsoft-com:vml" xmlns:pvml="urn:schemas-microsoft-com:office:powerpoint" xmlns:com="http://schemas.openxmlformats.org/drawingml/2006/compatibility" xmlns:p14="http://schemas.microsoft.com/office/powerpoint/2010/main" xmlns:p15="http://schemas.microsoft.com/office/powerpoint/2012/main" showMasterPhAnim="0" showMasterSp="0">
+<p:notes xmlns:a="http://schemas.openxmlformats.org/drawingml/2006/main" xmlns:r="http://schemas.openxmlformats.org/officeDocument/2006/relationships" xmlns:p="http://schemas.openxmlformats.org/presentationml/2006/main" showMasterSp="0" showMasterPhAnim="0">
   <p:cSld>
     <p:spTree>
       <p:nvGrpSpPr>
-        <p:cNvPr id="124" name="Shape 124"/>
+        <p:cNvPr id="1" name="Shape 124"/>
         <p:cNvGrpSpPr/>
         <p:nvPr/>
       </p:nvGrpSpPr>
@@ -1798,9 +1868,11 @@
       <p:sp>
         <p:nvSpPr>
           <p:cNvPr id="125" name="Google Shape;125;g4b08a40a92_0_31:notes"/>
-          <p:cNvSpPr/>
+          <p:cNvSpPr>
+            <a:spLocks noGrp="1" noRot="1" noChangeAspect="1"/>
+          </p:cNvSpPr>
           <p:nvPr>
-            <p:ph idx="2" type="sldImg"/>
+            <p:ph type="sldImg" idx="2"/>
           </p:nvPr>
         </p:nvSpPr>
         <p:spPr>
@@ -1809,9 +1881,13 @@
             <a:ext cx="6096000" cy="3429000"/>
           </a:xfrm>
           <a:custGeom>
-            <a:rect b="b" l="l" r="r" t="t"/>
+            <a:avLst/>
+            <a:gdLst/>
+            <a:ahLst/>
+            <a:cxnLst/>
+            <a:rect l="l" t="t" r="r" b="b"/>
             <a:pathLst>
-              <a:path extrusionOk="0" h="120000" w="120000">
+              <a:path w="120000" h="120000" extrusionOk="0">
                 <a:moveTo>
                   <a:pt x="0" y="0"/>
                 </a:moveTo>
@@ -1833,9 +1909,11 @@
       <p:sp>
         <p:nvSpPr>
           <p:cNvPr id="126" name="Google Shape;126;g4b08a40a92_0_31:notes"/>
-          <p:cNvSpPr txBox="1"/>
+          <p:cNvSpPr txBox="1">
+            <a:spLocks noGrp="1"/>
+          </p:cNvSpPr>
           <p:nvPr>
-            <p:ph idx="1" type="body"/>
+            <p:ph type="body" idx="1"/>
           </p:nvPr>
         </p:nvSpPr>
         <p:spPr>
@@ -1848,12 +1926,12 @@
           </a:prstGeom>
         </p:spPr>
         <p:txBody>
-          <a:bodyPr anchorCtr="0" anchor="t" bIns="91425" lIns="91425" spcFirstLastPara="1" rIns="91425" wrap="square" tIns="91425">
+          <a:bodyPr spcFirstLastPara="1" wrap="square" lIns="91425" tIns="91425" rIns="91425" bIns="91425" anchor="t" anchorCtr="0">
             <a:noAutofit/>
           </a:bodyPr>
           <a:lstStyle/>
           <a:p>
-            <a:pPr indent="0" lvl="0" marL="0" rtl="0" algn="l">
+            <a:pPr marL="0" lvl="0" indent="0" algn="l" rtl="0">
               <a:spcBef>
                 <a:spcPts val="0"/>
               </a:spcBef>
@@ -1862,9 +1940,6 @@
               </a:spcAft>
               <a:buNone/>
             </a:pPr>
-            <a:r>
-              <a:t/>
-            </a:r>
             <a:endParaRPr/>
           </a:p>
         </p:txBody>
@@ -1878,11 +1953,11 @@
 </file>
 
 <file path=ppt/notesSlides/notesSlide9.xml><?xml version="1.0" encoding="utf-8"?>
-<p:notes xmlns:a="http://schemas.openxmlformats.org/drawingml/2006/main" xmlns:r="http://schemas.openxmlformats.org/officeDocument/2006/relationships" xmlns:mc="http://schemas.openxmlformats.org/markup-compatibility/2006" xmlns:mv="urn:schemas-microsoft-com:mac:vml" xmlns:p="http://schemas.openxmlformats.org/presentationml/2006/main" xmlns:c="http://schemas.openxmlformats.org/drawingml/2006/chart" xmlns:dgm="http://schemas.openxmlformats.org/drawingml/2006/diagram" xmlns:o="urn:schemas-microsoft-com:office:office" xmlns:v="urn:schemas-microsoft-com:vml" xmlns:pvml="urn:schemas-microsoft-com:office:powerpoint" xmlns:com="http://schemas.openxmlformats.org/drawingml/2006/compatibility" xmlns:p14="http://schemas.microsoft.com/office/powerpoint/2010/main" xmlns:p15="http://schemas.microsoft.com/office/powerpoint/2012/main" showMasterPhAnim="0" showMasterSp="0">
+<p:notes xmlns:a="http://schemas.openxmlformats.org/drawingml/2006/main" xmlns:r="http://schemas.openxmlformats.org/officeDocument/2006/relationships" xmlns:p="http://schemas.openxmlformats.org/presentationml/2006/main" showMasterSp="0" showMasterPhAnim="0">
   <p:cSld>
     <p:spTree>
       <p:nvGrpSpPr>
-        <p:cNvPr id="130" name="Shape 130"/>
+        <p:cNvPr id="1" name="Shape 130"/>
         <p:cNvGrpSpPr/>
         <p:nvPr/>
       </p:nvGrpSpPr>
@@ -1897,20 +1972,26 @@
       <p:sp>
         <p:nvSpPr>
           <p:cNvPr id="131" name="Google Shape;131;g4b08a40a92_0_789:notes"/>
-          <p:cNvSpPr/>
+          <p:cNvSpPr>
+            <a:spLocks noGrp="1" noRot="1" noChangeAspect="1"/>
+          </p:cNvSpPr>
           <p:nvPr>
-            <p:ph idx="2" type="sldImg"/>
+            <p:ph type="sldImg" idx="2"/>
           </p:nvPr>
         </p:nvSpPr>
         <p:spPr>
           <a:xfrm>
-            <a:off x="381300" y="685800"/>
+            <a:off x="381000" y="685800"/>
             <a:ext cx="6096000" cy="3429000"/>
           </a:xfrm>
           <a:custGeom>
-            <a:rect b="b" l="l" r="r" t="t"/>
+            <a:avLst/>
+            <a:gdLst/>
+            <a:ahLst/>
+            <a:cxnLst/>
+            <a:rect l="l" t="t" r="r" b="b"/>
             <a:pathLst>
-              <a:path extrusionOk="0" h="120000" w="120000">
+              <a:path w="120000" h="120000" extrusionOk="0">
                 <a:moveTo>
                   <a:pt x="0" y="0"/>
                 </a:moveTo>
@@ -1932,9 +2013,11 @@
       <p:sp>
         <p:nvSpPr>
           <p:cNvPr id="132" name="Google Shape;132;g4b08a40a92_0_789:notes"/>
-          <p:cNvSpPr txBox="1"/>
+          <p:cNvSpPr txBox="1">
+            <a:spLocks noGrp="1"/>
+          </p:cNvSpPr>
           <p:nvPr>
-            <p:ph idx="1" type="body"/>
+            <p:ph type="body" idx="1"/>
           </p:nvPr>
         </p:nvSpPr>
         <p:spPr>
@@ -1947,12 +2030,12 @@
           </a:prstGeom>
         </p:spPr>
         <p:txBody>
-          <a:bodyPr anchorCtr="0" anchor="t" bIns="91425" lIns="91425" spcFirstLastPara="1" rIns="91425" wrap="square" tIns="91425">
+          <a:bodyPr spcFirstLastPara="1" wrap="square" lIns="91425" tIns="91425" rIns="91425" bIns="91425" anchor="t" anchorCtr="0">
             <a:noAutofit/>
           </a:bodyPr>
           <a:lstStyle/>
           <a:p>
-            <a:pPr indent="0" lvl="0" marL="0" rtl="0" algn="l">
+            <a:pPr marL="0" lvl="0" indent="0" algn="l" rtl="0">
               <a:spcBef>
                 <a:spcPts val="0"/>
               </a:spcBef>
@@ -1961,9 +2044,6 @@
               </a:spcAft>
               <a:buNone/>
             </a:pPr>
-            <a:r>
-              <a:t/>
-            </a:r>
             <a:endParaRPr/>
           </a:p>
         </p:txBody>
@@ -1977,18 +2057,19 @@
 </file>
 
 <file path=ppt/slideLayouts/slideLayout1.xml><?xml version="1.0" encoding="utf-8"?>
-<p:sldLayout xmlns:a="http://schemas.openxmlformats.org/drawingml/2006/main" xmlns:r="http://schemas.openxmlformats.org/officeDocument/2006/relationships" xmlns:mc="http://schemas.openxmlformats.org/markup-compatibility/2006" xmlns:mv="urn:schemas-microsoft-com:mac:vml" xmlns:p="http://schemas.openxmlformats.org/presentationml/2006/main" xmlns:c="http://schemas.openxmlformats.org/drawingml/2006/chart" xmlns:dgm="http://schemas.openxmlformats.org/drawingml/2006/diagram" xmlns:o="urn:schemas-microsoft-com:office:office" xmlns:v="urn:schemas-microsoft-com:vml" xmlns:pvml="urn:schemas-microsoft-com:office:powerpoint" xmlns:com="http://schemas.openxmlformats.org/drawingml/2006/compatibility" xmlns:p14="http://schemas.microsoft.com/office/powerpoint/2010/main" xmlns:p15="http://schemas.microsoft.com/office/powerpoint/2012/main" matchingName="Title slide" type="title">
+<p:sldLayout xmlns:a="http://schemas.openxmlformats.org/drawingml/2006/main" xmlns:r="http://schemas.openxmlformats.org/officeDocument/2006/relationships" xmlns:p="http://schemas.openxmlformats.org/presentationml/2006/main" matchingName="Title slide" type="title">
   <p:cSld name="TITLE">
     <p:bg>
       <p:bgPr>
         <a:solidFill>
           <a:schemeClr val="dk1"/>
         </a:solidFill>
+        <a:effectLst/>
       </p:bgPr>
     </p:bg>
     <p:spTree>
       <p:nvGrpSpPr>
-        <p:cNvPr id="9" name="Shape 9"/>
+        <p:cNvPr id="1" name="Shape 9"/>
         <p:cNvGrpSpPr/>
         <p:nvPr/>
       </p:nvGrpSpPr>
@@ -2036,12 +2117,12 @@
             </a:ln>
           </p:spPr>
           <p:txBody>
-            <a:bodyPr anchorCtr="0" anchor="ctr" bIns="91425" lIns="91425" spcFirstLastPara="1" rIns="91425" wrap="square" tIns="91425">
+            <a:bodyPr spcFirstLastPara="1" wrap="square" lIns="91425" tIns="91425" rIns="91425" bIns="91425" anchor="ctr" anchorCtr="0">
               <a:noAutofit/>
             </a:bodyPr>
             <a:lstStyle/>
             <a:p>
-              <a:pPr indent="0" lvl="0" marL="0" rtl="0" algn="l">
+              <a:pPr marL="0" lvl="0" indent="0" algn="l" rtl="0">
                 <a:spcBef>
                   <a:spcPts val="0"/>
                 </a:spcBef>
@@ -2050,9 +2131,6 @@
                 </a:spcAft>
                 <a:buNone/>
               </a:pPr>
-              <a:r>
-                <a:t/>
-              </a:r>
               <a:endParaRPr/>
             </a:p>
           </p:txBody>
@@ -2079,12 +2157,12 @@
             </a:ln>
           </p:spPr>
           <p:txBody>
-            <a:bodyPr anchorCtr="0" anchor="ctr" bIns="91425" lIns="91425" spcFirstLastPara="1" rIns="91425" wrap="square" tIns="91425">
+            <a:bodyPr spcFirstLastPara="1" wrap="square" lIns="91425" tIns="91425" rIns="91425" bIns="91425" anchor="ctr" anchorCtr="0">
               <a:noAutofit/>
             </a:bodyPr>
             <a:lstStyle/>
             <a:p>
-              <a:pPr indent="0" lvl="0" marL="0" rtl="0" algn="l">
+              <a:pPr marL="0" lvl="0" indent="0" algn="l" rtl="0">
                 <a:spcBef>
                   <a:spcPts val="0"/>
                 </a:spcBef>
@@ -2093,9 +2171,6 @@
                 </a:spcAft>
                 <a:buNone/>
               </a:pPr>
-              <a:r>
-                <a:t/>
-              </a:r>
               <a:endParaRPr/>
             </a:p>
           </p:txBody>
@@ -2107,7 +2182,7 @@
             <p:nvPr/>
           </p:nvSpPr>
           <p:spPr>
-            <a:xfrm flipH="1" rot="10800000">
+            <a:xfrm rot="10800000" flipH="1">
               <a:off x="7113588" y="107"/>
               <a:ext cx="1015200" cy="1015200"/>
             </a:xfrm>
@@ -2122,12 +2197,12 @@
             </a:ln>
           </p:spPr>
           <p:txBody>
-            <a:bodyPr anchorCtr="0" anchor="ctr" bIns="91425" lIns="91425" spcFirstLastPara="1" rIns="91425" wrap="square" tIns="91425">
+            <a:bodyPr spcFirstLastPara="1" wrap="square" lIns="91425" tIns="91425" rIns="91425" bIns="91425" anchor="ctr" anchorCtr="0">
               <a:noAutofit/>
             </a:bodyPr>
             <a:lstStyle/>
             <a:p>
-              <a:pPr indent="0" lvl="0" marL="0" rtl="0" algn="l">
+              <a:pPr marL="0" lvl="0" indent="0" algn="l" rtl="0">
                 <a:spcBef>
                   <a:spcPts val="0"/>
                 </a:spcBef>
@@ -2136,9 +2211,6 @@
                 </a:spcAft>
                 <a:buNone/>
               </a:pPr>
-              <a:r>
-                <a:t/>
-              </a:r>
               <a:endParaRPr/>
             </a:p>
           </p:txBody>
@@ -2165,12 +2237,12 @@
             </a:ln>
           </p:spPr>
           <p:txBody>
-            <a:bodyPr anchorCtr="0" anchor="ctr" bIns="91425" lIns="91425" spcFirstLastPara="1" rIns="91425" wrap="square" tIns="91425">
+            <a:bodyPr spcFirstLastPara="1" wrap="square" lIns="91425" tIns="91425" rIns="91425" bIns="91425" anchor="ctr" anchorCtr="0">
               <a:noAutofit/>
             </a:bodyPr>
             <a:lstStyle/>
             <a:p>
-              <a:pPr indent="0" lvl="0" marL="0" rtl="0" algn="l">
+              <a:pPr marL="0" lvl="0" indent="0" algn="l" rtl="0">
                 <a:spcBef>
                   <a:spcPts val="0"/>
                 </a:spcBef>
@@ -2179,9 +2251,6 @@
                 </a:spcAft>
                 <a:buNone/>
               </a:pPr>
-              <a:r>
-                <a:t/>
-              </a:r>
               <a:endParaRPr/>
             </a:p>
           </p:txBody>
@@ -2208,12 +2277,12 @@
             </a:ln>
           </p:spPr>
           <p:txBody>
-            <a:bodyPr anchorCtr="0" anchor="ctr" bIns="91425" lIns="91425" spcFirstLastPara="1" rIns="91425" wrap="square" tIns="91425">
+            <a:bodyPr spcFirstLastPara="1" wrap="square" lIns="91425" tIns="91425" rIns="91425" bIns="91425" anchor="ctr" anchorCtr="0">
               <a:noAutofit/>
             </a:bodyPr>
             <a:lstStyle/>
             <a:p>
-              <a:pPr indent="0" lvl="0" marL="0" rtl="0" algn="l">
+              <a:pPr marL="0" lvl="0" indent="0" algn="l" rtl="0">
                 <a:spcBef>
                   <a:spcPts val="0"/>
                 </a:spcBef>
@@ -2222,9 +2291,6 @@
                 </a:spcAft>
                 <a:buNone/>
               </a:pPr>
-              <a:r>
-                <a:t/>
-              </a:r>
               <a:endParaRPr/>
             </a:p>
           </p:txBody>
@@ -2233,7 +2299,9 @@
       <p:sp>
         <p:nvSpPr>
           <p:cNvPr id="16" name="Google Shape;16;p2"/>
-          <p:cNvSpPr txBox="1"/>
+          <p:cNvSpPr txBox="1">
+            <a:spLocks noGrp="1"/>
+          </p:cNvSpPr>
           <p:nvPr>
             <p:ph type="ctrTitle"/>
           </p:nvPr>
@@ -2248,7 +2316,7 @@
           </a:prstGeom>
         </p:spPr>
         <p:txBody>
-          <a:bodyPr anchorCtr="0" anchor="b" bIns="91425" lIns="91425" spcFirstLastPara="1" rIns="91425" wrap="square" tIns="91425"/>
+          <a:bodyPr spcFirstLastPara="1" wrap="square" lIns="91425" tIns="91425" rIns="91425" bIns="91425" anchor="b" anchorCtr="0"/>
           <a:lstStyle>
             <a:lvl1pPr lvl="0">
               <a:spcBef>
@@ -2413,15 +2481,19 @@
               </a:defRPr>
             </a:lvl9pPr>
           </a:lstStyle>
-          <a:p/>
+          <a:p>
+            <a:endParaRPr/>
+          </a:p>
         </p:txBody>
       </p:sp>
       <p:sp>
         <p:nvSpPr>
           <p:cNvPr id="17" name="Google Shape;17;p2"/>
-          <p:cNvSpPr txBox="1"/>
+          <p:cNvSpPr txBox="1">
+            <a:spLocks noGrp="1"/>
+          </p:cNvSpPr>
           <p:nvPr>
-            <p:ph idx="1" type="subTitle"/>
+            <p:ph type="subTitle" idx="1"/>
           </p:nvPr>
         </p:nvSpPr>
         <p:spPr>
@@ -2434,7 +2506,7 @@
           </a:prstGeom>
         </p:spPr>
         <p:txBody>
-          <a:bodyPr anchorCtr="0" anchor="t" bIns="91425" lIns="91425" spcFirstLastPara="1" rIns="91425" wrap="square" tIns="91425"/>
+          <a:bodyPr spcFirstLastPara="1" wrap="square" lIns="91425" tIns="91425" rIns="91425" bIns="91425" anchor="t" anchorCtr="0"/>
           <a:lstStyle>
             <a:lvl1pPr lvl="0">
               <a:lnSpc>
@@ -2626,15 +2698,19 @@
               </a:defRPr>
             </a:lvl9pPr>
           </a:lstStyle>
-          <a:p/>
+          <a:p>
+            <a:endParaRPr/>
+          </a:p>
         </p:txBody>
       </p:sp>
       <p:sp>
         <p:nvSpPr>
           <p:cNvPr id="18" name="Google Shape;18;p2"/>
-          <p:cNvSpPr txBox="1"/>
+          <p:cNvSpPr txBox="1">
+            <a:spLocks noGrp="1"/>
+          </p:cNvSpPr>
           <p:nvPr>
-            <p:ph idx="12" type="sldNum"/>
+            <p:ph type="sldNum" idx="12"/>
           </p:nvPr>
         </p:nvSpPr>
         <p:spPr>
@@ -2647,7 +2723,7 @@
           </a:prstGeom>
         </p:spPr>
         <p:txBody>
-          <a:bodyPr anchorCtr="0" anchor="ctr" bIns="91425" lIns="91425" spcFirstLastPara="1" rIns="91425" wrap="square" tIns="91425">
+          <a:bodyPr spcFirstLastPara="1" wrap="square" lIns="91425" tIns="91425" rIns="91425" bIns="91425" anchor="ctr" anchorCtr="0">
             <a:noAutofit/>
           </a:bodyPr>
           <a:lstStyle>
@@ -2689,7 +2765,7 @@
             </a:lvl9pPr>
           </a:lstStyle>
           <a:p>
-            <a:pPr indent="0" lvl="0" marL="0" rtl="0" algn="r">
+            <a:pPr marL="0" lvl="0" indent="0" algn="r" rtl="0">
               <a:spcBef>
                 <a:spcPts val="0"/>
               </a:spcBef>
@@ -2715,18 +2791,19 @@
 </file>
 
 <file path=ppt/slideLayouts/slideLayout10.xml><?xml version="1.0" encoding="utf-8"?>
-<p:sldLayout xmlns:a="http://schemas.openxmlformats.org/drawingml/2006/main" xmlns:r="http://schemas.openxmlformats.org/officeDocument/2006/relationships" xmlns:mc="http://schemas.openxmlformats.org/markup-compatibility/2006" xmlns:mv="urn:schemas-microsoft-com:mac:vml" xmlns:p="http://schemas.openxmlformats.org/presentationml/2006/main" xmlns:c="http://schemas.openxmlformats.org/drawingml/2006/chart" xmlns:dgm="http://schemas.openxmlformats.org/drawingml/2006/diagram" xmlns:o="urn:schemas-microsoft-com:office:office" xmlns:v="urn:schemas-microsoft-com:vml" xmlns:pvml="urn:schemas-microsoft-com:office:powerpoint" xmlns:com="http://schemas.openxmlformats.org/drawingml/2006/compatibility" xmlns:p14="http://schemas.microsoft.com/office/powerpoint/2010/main" xmlns:p15="http://schemas.microsoft.com/office/powerpoint/2012/main" matchingName="Big number">
+<p:sldLayout xmlns:a="http://schemas.openxmlformats.org/drawingml/2006/main" xmlns:r="http://schemas.openxmlformats.org/officeDocument/2006/relationships" xmlns:p="http://schemas.openxmlformats.org/presentationml/2006/main" matchingName="Big number">
   <p:cSld name="BIG_NUMBER">
     <p:bg>
       <p:bgPr>
         <a:solidFill>
           <a:schemeClr val="dk1"/>
         </a:solidFill>
+        <a:effectLst/>
       </p:bgPr>
     </p:bg>
     <p:spTree>
       <p:nvGrpSpPr>
-        <p:cNvPr id="69" name="Shape 69"/>
+        <p:cNvPr id="1" name="Shape 69"/>
         <p:cNvGrpSpPr/>
         <p:nvPr/>
       </p:nvGrpSpPr>
@@ -2774,12 +2851,12 @@
             </a:ln>
           </p:spPr>
           <p:txBody>
-            <a:bodyPr anchorCtr="0" anchor="ctr" bIns="91425" lIns="91425" spcFirstLastPara="1" rIns="91425" wrap="square" tIns="91425">
+            <a:bodyPr spcFirstLastPara="1" wrap="square" lIns="91425" tIns="91425" rIns="91425" bIns="91425" anchor="ctr" anchorCtr="0">
               <a:noAutofit/>
             </a:bodyPr>
             <a:lstStyle/>
             <a:p>
-              <a:pPr indent="0" lvl="0" marL="0" rtl="0" algn="l">
+              <a:pPr marL="0" lvl="0" indent="0" algn="l" rtl="0">
                 <a:spcBef>
                   <a:spcPts val="0"/>
                 </a:spcBef>
@@ -2788,9 +2865,6 @@
                 </a:spcAft>
                 <a:buNone/>
               </a:pPr>
-              <a:r>
-                <a:t/>
-              </a:r>
               <a:endParaRPr/>
             </a:p>
           </p:txBody>
@@ -2817,12 +2891,12 @@
             </a:ln>
           </p:spPr>
           <p:txBody>
-            <a:bodyPr anchorCtr="0" anchor="ctr" bIns="91425" lIns="91425" spcFirstLastPara="1" rIns="91425" wrap="square" tIns="91425">
+            <a:bodyPr spcFirstLastPara="1" wrap="square" lIns="91425" tIns="91425" rIns="91425" bIns="91425" anchor="ctr" anchorCtr="0">
               <a:noAutofit/>
             </a:bodyPr>
             <a:lstStyle/>
             <a:p>
-              <a:pPr indent="0" lvl="0" marL="0" rtl="0" algn="l">
+              <a:pPr marL="0" lvl="0" indent="0" algn="l" rtl="0">
                 <a:spcBef>
                   <a:spcPts val="0"/>
                 </a:spcBef>
@@ -2831,9 +2905,6 @@
                 </a:spcAft>
                 <a:buNone/>
               </a:pPr>
-              <a:r>
-                <a:t/>
-              </a:r>
               <a:endParaRPr/>
             </a:p>
           </p:txBody>
@@ -2845,7 +2916,7 @@
             <p:nvPr/>
           </p:nvSpPr>
           <p:spPr>
-            <a:xfrm flipH="1" rot="10800000">
+            <a:xfrm rot="10800000" flipH="1">
               <a:off x="7113588" y="107"/>
               <a:ext cx="1015200" cy="1015200"/>
             </a:xfrm>
@@ -2860,12 +2931,12 @@
             </a:ln>
           </p:spPr>
           <p:txBody>
-            <a:bodyPr anchorCtr="0" anchor="ctr" bIns="91425" lIns="91425" spcFirstLastPara="1" rIns="91425" wrap="square" tIns="91425">
+            <a:bodyPr spcFirstLastPara="1" wrap="square" lIns="91425" tIns="91425" rIns="91425" bIns="91425" anchor="ctr" anchorCtr="0">
               <a:noAutofit/>
             </a:bodyPr>
             <a:lstStyle/>
             <a:p>
-              <a:pPr indent="0" lvl="0" marL="0" rtl="0" algn="l">
+              <a:pPr marL="0" lvl="0" indent="0" algn="l" rtl="0">
                 <a:spcBef>
                   <a:spcPts val="0"/>
                 </a:spcBef>
@@ -2874,9 +2945,6 @@
                 </a:spcAft>
                 <a:buNone/>
               </a:pPr>
-              <a:r>
-                <a:t/>
-              </a:r>
               <a:endParaRPr/>
             </a:p>
           </p:txBody>
@@ -2903,12 +2971,12 @@
             </a:ln>
           </p:spPr>
           <p:txBody>
-            <a:bodyPr anchorCtr="0" anchor="ctr" bIns="91425" lIns="91425" spcFirstLastPara="1" rIns="91425" wrap="square" tIns="91425">
+            <a:bodyPr spcFirstLastPara="1" wrap="square" lIns="91425" tIns="91425" rIns="91425" bIns="91425" anchor="ctr" anchorCtr="0">
               <a:noAutofit/>
             </a:bodyPr>
             <a:lstStyle/>
             <a:p>
-              <a:pPr indent="0" lvl="0" marL="0" rtl="0" algn="l">
+              <a:pPr marL="0" lvl="0" indent="0" algn="l" rtl="0">
                 <a:spcBef>
                   <a:spcPts val="0"/>
                 </a:spcBef>
@@ -2917,9 +2985,6 @@
                 </a:spcAft>
                 <a:buNone/>
               </a:pPr>
-              <a:r>
-                <a:t/>
-              </a:r>
               <a:endParaRPr/>
             </a:p>
           </p:txBody>
@@ -2946,12 +3011,12 @@
             </a:ln>
           </p:spPr>
           <p:txBody>
-            <a:bodyPr anchorCtr="0" anchor="ctr" bIns="91425" lIns="91425" spcFirstLastPara="1" rIns="91425" wrap="square" tIns="91425">
+            <a:bodyPr spcFirstLastPara="1" wrap="square" lIns="91425" tIns="91425" rIns="91425" bIns="91425" anchor="ctr" anchorCtr="0">
               <a:noAutofit/>
             </a:bodyPr>
             <a:lstStyle/>
             <a:p>
-              <a:pPr indent="0" lvl="0" marL="0" rtl="0" algn="l">
+              <a:pPr marL="0" lvl="0" indent="0" algn="l" rtl="0">
                 <a:spcBef>
                   <a:spcPts val="0"/>
                 </a:spcBef>
@@ -2960,9 +3025,6 @@
                 </a:spcAft>
                 <a:buNone/>
               </a:pPr>
-              <a:r>
-                <a:t/>
-              </a:r>
               <a:endParaRPr/>
             </a:p>
           </p:txBody>
@@ -2971,9 +3033,11 @@
       <p:sp>
         <p:nvSpPr>
           <p:cNvPr id="76" name="Google Shape;76;p11"/>
-          <p:cNvSpPr txBox="1"/>
+          <p:cNvSpPr txBox="1">
+            <a:spLocks noGrp="1"/>
+          </p:cNvSpPr>
           <p:nvPr>
-            <p:ph hasCustomPrompt="1" type="title"/>
+            <p:ph type="title" hasCustomPrompt="1"/>
           </p:nvPr>
         </p:nvSpPr>
         <p:spPr>
@@ -2986,7 +3050,7 @@
           </a:prstGeom>
         </p:spPr>
         <p:txBody>
-          <a:bodyPr anchorCtr="0" anchor="b" bIns="91425" lIns="91425" spcFirstLastPara="1" rIns="91425" wrap="square" tIns="91425"/>
+          <a:bodyPr spcFirstLastPara="1" wrap="square" lIns="91425" tIns="91425" rIns="91425" bIns="91425" anchor="b" anchorCtr="0"/>
           <a:lstStyle>
             <a:lvl1pPr lvl="0" algn="ctr">
               <a:spcBef>
@@ -3161,9 +3225,11 @@
       <p:sp>
         <p:nvSpPr>
           <p:cNvPr id="77" name="Google Shape;77;p11"/>
-          <p:cNvSpPr txBox="1"/>
+          <p:cNvSpPr txBox="1">
+            <a:spLocks noGrp="1"/>
+          </p:cNvSpPr>
           <p:nvPr>
-            <p:ph idx="1" type="body"/>
+            <p:ph type="body" idx="1"/>
           </p:nvPr>
         </p:nvSpPr>
         <p:spPr>
@@ -3176,9 +3242,9 @@
           </a:prstGeom>
         </p:spPr>
         <p:txBody>
-          <a:bodyPr anchorCtr="0" anchor="t" bIns="91425" lIns="91425" spcFirstLastPara="1" rIns="91425" wrap="square" tIns="91425"/>
+          <a:bodyPr spcFirstLastPara="1" wrap="square" lIns="91425" tIns="91425" rIns="91425" bIns="91425" anchor="t" anchorCtr="0"/>
           <a:lstStyle>
-            <a:lvl1pPr indent="-342900" lvl="0" marL="457200" algn="ctr">
+            <a:lvl1pPr marL="457200" lvl="0" indent="-342900" algn="ctr">
               <a:spcBef>
                 <a:spcPts val="0"/>
               </a:spcBef>
@@ -3196,7 +3262,7 @@
                 </a:solidFill>
               </a:defRPr>
             </a:lvl1pPr>
-            <a:lvl2pPr indent="-317500" lvl="1" marL="914400" algn="ctr">
+            <a:lvl2pPr marL="914400" lvl="1" indent="-317500" algn="ctr">
               <a:spcBef>
                 <a:spcPts val="1600"/>
               </a:spcBef>
@@ -3214,7 +3280,7 @@
                 </a:solidFill>
               </a:defRPr>
             </a:lvl2pPr>
-            <a:lvl3pPr indent="-317500" lvl="2" marL="1371600" algn="ctr">
+            <a:lvl3pPr marL="1371600" lvl="2" indent="-317500" algn="ctr">
               <a:spcBef>
                 <a:spcPts val="1600"/>
               </a:spcBef>
@@ -3232,7 +3298,7 @@
                 </a:solidFill>
               </a:defRPr>
             </a:lvl3pPr>
-            <a:lvl4pPr indent="-317500" lvl="3" marL="1828800" algn="ctr">
+            <a:lvl4pPr marL="1828800" lvl="3" indent="-317500" algn="ctr">
               <a:spcBef>
                 <a:spcPts val="1600"/>
               </a:spcBef>
@@ -3250,7 +3316,7 @@
                 </a:solidFill>
               </a:defRPr>
             </a:lvl4pPr>
-            <a:lvl5pPr indent="-317500" lvl="4" marL="2286000" algn="ctr">
+            <a:lvl5pPr marL="2286000" lvl="4" indent="-317500" algn="ctr">
               <a:spcBef>
                 <a:spcPts val="1600"/>
               </a:spcBef>
@@ -3268,7 +3334,7 @@
                 </a:solidFill>
               </a:defRPr>
             </a:lvl5pPr>
-            <a:lvl6pPr indent="-317500" lvl="5" marL="2743200" algn="ctr">
+            <a:lvl6pPr marL="2743200" lvl="5" indent="-317500" algn="ctr">
               <a:spcBef>
                 <a:spcPts val="1600"/>
               </a:spcBef>
@@ -3286,7 +3352,7 @@
                 </a:solidFill>
               </a:defRPr>
             </a:lvl6pPr>
-            <a:lvl7pPr indent="-317500" lvl="6" marL="3200400" algn="ctr">
+            <a:lvl7pPr marL="3200400" lvl="6" indent="-317500" algn="ctr">
               <a:spcBef>
                 <a:spcPts val="1600"/>
               </a:spcBef>
@@ -3304,7 +3370,7 @@
                 </a:solidFill>
               </a:defRPr>
             </a:lvl7pPr>
-            <a:lvl8pPr indent="-317500" lvl="7" marL="3657600" algn="ctr">
+            <a:lvl8pPr marL="3657600" lvl="7" indent="-317500" algn="ctr">
               <a:spcBef>
                 <a:spcPts val="1600"/>
               </a:spcBef>
@@ -3322,7 +3388,7 @@
                 </a:solidFill>
               </a:defRPr>
             </a:lvl8pPr>
-            <a:lvl9pPr indent="-317500" lvl="8" marL="4114800" algn="ctr">
+            <a:lvl9pPr marL="4114800" lvl="8" indent="-317500" algn="ctr">
               <a:spcBef>
                 <a:spcPts val="1600"/>
               </a:spcBef>
@@ -3341,15 +3407,19 @@
               </a:defRPr>
             </a:lvl9pPr>
           </a:lstStyle>
-          <a:p/>
+          <a:p>
+            <a:endParaRPr/>
+          </a:p>
         </p:txBody>
       </p:sp>
       <p:sp>
         <p:nvSpPr>
           <p:cNvPr id="78" name="Google Shape;78;p11"/>
-          <p:cNvSpPr txBox="1"/>
+          <p:cNvSpPr txBox="1">
+            <a:spLocks noGrp="1"/>
+          </p:cNvSpPr>
           <p:nvPr>
-            <p:ph idx="12" type="sldNum"/>
+            <p:ph type="sldNum" idx="12"/>
           </p:nvPr>
         </p:nvSpPr>
         <p:spPr>
@@ -3362,7 +3432,7 @@
           </a:prstGeom>
         </p:spPr>
         <p:txBody>
-          <a:bodyPr anchorCtr="0" anchor="ctr" bIns="91425" lIns="91425" spcFirstLastPara="1" rIns="91425" wrap="square" tIns="91425">
+          <a:bodyPr spcFirstLastPara="1" wrap="square" lIns="91425" tIns="91425" rIns="91425" bIns="91425" anchor="ctr" anchorCtr="0">
             <a:noAutofit/>
           </a:bodyPr>
           <a:lstStyle>
@@ -3404,7 +3474,7 @@
             </a:lvl9pPr>
           </a:lstStyle>
           <a:p>
-            <a:pPr indent="0" lvl="0" marL="0" rtl="0" algn="r">
+            <a:pPr marL="0" lvl="0" indent="0" algn="r" rtl="0">
               <a:spcBef>
                 <a:spcPts val="0"/>
               </a:spcBef>
@@ -3430,11 +3500,11 @@
 </file>
 
 <file path=ppt/slideLayouts/slideLayout11.xml><?xml version="1.0" encoding="utf-8"?>
-<p:sldLayout xmlns:a="http://schemas.openxmlformats.org/drawingml/2006/main" xmlns:r="http://schemas.openxmlformats.org/officeDocument/2006/relationships" xmlns:mc="http://schemas.openxmlformats.org/markup-compatibility/2006" xmlns:mv="urn:schemas-microsoft-com:mac:vml" xmlns:p="http://schemas.openxmlformats.org/presentationml/2006/main" xmlns:c="http://schemas.openxmlformats.org/drawingml/2006/chart" xmlns:dgm="http://schemas.openxmlformats.org/drawingml/2006/diagram" xmlns:o="urn:schemas-microsoft-com:office:office" xmlns:v="urn:schemas-microsoft-com:vml" xmlns:pvml="urn:schemas-microsoft-com:office:powerpoint" xmlns:com="http://schemas.openxmlformats.org/drawingml/2006/compatibility" xmlns:p14="http://schemas.microsoft.com/office/powerpoint/2010/main" xmlns:p15="http://schemas.microsoft.com/office/powerpoint/2012/main" matchingName="Blank" type="blank">
+<p:sldLayout xmlns:a="http://schemas.openxmlformats.org/drawingml/2006/main" xmlns:r="http://schemas.openxmlformats.org/officeDocument/2006/relationships" xmlns:p="http://schemas.openxmlformats.org/presentationml/2006/main" matchingName="Blank" type="blank">
   <p:cSld name="BLANK">
     <p:spTree>
       <p:nvGrpSpPr>
-        <p:cNvPr id="79" name="Shape 79"/>
+        <p:cNvPr id="1" name="Shape 79"/>
         <p:cNvGrpSpPr/>
         <p:nvPr/>
       </p:nvGrpSpPr>
@@ -3449,9 +3519,11 @@
       <p:sp>
         <p:nvSpPr>
           <p:cNvPr id="80" name="Google Shape;80;p12"/>
-          <p:cNvSpPr txBox="1"/>
+          <p:cNvSpPr txBox="1">
+            <a:spLocks noGrp="1"/>
+          </p:cNvSpPr>
           <p:nvPr>
-            <p:ph idx="12" type="sldNum"/>
+            <p:ph type="sldNum" idx="12"/>
           </p:nvPr>
         </p:nvSpPr>
         <p:spPr>
@@ -3464,7 +3536,7 @@
           </a:prstGeom>
         </p:spPr>
         <p:txBody>
-          <a:bodyPr anchorCtr="0" anchor="ctr" bIns="91425" lIns="91425" spcFirstLastPara="1" rIns="91425" wrap="square" tIns="91425">
+          <a:bodyPr spcFirstLastPara="1" wrap="square" lIns="91425" tIns="91425" rIns="91425" bIns="91425" anchor="ctr" anchorCtr="0">
             <a:noAutofit/>
           </a:bodyPr>
           <a:lstStyle>
@@ -3542,7 +3614,7 @@
             </a:lvl9pPr>
           </a:lstStyle>
           <a:p>
-            <a:pPr indent="0" lvl="0" marL="0" rtl="0" algn="r">
+            <a:pPr marL="0" lvl="0" indent="0" algn="r" rtl="0">
               <a:spcBef>
                 <a:spcPts val="0"/>
               </a:spcBef>
@@ -3568,18 +3640,19 @@
 </file>
 
 <file path=ppt/slideLayouts/slideLayout2.xml><?xml version="1.0" encoding="utf-8"?>
-<p:sldLayout xmlns:a="http://schemas.openxmlformats.org/drawingml/2006/main" xmlns:r="http://schemas.openxmlformats.org/officeDocument/2006/relationships" xmlns:mc="http://schemas.openxmlformats.org/markup-compatibility/2006" xmlns:mv="urn:schemas-microsoft-com:mac:vml" xmlns:p="http://schemas.openxmlformats.org/presentationml/2006/main" xmlns:c="http://schemas.openxmlformats.org/drawingml/2006/chart" xmlns:dgm="http://schemas.openxmlformats.org/drawingml/2006/diagram" xmlns:o="urn:schemas-microsoft-com:office:office" xmlns:v="urn:schemas-microsoft-com:vml" xmlns:pvml="urn:schemas-microsoft-com:office:powerpoint" xmlns:com="http://schemas.openxmlformats.org/drawingml/2006/compatibility" xmlns:p14="http://schemas.microsoft.com/office/powerpoint/2010/main" xmlns:p15="http://schemas.microsoft.com/office/powerpoint/2012/main" matchingName="Section header" type="secHead">
+<p:sldLayout xmlns:a="http://schemas.openxmlformats.org/drawingml/2006/main" xmlns:r="http://schemas.openxmlformats.org/officeDocument/2006/relationships" xmlns:p="http://schemas.openxmlformats.org/presentationml/2006/main" matchingName="Section header" type="secHead">
   <p:cSld name="SECTION_HEADER">
     <p:bg>
       <p:bgPr>
         <a:solidFill>
           <a:schemeClr val="dk1"/>
         </a:solidFill>
+        <a:effectLst/>
       </p:bgPr>
     </p:bg>
     <p:spTree>
       <p:nvGrpSpPr>
-        <p:cNvPr id="19" name="Shape 19"/>
+        <p:cNvPr id="1" name="Shape 19"/>
         <p:cNvGrpSpPr/>
         <p:nvPr/>
       </p:nvGrpSpPr>
@@ -3627,12 +3700,12 @@
             </a:ln>
           </p:spPr>
           <p:txBody>
-            <a:bodyPr anchorCtr="0" anchor="ctr" bIns="91425" lIns="91425" spcFirstLastPara="1" rIns="91425" wrap="square" tIns="91425">
+            <a:bodyPr spcFirstLastPara="1" wrap="square" lIns="91425" tIns="91425" rIns="91425" bIns="91425" anchor="ctr" anchorCtr="0">
               <a:noAutofit/>
             </a:bodyPr>
             <a:lstStyle/>
             <a:p>
-              <a:pPr indent="0" lvl="0" marL="0" rtl="0" algn="l">
+              <a:pPr marL="0" lvl="0" indent="0" algn="l" rtl="0">
                 <a:spcBef>
                   <a:spcPts val="0"/>
                 </a:spcBef>
@@ -3641,9 +3714,6 @@
                 </a:spcAft>
                 <a:buNone/>
               </a:pPr>
-              <a:r>
-                <a:t/>
-              </a:r>
               <a:endParaRPr/>
             </a:p>
           </p:txBody>
@@ -3670,12 +3740,12 @@
             </a:ln>
           </p:spPr>
           <p:txBody>
-            <a:bodyPr anchorCtr="0" anchor="ctr" bIns="91425" lIns="91425" spcFirstLastPara="1" rIns="91425" wrap="square" tIns="91425">
+            <a:bodyPr spcFirstLastPara="1" wrap="square" lIns="91425" tIns="91425" rIns="91425" bIns="91425" anchor="ctr" anchorCtr="0">
               <a:noAutofit/>
             </a:bodyPr>
             <a:lstStyle/>
             <a:p>
-              <a:pPr indent="0" lvl="0" marL="0" rtl="0" algn="l">
+              <a:pPr marL="0" lvl="0" indent="0" algn="l" rtl="0">
                 <a:spcBef>
                   <a:spcPts val="0"/>
                 </a:spcBef>
@@ -3684,9 +3754,6 @@
                 </a:spcAft>
                 <a:buNone/>
               </a:pPr>
-              <a:r>
-                <a:t/>
-              </a:r>
               <a:endParaRPr/>
             </a:p>
           </p:txBody>
@@ -3698,7 +3765,7 @@
             <p:nvPr/>
           </p:nvSpPr>
           <p:spPr>
-            <a:xfrm flipH="1" rot="10800000">
+            <a:xfrm rot="10800000" flipH="1">
               <a:off x="7113588" y="107"/>
               <a:ext cx="1015200" cy="1015200"/>
             </a:xfrm>
@@ -3713,12 +3780,12 @@
             </a:ln>
           </p:spPr>
           <p:txBody>
-            <a:bodyPr anchorCtr="0" anchor="ctr" bIns="91425" lIns="91425" spcFirstLastPara="1" rIns="91425" wrap="square" tIns="91425">
+            <a:bodyPr spcFirstLastPara="1" wrap="square" lIns="91425" tIns="91425" rIns="91425" bIns="91425" anchor="ctr" anchorCtr="0">
               <a:noAutofit/>
             </a:bodyPr>
             <a:lstStyle/>
             <a:p>
-              <a:pPr indent="0" lvl="0" marL="0" rtl="0" algn="l">
+              <a:pPr marL="0" lvl="0" indent="0" algn="l" rtl="0">
                 <a:spcBef>
                   <a:spcPts val="0"/>
                 </a:spcBef>
@@ -3727,9 +3794,6 @@
                 </a:spcAft>
                 <a:buNone/>
               </a:pPr>
-              <a:r>
-                <a:t/>
-              </a:r>
               <a:endParaRPr/>
             </a:p>
           </p:txBody>
@@ -3756,12 +3820,12 @@
             </a:ln>
           </p:spPr>
           <p:txBody>
-            <a:bodyPr anchorCtr="0" anchor="ctr" bIns="91425" lIns="91425" spcFirstLastPara="1" rIns="91425" wrap="square" tIns="91425">
+            <a:bodyPr spcFirstLastPara="1" wrap="square" lIns="91425" tIns="91425" rIns="91425" bIns="91425" anchor="ctr" anchorCtr="0">
               <a:noAutofit/>
             </a:bodyPr>
             <a:lstStyle/>
             <a:p>
-              <a:pPr indent="0" lvl="0" marL="0" rtl="0" algn="l">
+              <a:pPr marL="0" lvl="0" indent="0" algn="l" rtl="0">
                 <a:spcBef>
                   <a:spcPts val="0"/>
                 </a:spcBef>
@@ -3770,9 +3834,6 @@
                 </a:spcAft>
                 <a:buNone/>
               </a:pPr>
-              <a:r>
-                <a:t/>
-              </a:r>
               <a:endParaRPr/>
             </a:p>
           </p:txBody>
@@ -3799,12 +3860,12 @@
             </a:ln>
           </p:spPr>
           <p:txBody>
-            <a:bodyPr anchorCtr="0" anchor="ctr" bIns="91425" lIns="91425" spcFirstLastPara="1" rIns="91425" wrap="square" tIns="91425">
+            <a:bodyPr spcFirstLastPara="1" wrap="square" lIns="91425" tIns="91425" rIns="91425" bIns="91425" anchor="ctr" anchorCtr="0">
               <a:noAutofit/>
             </a:bodyPr>
             <a:lstStyle/>
             <a:p>
-              <a:pPr indent="0" lvl="0" marL="0" rtl="0" algn="l">
+              <a:pPr marL="0" lvl="0" indent="0" algn="l" rtl="0">
                 <a:spcBef>
                   <a:spcPts val="0"/>
                 </a:spcBef>
@@ -3813,9 +3874,6 @@
                 </a:spcAft>
                 <a:buNone/>
               </a:pPr>
-              <a:r>
-                <a:t/>
-              </a:r>
               <a:endParaRPr/>
             </a:p>
           </p:txBody>
@@ -3824,7 +3882,9 @@
       <p:sp>
         <p:nvSpPr>
           <p:cNvPr id="26" name="Google Shape;26;p3"/>
-          <p:cNvSpPr txBox="1"/>
+          <p:cNvSpPr txBox="1">
+            <a:spLocks noGrp="1"/>
+          </p:cNvSpPr>
           <p:nvPr>
             <p:ph type="title"/>
           </p:nvPr>
@@ -3839,7 +3899,7 @@
           </a:prstGeom>
         </p:spPr>
         <p:txBody>
-          <a:bodyPr anchorCtr="0" anchor="ctr" bIns="91425" lIns="91425" spcFirstLastPara="1" rIns="91425" wrap="square" tIns="91425"/>
+          <a:bodyPr spcFirstLastPara="1" wrap="square" lIns="91425" tIns="91425" rIns="91425" bIns="91425" anchor="ctr" anchorCtr="0"/>
           <a:lstStyle>
             <a:lvl1pPr lvl="0">
               <a:spcBef>
@@ -4004,15 +4064,19 @@
               </a:defRPr>
             </a:lvl9pPr>
           </a:lstStyle>
-          <a:p/>
+          <a:p>
+            <a:endParaRPr/>
+          </a:p>
         </p:txBody>
       </p:sp>
       <p:sp>
         <p:nvSpPr>
           <p:cNvPr id="27" name="Google Shape;27;p3"/>
-          <p:cNvSpPr txBox="1"/>
+          <p:cNvSpPr txBox="1">
+            <a:spLocks noGrp="1"/>
+          </p:cNvSpPr>
           <p:nvPr>
-            <p:ph idx="12" type="sldNum"/>
+            <p:ph type="sldNum" idx="12"/>
           </p:nvPr>
         </p:nvSpPr>
         <p:spPr>
@@ -4025,7 +4089,7 @@
           </a:prstGeom>
         </p:spPr>
         <p:txBody>
-          <a:bodyPr anchorCtr="0" anchor="ctr" bIns="91425" lIns="91425" spcFirstLastPara="1" rIns="91425" wrap="square" tIns="91425">
+          <a:bodyPr spcFirstLastPara="1" wrap="square" lIns="91425" tIns="91425" rIns="91425" bIns="91425" anchor="ctr" anchorCtr="0">
             <a:noAutofit/>
           </a:bodyPr>
           <a:lstStyle>
@@ -4067,7 +4131,7 @@
             </a:lvl9pPr>
           </a:lstStyle>
           <a:p>
-            <a:pPr indent="0" lvl="0" marL="0" rtl="0" algn="r">
+            <a:pPr marL="0" lvl="0" indent="0" algn="r" rtl="0">
               <a:spcBef>
                 <a:spcPts val="0"/>
               </a:spcBef>
@@ -4093,11 +4157,11 @@
 </file>
 
 <file path=ppt/slideLayouts/slideLayout3.xml><?xml version="1.0" encoding="utf-8"?>
-<p:sldLayout xmlns:a="http://schemas.openxmlformats.org/drawingml/2006/main" xmlns:r="http://schemas.openxmlformats.org/officeDocument/2006/relationships" xmlns:mc="http://schemas.openxmlformats.org/markup-compatibility/2006" xmlns:mv="urn:schemas-microsoft-com:mac:vml" xmlns:p="http://schemas.openxmlformats.org/presentationml/2006/main" xmlns:c="http://schemas.openxmlformats.org/drawingml/2006/chart" xmlns:dgm="http://schemas.openxmlformats.org/drawingml/2006/diagram" xmlns:o="urn:schemas-microsoft-com:office:office" xmlns:v="urn:schemas-microsoft-com:vml" xmlns:pvml="urn:schemas-microsoft-com:office:powerpoint" xmlns:com="http://schemas.openxmlformats.org/drawingml/2006/compatibility" xmlns:p14="http://schemas.microsoft.com/office/powerpoint/2010/main" xmlns:p15="http://schemas.microsoft.com/office/powerpoint/2012/main" matchingName="Title and body" type="tx">
+<p:sldLayout xmlns:a="http://schemas.openxmlformats.org/drawingml/2006/main" xmlns:r="http://schemas.openxmlformats.org/officeDocument/2006/relationships" xmlns:p="http://schemas.openxmlformats.org/presentationml/2006/main" matchingName="Title and body" type="tx">
   <p:cSld name="TITLE_AND_BODY">
     <p:spTree>
       <p:nvGrpSpPr>
-        <p:cNvPr id="28" name="Shape 28"/>
+        <p:cNvPr id="1" name="Shape 28"/>
         <p:cNvGrpSpPr/>
         <p:nvPr/>
       </p:nvGrpSpPr>
@@ -4145,12 +4209,12 @@
             </a:ln>
           </p:spPr>
           <p:txBody>
-            <a:bodyPr anchorCtr="0" anchor="ctr" bIns="91425" lIns="91425" spcFirstLastPara="1" rIns="91425" wrap="square" tIns="91425">
+            <a:bodyPr spcFirstLastPara="1" wrap="square" lIns="91425" tIns="91425" rIns="91425" bIns="91425" anchor="ctr" anchorCtr="0">
               <a:noAutofit/>
             </a:bodyPr>
             <a:lstStyle/>
             <a:p>
-              <a:pPr indent="0" lvl="0" marL="0" rtl="0" algn="l">
+              <a:pPr marL="0" lvl="0" indent="0" algn="l" rtl="0">
                 <a:spcBef>
                   <a:spcPts val="0"/>
                 </a:spcBef>
@@ -4159,9 +4223,6 @@
                 </a:spcAft>
                 <a:buNone/>
               </a:pPr>
-              <a:r>
-                <a:t/>
-              </a:r>
               <a:endParaRPr/>
             </a:p>
           </p:txBody>
@@ -4188,12 +4249,12 @@
             </a:ln>
           </p:spPr>
           <p:txBody>
-            <a:bodyPr anchorCtr="0" anchor="ctr" bIns="91425" lIns="91425" spcFirstLastPara="1" rIns="91425" wrap="square" tIns="91425">
+            <a:bodyPr spcFirstLastPara="1" wrap="square" lIns="91425" tIns="91425" rIns="91425" bIns="91425" anchor="ctr" anchorCtr="0">
               <a:noAutofit/>
             </a:bodyPr>
             <a:lstStyle/>
             <a:p>
-              <a:pPr indent="0" lvl="0" marL="0" rtl="0" algn="l">
+              <a:pPr marL="0" lvl="0" indent="0" algn="l" rtl="0">
                 <a:spcBef>
                   <a:spcPts val="0"/>
                 </a:spcBef>
@@ -4202,9 +4263,6 @@
                 </a:spcAft>
                 <a:buNone/>
               </a:pPr>
-              <a:r>
-                <a:t/>
-              </a:r>
               <a:endParaRPr/>
             </a:p>
           </p:txBody>
@@ -4231,12 +4289,12 @@
             </a:ln>
           </p:spPr>
           <p:txBody>
-            <a:bodyPr anchorCtr="0" anchor="ctr" bIns="91425" lIns="91425" spcFirstLastPara="1" rIns="91425" wrap="square" tIns="91425">
+            <a:bodyPr spcFirstLastPara="1" wrap="square" lIns="91425" tIns="91425" rIns="91425" bIns="91425" anchor="ctr" anchorCtr="0">
               <a:noAutofit/>
             </a:bodyPr>
             <a:lstStyle/>
             <a:p>
-              <a:pPr indent="0" lvl="0" marL="0" rtl="0" algn="l">
+              <a:pPr marL="0" lvl="0" indent="0" algn="l" rtl="0">
                 <a:spcBef>
                   <a:spcPts val="0"/>
                 </a:spcBef>
@@ -4245,9 +4303,6 @@
                 </a:spcAft>
                 <a:buNone/>
               </a:pPr>
-              <a:r>
-                <a:t/>
-              </a:r>
               <a:endParaRPr/>
             </a:p>
           </p:txBody>
@@ -4274,12 +4329,12 @@
             </a:ln>
           </p:spPr>
           <p:txBody>
-            <a:bodyPr anchorCtr="0" anchor="ctr" bIns="91425" lIns="91425" spcFirstLastPara="1" rIns="91425" wrap="square" tIns="91425">
+            <a:bodyPr spcFirstLastPara="1" wrap="square" lIns="91425" tIns="91425" rIns="91425" bIns="91425" anchor="ctr" anchorCtr="0">
               <a:noAutofit/>
             </a:bodyPr>
             <a:lstStyle/>
             <a:p>
-              <a:pPr indent="0" lvl="0" marL="0" rtl="0" algn="l">
+              <a:pPr marL="0" lvl="0" indent="0" algn="l" rtl="0">
                 <a:spcBef>
                   <a:spcPts val="0"/>
                 </a:spcBef>
@@ -4288,9 +4343,6 @@
                 </a:spcAft>
                 <a:buNone/>
               </a:pPr>
-              <a:r>
-                <a:t/>
-              </a:r>
               <a:endParaRPr/>
             </a:p>
           </p:txBody>
@@ -4317,12 +4369,12 @@
             </a:ln>
           </p:spPr>
           <p:txBody>
-            <a:bodyPr anchorCtr="0" anchor="ctr" bIns="91425" lIns="91425" spcFirstLastPara="1" rIns="91425" wrap="square" tIns="91425">
+            <a:bodyPr spcFirstLastPara="1" wrap="square" lIns="91425" tIns="91425" rIns="91425" bIns="91425" anchor="ctr" anchorCtr="0">
               <a:noAutofit/>
             </a:bodyPr>
             <a:lstStyle/>
             <a:p>
-              <a:pPr indent="0" lvl="0" marL="0" rtl="0" algn="l">
+              <a:pPr marL="0" lvl="0" indent="0" algn="l" rtl="0">
                 <a:spcBef>
                   <a:spcPts val="0"/>
                 </a:spcBef>
@@ -4331,9 +4383,6 @@
                 </a:spcAft>
                 <a:buNone/>
               </a:pPr>
-              <a:r>
-                <a:t/>
-              </a:r>
               <a:endParaRPr/>
             </a:p>
           </p:txBody>
@@ -4342,7 +4391,9 @@
       <p:sp>
         <p:nvSpPr>
           <p:cNvPr id="35" name="Google Shape;35;p4"/>
-          <p:cNvSpPr txBox="1"/>
+          <p:cNvSpPr txBox="1">
+            <a:spLocks noGrp="1"/>
+          </p:cNvSpPr>
           <p:nvPr>
             <p:ph type="title"/>
           </p:nvPr>
@@ -4357,7 +4408,7 @@
           </a:prstGeom>
         </p:spPr>
         <p:txBody>
-          <a:bodyPr anchorCtr="0" anchor="t" bIns="91425" lIns="91425" spcFirstLastPara="1" rIns="91425" wrap="square" tIns="91425"/>
+          <a:bodyPr spcFirstLastPara="1" wrap="square" lIns="91425" tIns="91425" rIns="91425" bIns="91425" anchor="t" anchorCtr="0"/>
           <a:lstStyle>
             <a:lvl1pPr lvl="0">
               <a:spcBef>
@@ -4459,15 +4510,19 @@
               <a:defRPr/>
             </a:lvl9pPr>
           </a:lstStyle>
-          <a:p/>
+          <a:p>
+            <a:endParaRPr/>
+          </a:p>
         </p:txBody>
       </p:sp>
       <p:sp>
         <p:nvSpPr>
           <p:cNvPr id="36" name="Google Shape;36;p4"/>
-          <p:cNvSpPr txBox="1"/>
+          <p:cNvSpPr txBox="1">
+            <a:spLocks noGrp="1"/>
+          </p:cNvSpPr>
           <p:nvPr>
-            <p:ph idx="1" type="body"/>
+            <p:ph type="body" idx="1"/>
           </p:nvPr>
         </p:nvSpPr>
         <p:spPr>
@@ -4480,9 +4535,9 @@
           </a:prstGeom>
         </p:spPr>
         <p:txBody>
-          <a:bodyPr anchorCtr="0" anchor="t" bIns="91425" lIns="91425" spcFirstLastPara="1" rIns="91425" wrap="square" tIns="91425"/>
+          <a:bodyPr spcFirstLastPara="1" wrap="square" lIns="91425" tIns="91425" rIns="91425" bIns="91425" anchor="t" anchorCtr="0"/>
           <a:lstStyle>
-            <a:lvl1pPr indent="-342900" lvl="0" marL="457200">
+            <a:lvl1pPr marL="457200" lvl="0" indent="-342900">
               <a:spcBef>
                 <a:spcPts val="0"/>
               </a:spcBef>
@@ -4493,7 +4548,7 @@
               <a:buChar char="●"/>
               <a:defRPr/>
             </a:lvl1pPr>
-            <a:lvl2pPr indent="-317500" lvl="1" marL="914400">
+            <a:lvl2pPr marL="914400" lvl="1" indent="-317500">
               <a:spcBef>
                 <a:spcPts val="1600"/>
               </a:spcBef>
@@ -4504,7 +4559,7 @@
               <a:buChar char="○"/>
               <a:defRPr/>
             </a:lvl2pPr>
-            <a:lvl3pPr indent="-317500" lvl="2" marL="1371600">
+            <a:lvl3pPr marL="1371600" lvl="2" indent="-317500">
               <a:spcBef>
                 <a:spcPts val="1600"/>
               </a:spcBef>
@@ -4515,7 +4570,7 @@
               <a:buChar char="■"/>
               <a:defRPr/>
             </a:lvl3pPr>
-            <a:lvl4pPr indent="-317500" lvl="3" marL="1828800">
+            <a:lvl4pPr marL="1828800" lvl="3" indent="-317500">
               <a:spcBef>
                 <a:spcPts val="1600"/>
               </a:spcBef>
@@ -4526,7 +4581,7 @@
               <a:buChar char="●"/>
               <a:defRPr/>
             </a:lvl4pPr>
-            <a:lvl5pPr indent="-317500" lvl="4" marL="2286000">
+            <a:lvl5pPr marL="2286000" lvl="4" indent="-317500">
               <a:spcBef>
                 <a:spcPts val="1600"/>
               </a:spcBef>
@@ -4537,7 +4592,7 @@
               <a:buChar char="○"/>
               <a:defRPr/>
             </a:lvl5pPr>
-            <a:lvl6pPr indent="-317500" lvl="5" marL="2743200">
+            <a:lvl6pPr marL="2743200" lvl="5" indent="-317500">
               <a:spcBef>
                 <a:spcPts val="1600"/>
               </a:spcBef>
@@ -4548,7 +4603,7 @@
               <a:buChar char="■"/>
               <a:defRPr/>
             </a:lvl6pPr>
-            <a:lvl7pPr indent="-317500" lvl="6" marL="3200400">
+            <a:lvl7pPr marL="3200400" lvl="6" indent="-317500">
               <a:spcBef>
                 <a:spcPts val="1600"/>
               </a:spcBef>
@@ -4559,7 +4614,7 @@
               <a:buChar char="●"/>
               <a:defRPr/>
             </a:lvl7pPr>
-            <a:lvl8pPr indent="-317500" lvl="7" marL="3657600">
+            <a:lvl8pPr marL="3657600" lvl="7" indent="-317500">
               <a:spcBef>
                 <a:spcPts val="1600"/>
               </a:spcBef>
@@ -4570,7 +4625,7 @@
               <a:buChar char="○"/>
               <a:defRPr/>
             </a:lvl8pPr>
-            <a:lvl9pPr indent="-317500" lvl="8" marL="4114800">
+            <a:lvl9pPr marL="4114800" lvl="8" indent="-317500">
               <a:spcBef>
                 <a:spcPts val="1600"/>
               </a:spcBef>
@@ -4582,15 +4637,19 @@
               <a:defRPr/>
             </a:lvl9pPr>
           </a:lstStyle>
-          <a:p/>
+          <a:p>
+            <a:endParaRPr/>
+          </a:p>
         </p:txBody>
       </p:sp>
       <p:sp>
         <p:nvSpPr>
           <p:cNvPr id="37" name="Google Shape;37;p4"/>
-          <p:cNvSpPr txBox="1"/>
+          <p:cNvSpPr txBox="1">
+            <a:spLocks noGrp="1"/>
+          </p:cNvSpPr>
           <p:nvPr>
-            <p:ph idx="12" type="sldNum"/>
+            <p:ph type="sldNum" idx="12"/>
           </p:nvPr>
         </p:nvSpPr>
         <p:spPr>
@@ -4603,7 +4662,7 @@
           </a:prstGeom>
         </p:spPr>
         <p:txBody>
-          <a:bodyPr anchorCtr="0" anchor="ctr" bIns="91425" lIns="91425" spcFirstLastPara="1" rIns="91425" wrap="square" tIns="91425">
+          <a:bodyPr spcFirstLastPara="1" wrap="square" lIns="91425" tIns="91425" rIns="91425" bIns="91425" anchor="ctr" anchorCtr="0">
             <a:noAutofit/>
           </a:bodyPr>
           <a:lstStyle>
@@ -4645,7 +4704,7 @@
             </a:lvl9pPr>
           </a:lstStyle>
           <a:p>
-            <a:pPr indent="0" lvl="0" marL="0" rtl="0" algn="r">
+            <a:pPr marL="0" lvl="0" indent="0" algn="r" rtl="0">
               <a:spcBef>
                 <a:spcPts val="0"/>
               </a:spcBef>
@@ -4671,11 +4730,11 @@
 </file>
 
 <file path=ppt/slideLayouts/slideLayout4.xml><?xml version="1.0" encoding="utf-8"?>
-<p:sldLayout xmlns:a="http://schemas.openxmlformats.org/drawingml/2006/main" xmlns:r="http://schemas.openxmlformats.org/officeDocument/2006/relationships" xmlns:mc="http://schemas.openxmlformats.org/markup-compatibility/2006" xmlns:mv="urn:schemas-microsoft-com:mac:vml" xmlns:p="http://schemas.openxmlformats.org/presentationml/2006/main" xmlns:c="http://schemas.openxmlformats.org/drawingml/2006/chart" xmlns:dgm="http://schemas.openxmlformats.org/drawingml/2006/diagram" xmlns:o="urn:schemas-microsoft-com:office:office" xmlns:v="urn:schemas-microsoft-com:vml" xmlns:pvml="urn:schemas-microsoft-com:office:powerpoint" xmlns:com="http://schemas.openxmlformats.org/drawingml/2006/compatibility" xmlns:p14="http://schemas.microsoft.com/office/powerpoint/2010/main" xmlns:p15="http://schemas.microsoft.com/office/powerpoint/2012/main" matchingName="Title and two columns" type="twoColTx">
+<p:sldLayout xmlns:a="http://schemas.openxmlformats.org/drawingml/2006/main" xmlns:r="http://schemas.openxmlformats.org/officeDocument/2006/relationships" xmlns:p="http://schemas.openxmlformats.org/presentationml/2006/main" matchingName="Title and two columns" type="twoColTx">
   <p:cSld name="TITLE_AND_TWO_COLUMNS">
     <p:spTree>
       <p:nvGrpSpPr>
-        <p:cNvPr id="38" name="Shape 38"/>
+        <p:cNvPr id="1" name="Shape 38"/>
         <p:cNvGrpSpPr/>
         <p:nvPr/>
       </p:nvGrpSpPr>
@@ -4690,7 +4749,9 @@
       <p:sp>
         <p:nvSpPr>
           <p:cNvPr id="39" name="Google Shape;39;p5"/>
-          <p:cNvSpPr txBox="1"/>
+          <p:cNvSpPr txBox="1">
+            <a:spLocks noGrp="1"/>
+          </p:cNvSpPr>
           <p:nvPr>
             <p:ph type="title"/>
           </p:nvPr>
@@ -4705,7 +4766,7 @@
           </a:prstGeom>
         </p:spPr>
         <p:txBody>
-          <a:bodyPr anchorCtr="0" anchor="t" bIns="91425" lIns="91425" spcFirstLastPara="1" rIns="91425" wrap="square" tIns="91425"/>
+          <a:bodyPr spcFirstLastPara="1" wrap="square" lIns="91425" tIns="91425" rIns="91425" bIns="91425" anchor="t" anchorCtr="0"/>
           <a:lstStyle>
             <a:lvl1pPr lvl="0">
               <a:spcBef>
@@ -4807,15 +4868,19 @@
               <a:defRPr/>
             </a:lvl9pPr>
           </a:lstStyle>
-          <a:p/>
+          <a:p>
+            <a:endParaRPr/>
+          </a:p>
         </p:txBody>
       </p:sp>
       <p:sp>
         <p:nvSpPr>
           <p:cNvPr id="40" name="Google Shape;40;p5"/>
-          <p:cNvSpPr txBox="1"/>
+          <p:cNvSpPr txBox="1">
+            <a:spLocks noGrp="1"/>
+          </p:cNvSpPr>
           <p:nvPr>
-            <p:ph idx="1" type="body"/>
+            <p:ph type="body" idx="1"/>
           </p:nvPr>
         </p:nvSpPr>
         <p:spPr>
@@ -4828,9 +4893,9 @@
           </a:prstGeom>
         </p:spPr>
         <p:txBody>
-          <a:bodyPr anchorCtr="0" anchor="t" bIns="91425" lIns="91425" spcFirstLastPara="1" rIns="91425" wrap="square" tIns="91425"/>
+          <a:bodyPr spcFirstLastPara="1" wrap="square" lIns="91425" tIns="91425" rIns="91425" bIns="91425" anchor="t" anchorCtr="0"/>
           <a:lstStyle>
-            <a:lvl1pPr indent="-317500" lvl="0" marL="457200">
+            <a:lvl1pPr marL="457200" lvl="0" indent="-317500">
               <a:spcBef>
                 <a:spcPts val="0"/>
               </a:spcBef>
@@ -4841,7 +4906,7 @@
               <a:buChar char="●"/>
               <a:defRPr sz="1400"/>
             </a:lvl1pPr>
-            <a:lvl2pPr indent="-304800" lvl="1" marL="914400">
+            <a:lvl2pPr marL="914400" lvl="1" indent="-304800">
               <a:spcBef>
                 <a:spcPts val="1600"/>
               </a:spcBef>
@@ -4852,7 +4917,7 @@
               <a:buChar char="○"/>
               <a:defRPr sz="1200"/>
             </a:lvl2pPr>
-            <a:lvl3pPr indent="-304800" lvl="2" marL="1371600">
+            <a:lvl3pPr marL="1371600" lvl="2" indent="-304800">
               <a:spcBef>
                 <a:spcPts val="1600"/>
               </a:spcBef>
@@ -4863,7 +4928,7 @@
               <a:buChar char="■"/>
               <a:defRPr sz="1200"/>
             </a:lvl3pPr>
-            <a:lvl4pPr indent="-304800" lvl="3" marL="1828800">
+            <a:lvl4pPr marL="1828800" lvl="3" indent="-304800">
               <a:spcBef>
                 <a:spcPts val="1600"/>
               </a:spcBef>
@@ -4874,7 +4939,7 @@
               <a:buChar char="●"/>
               <a:defRPr sz="1200"/>
             </a:lvl4pPr>
-            <a:lvl5pPr indent="-304800" lvl="4" marL="2286000">
+            <a:lvl5pPr marL="2286000" lvl="4" indent="-304800">
               <a:spcBef>
                 <a:spcPts val="1600"/>
               </a:spcBef>
@@ -4885,7 +4950,7 @@
               <a:buChar char="○"/>
               <a:defRPr sz="1200"/>
             </a:lvl5pPr>
-            <a:lvl6pPr indent="-304800" lvl="5" marL="2743200">
+            <a:lvl6pPr marL="2743200" lvl="5" indent="-304800">
               <a:spcBef>
                 <a:spcPts val="1600"/>
               </a:spcBef>
@@ -4896,7 +4961,7 @@
               <a:buChar char="■"/>
               <a:defRPr sz="1200"/>
             </a:lvl6pPr>
-            <a:lvl7pPr indent="-304800" lvl="6" marL="3200400">
+            <a:lvl7pPr marL="3200400" lvl="6" indent="-304800">
               <a:spcBef>
                 <a:spcPts val="1600"/>
               </a:spcBef>
@@ -4907,7 +4972,7 @@
               <a:buChar char="●"/>
               <a:defRPr sz="1200"/>
             </a:lvl7pPr>
-            <a:lvl8pPr indent="-304800" lvl="7" marL="3657600">
+            <a:lvl8pPr marL="3657600" lvl="7" indent="-304800">
               <a:spcBef>
                 <a:spcPts val="1600"/>
               </a:spcBef>
@@ -4918,7 +4983,7 @@
               <a:buChar char="○"/>
               <a:defRPr sz="1200"/>
             </a:lvl8pPr>
-            <a:lvl9pPr indent="-304800" lvl="8" marL="4114800">
+            <a:lvl9pPr marL="4114800" lvl="8" indent="-304800">
               <a:spcBef>
                 <a:spcPts val="1600"/>
               </a:spcBef>
@@ -4930,15 +4995,19 @@
               <a:defRPr sz="1200"/>
             </a:lvl9pPr>
           </a:lstStyle>
-          <a:p/>
+          <a:p>
+            <a:endParaRPr/>
+          </a:p>
         </p:txBody>
       </p:sp>
       <p:sp>
         <p:nvSpPr>
           <p:cNvPr id="41" name="Google Shape;41;p5"/>
-          <p:cNvSpPr txBox="1"/>
+          <p:cNvSpPr txBox="1">
+            <a:spLocks noGrp="1"/>
+          </p:cNvSpPr>
           <p:nvPr>
-            <p:ph idx="2" type="body"/>
+            <p:ph type="body" idx="2"/>
           </p:nvPr>
         </p:nvSpPr>
         <p:spPr>
@@ -4951,9 +5020,9 @@
           </a:prstGeom>
         </p:spPr>
         <p:txBody>
-          <a:bodyPr anchorCtr="0" anchor="t" bIns="91425" lIns="91425" spcFirstLastPara="1" rIns="91425" wrap="square" tIns="91425"/>
+          <a:bodyPr spcFirstLastPara="1" wrap="square" lIns="91425" tIns="91425" rIns="91425" bIns="91425" anchor="t" anchorCtr="0"/>
           <a:lstStyle>
-            <a:lvl1pPr indent="-317500" lvl="0" marL="457200">
+            <a:lvl1pPr marL="457200" lvl="0" indent="-317500">
               <a:spcBef>
                 <a:spcPts val="0"/>
               </a:spcBef>
@@ -4964,7 +5033,7 @@
               <a:buChar char="●"/>
               <a:defRPr sz="1400"/>
             </a:lvl1pPr>
-            <a:lvl2pPr indent="-304800" lvl="1" marL="914400">
+            <a:lvl2pPr marL="914400" lvl="1" indent="-304800">
               <a:spcBef>
                 <a:spcPts val="1600"/>
               </a:spcBef>
@@ -4975,7 +5044,7 @@
               <a:buChar char="○"/>
               <a:defRPr sz="1200"/>
             </a:lvl2pPr>
-            <a:lvl3pPr indent="-304800" lvl="2" marL="1371600">
+            <a:lvl3pPr marL="1371600" lvl="2" indent="-304800">
               <a:spcBef>
                 <a:spcPts val="1600"/>
               </a:spcBef>
@@ -4986,7 +5055,7 @@
               <a:buChar char="■"/>
               <a:defRPr sz="1200"/>
             </a:lvl3pPr>
-            <a:lvl4pPr indent="-304800" lvl="3" marL="1828800">
+            <a:lvl4pPr marL="1828800" lvl="3" indent="-304800">
               <a:spcBef>
                 <a:spcPts val="1600"/>
               </a:spcBef>
@@ -4997,7 +5066,7 @@
               <a:buChar char="●"/>
               <a:defRPr sz="1200"/>
             </a:lvl4pPr>
-            <a:lvl5pPr indent="-304800" lvl="4" marL="2286000">
+            <a:lvl5pPr marL="2286000" lvl="4" indent="-304800">
               <a:spcBef>
                 <a:spcPts val="1600"/>
               </a:spcBef>
@@ -5008,7 +5077,7 @@
               <a:buChar char="○"/>
               <a:defRPr sz="1200"/>
             </a:lvl5pPr>
-            <a:lvl6pPr indent="-304800" lvl="5" marL="2743200">
+            <a:lvl6pPr marL="2743200" lvl="5" indent="-304800">
               <a:spcBef>
                 <a:spcPts val="1600"/>
               </a:spcBef>
@@ -5019,7 +5088,7 @@
               <a:buChar char="■"/>
               <a:defRPr sz="1200"/>
             </a:lvl6pPr>
-            <a:lvl7pPr indent="-304800" lvl="6" marL="3200400">
+            <a:lvl7pPr marL="3200400" lvl="6" indent="-304800">
               <a:spcBef>
                 <a:spcPts val="1600"/>
               </a:spcBef>
@@ -5030,7 +5099,7 @@
               <a:buChar char="●"/>
               <a:defRPr sz="1200"/>
             </a:lvl7pPr>
-            <a:lvl8pPr indent="-304800" lvl="7" marL="3657600">
+            <a:lvl8pPr marL="3657600" lvl="7" indent="-304800">
               <a:spcBef>
                 <a:spcPts val="1600"/>
               </a:spcBef>
@@ -5041,7 +5110,7 @@
               <a:buChar char="○"/>
               <a:defRPr sz="1200"/>
             </a:lvl8pPr>
-            <a:lvl9pPr indent="-304800" lvl="8" marL="4114800">
+            <a:lvl9pPr marL="4114800" lvl="8" indent="-304800">
               <a:spcBef>
                 <a:spcPts val="1600"/>
               </a:spcBef>
@@ -5053,15 +5122,19 @@
               <a:defRPr sz="1200"/>
             </a:lvl9pPr>
           </a:lstStyle>
-          <a:p/>
+          <a:p>
+            <a:endParaRPr/>
+          </a:p>
         </p:txBody>
       </p:sp>
       <p:sp>
         <p:nvSpPr>
           <p:cNvPr id="42" name="Google Shape;42;p5"/>
-          <p:cNvSpPr txBox="1"/>
+          <p:cNvSpPr txBox="1">
+            <a:spLocks noGrp="1"/>
+          </p:cNvSpPr>
           <p:nvPr>
-            <p:ph idx="12" type="sldNum"/>
+            <p:ph type="sldNum" idx="12"/>
           </p:nvPr>
         </p:nvSpPr>
         <p:spPr>
@@ -5074,7 +5147,7 @@
           </a:prstGeom>
         </p:spPr>
         <p:txBody>
-          <a:bodyPr anchorCtr="0" anchor="ctr" bIns="91425" lIns="91425" spcFirstLastPara="1" rIns="91425" wrap="square" tIns="91425">
+          <a:bodyPr spcFirstLastPara="1" wrap="square" lIns="91425" tIns="91425" rIns="91425" bIns="91425" anchor="ctr" anchorCtr="0">
             <a:noAutofit/>
           </a:bodyPr>
           <a:lstStyle>
@@ -5152,7 +5225,7 @@
             </a:lvl9pPr>
           </a:lstStyle>
           <a:p>
-            <a:pPr indent="0" lvl="0" marL="0" rtl="0" algn="r">
+            <a:pPr marL="0" lvl="0" indent="0" algn="r" rtl="0">
               <a:spcBef>
                 <a:spcPts val="0"/>
               </a:spcBef>
@@ -5178,11 +5251,11 @@
 </file>
 
 <file path=ppt/slideLayouts/slideLayout5.xml><?xml version="1.0" encoding="utf-8"?>
-<p:sldLayout xmlns:a="http://schemas.openxmlformats.org/drawingml/2006/main" xmlns:r="http://schemas.openxmlformats.org/officeDocument/2006/relationships" xmlns:mc="http://schemas.openxmlformats.org/markup-compatibility/2006" xmlns:mv="urn:schemas-microsoft-com:mac:vml" xmlns:p="http://schemas.openxmlformats.org/presentationml/2006/main" xmlns:c="http://schemas.openxmlformats.org/drawingml/2006/chart" xmlns:dgm="http://schemas.openxmlformats.org/drawingml/2006/diagram" xmlns:o="urn:schemas-microsoft-com:office:office" xmlns:v="urn:schemas-microsoft-com:vml" xmlns:pvml="urn:schemas-microsoft-com:office:powerpoint" xmlns:com="http://schemas.openxmlformats.org/drawingml/2006/compatibility" xmlns:p14="http://schemas.microsoft.com/office/powerpoint/2010/main" xmlns:p15="http://schemas.microsoft.com/office/powerpoint/2012/main" matchingName="Title only" type="titleOnly">
+<p:sldLayout xmlns:a="http://schemas.openxmlformats.org/drawingml/2006/main" xmlns:r="http://schemas.openxmlformats.org/officeDocument/2006/relationships" xmlns:p="http://schemas.openxmlformats.org/presentationml/2006/main" matchingName="Title only" type="titleOnly">
   <p:cSld name="TITLE_ONLY">
     <p:spTree>
       <p:nvGrpSpPr>
-        <p:cNvPr id="43" name="Shape 43"/>
+        <p:cNvPr id="1" name="Shape 43"/>
         <p:cNvGrpSpPr/>
         <p:nvPr/>
       </p:nvGrpSpPr>
@@ -5197,7 +5270,9 @@
       <p:sp>
         <p:nvSpPr>
           <p:cNvPr id="44" name="Google Shape;44;p6"/>
-          <p:cNvSpPr txBox="1"/>
+          <p:cNvSpPr txBox="1">
+            <a:spLocks noGrp="1"/>
+          </p:cNvSpPr>
           <p:nvPr>
             <p:ph type="title"/>
           </p:nvPr>
@@ -5212,7 +5287,7 @@
           </a:prstGeom>
         </p:spPr>
         <p:txBody>
-          <a:bodyPr anchorCtr="0" anchor="t" bIns="91425" lIns="91425" spcFirstLastPara="1" rIns="91425" wrap="square" tIns="91425"/>
+          <a:bodyPr spcFirstLastPara="1" wrap="square" lIns="91425" tIns="91425" rIns="91425" bIns="91425" anchor="t" anchorCtr="0"/>
           <a:lstStyle>
             <a:lvl1pPr lvl="0">
               <a:spcBef>
@@ -5314,15 +5389,19 @@
               <a:defRPr/>
             </a:lvl9pPr>
           </a:lstStyle>
-          <a:p/>
+          <a:p>
+            <a:endParaRPr/>
+          </a:p>
         </p:txBody>
       </p:sp>
       <p:sp>
         <p:nvSpPr>
           <p:cNvPr id="45" name="Google Shape;45;p6"/>
-          <p:cNvSpPr txBox="1"/>
+          <p:cNvSpPr txBox="1">
+            <a:spLocks noGrp="1"/>
+          </p:cNvSpPr>
           <p:nvPr>
-            <p:ph idx="12" type="sldNum"/>
+            <p:ph type="sldNum" idx="12"/>
           </p:nvPr>
         </p:nvSpPr>
         <p:spPr>
@@ -5335,7 +5414,7 @@
           </a:prstGeom>
         </p:spPr>
         <p:txBody>
-          <a:bodyPr anchorCtr="0" anchor="ctr" bIns="91425" lIns="91425" spcFirstLastPara="1" rIns="91425" wrap="square" tIns="91425">
+          <a:bodyPr spcFirstLastPara="1" wrap="square" lIns="91425" tIns="91425" rIns="91425" bIns="91425" anchor="ctr" anchorCtr="0">
             <a:noAutofit/>
           </a:bodyPr>
           <a:lstStyle>
@@ -5413,7 +5492,7 @@
             </a:lvl9pPr>
           </a:lstStyle>
           <a:p>
-            <a:pPr indent="0" lvl="0" marL="0" rtl="0" algn="r">
+            <a:pPr marL="0" lvl="0" indent="0" algn="r" rtl="0">
               <a:spcBef>
                 <a:spcPts val="0"/>
               </a:spcBef>
@@ -5439,11 +5518,11 @@
 </file>
 
 <file path=ppt/slideLayouts/slideLayout6.xml><?xml version="1.0" encoding="utf-8"?>
-<p:sldLayout xmlns:a="http://schemas.openxmlformats.org/drawingml/2006/main" xmlns:r="http://schemas.openxmlformats.org/officeDocument/2006/relationships" xmlns:mc="http://schemas.openxmlformats.org/markup-compatibility/2006" xmlns:mv="urn:schemas-microsoft-com:mac:vml" xmlns:p="http://schemas.openxmlformats.org/presentationml/2006/main" xmlns:c="http://schemas.openxmlformats.org/drawingml/2006/chart" xmlns:dgm="http://schemas.openxmlformats.org/drawingml/2006/diagram" xmlns:o="urn:schemas-microsoft-com:office:office" xmlns:v="urn:schemas-microsoft-com:vml" xmlns:pvml="urn:schemas-microsoft-com:office:powerpoint" xmlns:com="http://schemas.openxmlformats.org/drawingml/2006/compatibility" xmlns:p14="http://schemas.microsoft.com/office/powerpoint/2010/main" xmlns:p15="http://schemas.microsoft.com/office/powerpoint/2012/main" matchingName="One column text">
+<p:sldLayout xmlns:a="http://schemas.openxmlformats.org/drawingml/2006/main" xmlns:r="http://schemas.openxmlformats.org/officeDocument/2006/relationships" xmlns:p="http://schemas.openxmlformats.org/presentationml/2006/main" matchingName="One column text">
   <p:cSld name="ONE_COLUMN_TEXT">
     <p:spTree>
       <p:nvGrpSpPr>
-        <p:cNvPr id="46" name="Shape 46"/>
+        <p:cNvPr id="1" name="Shape 46"/>
         <p:cNvGrpSpPr/>
         <p:nvPr/>
       </p:nvGrpSpPr>
@@ -5458,7 +5537,9 @@
       <p:sp>
         <p:nvSpPr>
           <p:cNvPr id="47" name="Google Shape;47;p7"/>
-          <p:cNvSpPr txBox="1"/>
+          <p:cNvSpPr txBox="1">
+            <a:spLocks noGrp="1"/>
+          </p:cNvSpPr>
           <p:nvPr>
             <p:ph type="title"/>
           </p:nvPr>
@@ -5473,7 +5554,7 @@
           </a:prstGeom>
         </p:spPr>
         <p:txBody>
-          <a:bodyPr anchorCtr="0" anchor="b" bIns="91425" lIns="91425" spcFirstLastPara="1" rIns="91425" wrap="square" tIns="91425"/>
+          <a:bodyPr spcFirstLastPara="1" wrap="square" lIns="91425" tIns="91425" rIns="91425" bIns="91425" anchor="b" anchorCtr="0"/>
           <a:lstStyle>
             <a:lvl1pPr lvl="0">
               <a:spcBef>
@@ -5575,15 +5656,19 @@
               <a:defRPr sz="2400"/>
             </a:lvl9pPr>
           </a:lstStyle>
-          <a:p/>
+          <a:p>
+            <a:endParaRPr/>
+          </a:p>
         </p:txBody>
       </p:sp>
       <p:sp>
         <p:nvSpPr>
           <p:cNvPr id="48" name="Google Shape;48;p7"/>
-          <p:cNvSpPr txBox="1"/>
+          <p:cNvSpPr txBox="1">
+            <a:spLocks noGrp="1"/>
+          </p:cNvSpPr>
           <p:nvPr>
-            <p:ph idx="1" type="body"/>
+            <p:ph type="body" idx="1"/>
           </p:nvPr>
         </p:nvSpPr>
         <p:spPr>
@@ -5596,9 +5681,9 @@
           </a:prstGeom>
         </p:spPr>
         <p:txBody>
-          <a:bodyPr anchorCtr="0" anchor="t" bIns="91425" lIns="91425" spcFirstLastPara="1" rIns="91425" wrap="square" tIns="91425"/>
+          <a:bodyPr spcFirstLastPara="1" wrap="square" lIns="91425" tIns="91425" rIns="91425" bIns="91425" anchor="t" anchorCtr="0"/>
           <a:lstStyle>
-            <a:lvl1pPr indent="-304800" lvl="0" marL="457200">
+            <a:lvl1pPr marL="457200" lvl="0" indent="-304800">
               <a:spcBef>
                 <a:spcPts val="0"/>
               </a:spcBef>
@@ -5609,7 +5694,7 @@
               <a:buChar char="●"/>
               <a:defRPr sz="1200"/>
             </a:lvl1pPr>
-            <a:lvl2pPr indent="-304800" lvl="1" marL="914400">
+            <a:lvl2pPr marL="914400" lvl="1" indent="-304800">
               <a:spcBef>
                 <a:spcPts val="1600"/>
               </a:spcBef>
@@ -5620,7 +5705,7 @@
               <a:buChar char="○"/>
               <a:defRPr sz="1200"/>
             </a:lvl2pPr>
-            <a:lvl3pPr indent="-304800" lvl="2" marL="1371600">
+            <a:lvl3pPr marL="1371600" lvl="2" indent="-304800">
               <a:spcBef>
                 <a:spcPts val="1600"/>
               </a:spcBef>
@@ -5631,7 +5716,7 @@
               <a:buChar char="■"/>
               <a:defRPr sz="1200"/>
             </a:lvl3pPr>
-            <a:lvl4pPr indent="-304800" lvl="3" marL="1828800">
+            <a:lvl4pPr marL="1828800" lvl="3" indent="-304800">
               <a:spcBef>
                 <a:spcPts val="1600"/>
               </a:spcBef>
@@ -5642,7 +5727,7 @@
               <a:buChar char="●"/>
               <a:defRPr sz="1200"/>
             </a:lvl4pPr>
-            <a:lvl5pPr indent="-304800" lvl="4" marL="2286000">
+            <a:lvl5pPr marL="2286000" lvl="4" indent="-304800">
               <a:spcBef>
                 <a:spcPts val="1600"/>
               </a:spcBef>
@@ -5653,7 +5738,7 @@
               <a:buChar char="○"/>
               <a:defRPr sz="1200"/>
             </a:lvl5pPr>
-            <a:lvl6pPr indent="-304800" lvl="5" marL="2743200">
+            <a:lvl6pPr marL="2743200" lvl="5" indent="-304800">
               <a:spcBef>
                 <a:spcPts val="1600"/>
               </a:spcBef>
@@ -5664,7 +5749,7 @@
               <a:buChar char="■"/>
               <a:defRPr sz="1200"/>
             </a:lvl6pPr>
-            <a:lvl7pPr indent="-304800" lvl="6" marL="3200400">
+            <a:lvl7pPr marL="3200400" lvl="6" indent="-304800">
               <a:spcBef>
                 <a:spcPts val="1600"/>
               </a:spcBef>
@@ -5675,7 +5760,7 @@
               <a:buChar char="●"/>
               <a:defRPr sz="1200"/>
             </a:lvl7pPr>
-            <a:lvl8pPr indent="-304800" lvl="7" marL="3657600">
+            <a:lvl8pPr marL="3657600" lvl="7" indent="-304800">
               <a:spcBef>
                 <a:spcPts val="1600"/>
               </a:spcBef>
@@ -5686,7 +5771,7 @@
               <a:buChar char="○"/>
               <a:defRPr sz="1200"/>
             </a:lvl8pPr>
-            <a:lvl9pPr indent="-304800" lvl="8" marL="4114800">
+            <a:lvl9pPr marL="4114800" lvl="8" indent="-304800">
               <a:spcBef>
                 <a:spcPts val="1600"/>
               </a:spcBef>
@@ -5698,15 +5783,19 @@
               <a:defRPr sz="1200"/>
             </a:lvl9pPr>
           </a:lstStyle>
-          <a:p/>
+          <a:p>
+            <a:endParaRPr/>
+          </a:p>
         </p:txBody>
       </p:sp>
       <p:sp>
         <p:nvSpPr>
           <p:cNvPr id="49" name="Google Shape;49;p7"/>
-          <p:cNvSpPr txBox="1"/>
+          <p:cNvSpPr txBox="1">
+            <a:spLocks noGrp="1"/>
+          </p:cNvSpPr>
           <p:nvPr>
-            <p:ph idx="12" type="sldNum"/>
+            <p:ph type="sldNum" idx="12"/>
           </p:nvPr>
         </p:nvSpPr>
         <p:spPr>
@@ -5719,7 +5808,7 @@
           </a:prstGeom>
         </p:spPr>
         <p:txBody>
-          <a:bodyPr anchorCtr="0" anchor="ctr" bIns="91425" lIns="91425" spcFirstLastPara="1" rIns="91425" wrap="square" tIns="91425">
+          <a:bodyPr spcFirstLastPara="1" wrap="square" lIns="91425" tIns="91425" rIns="91425" bIns="91425" anchor="ctr" anchorCtr="0">
             <a:noAutofit/>
           </a:bodyPr>
           <a:lstStyle>
@@ -5797,7 +5886,7 @@
             </a:lvl9pPr>
           </a:lstStyle>
           <a:p>
-            <a:pPr indent="0" lvl="0" marL="0" rtl="0" algn="r">
+            <a:pPr marL="0" lvl="0" indent="0" algn="r" rtl="0">
               <a:spcBef>
                 <a:spcPts val="0"/>
               </a:spcBef>
@@ -5823,18 +5912,19 @@
 </file>
 
 <file path=ppt/slideLayouts/slideLayout7.xml><?xml version="1.0" encoding="utf-8"?>
-<p:sldLayout xmlns:a="http://schemas.openxmlformats.org/drawingml/2006/main" xmlns:r="http://schemas.openxmlformats.org/officeDocument/2006/relationships" xmlns:mc="http://schemas.openxmlformats.org/markup-compatibility/2006" xmlns:mv="urn:schemas-microsoft-com:mac:vml" xmlns:p="http://schemas.openxmlformats.org/presentationml/2006/main" xmlns:c="http://schemas.openxmlformats.org/drawingml/2006/chart" xmlns:dgm="http://schemas.openxmlformats.org/drawingml/2006/diagram" xmlns:o="urn:schemas-microsoft-com:office:office" xmlns:v="urn:schemas-microsoft-com:vml" xmlns:pvml="urn:schemas-microsoft-com:office:powerpoint" xmlns:com="http://schemas.openxmlformats.org/drawingml/2006/compatibility" xmlns:p14="http://schemas.microsoft.com/office/powerpoint/2010/main" xmlns:p15="http://schemas.microsoft.com/office/powerpoint/2012/main" matchingName="Main point">
+<p:sldLayout xmlns:a="http://schemas.openxmlformats.org/drawingml/2006/main" xmlns:r="http://schemas.openxmlformats.org/officeDocument/2006/relationships" xmlns:p="http://schemas.openxmlformats.org/presentationml/2006/main" matchingName="Main point">
   <p:cSld name="MAIN_POINT">
     <p:bg>
       <p:bgPr>
         <a:solidFill>
           <a:schemeClr val="accent4"/>
         </a:solidFill>
+        <a:effectLst/>
       </p:bgPr>
     </p:bg>
     <p:spTree>
       <p:nvGrpSpPr>
-        <p:cNvPr id="50" name="Shape 50"/>
+        <p:cNvPr id="1" name="Shape 50"/>
         <p:cNvGrpSpPr/>
         <p:nvPr/>
       </p:nvGrpSpPr>
@@ -5882,12 +5972,12 @@
             </a:ln>
           </p:spPr>
           <p:txBody>
-            <a:bodyPr anchorCtr="0" anchor="ctr" bIns="91425" lIns="91425" spcFirstLastPara="1" rIns="91425" wrap="square" tIns="91425">
+            <a:bodyPr spcFirstLastPara="1" wrap="square" lIns="91425" tIns="91425" rIns="91425" bIns="91425" anchor="ctr" anchorCtr="0">
               <a:noAutofit/>
             </a:bodyPr>
             <a:lstStyle/>
             <a:p>
-              <a:pPr indent="0" lvl="0" marL="0" rtl="0" algn="l">
+              <a:pPr marL="0" lvl="0" indent="0" algn="l" rtl="0">
                 <a:spcBef>
                   <a:spcPts val="0"/>
                 </a:spcBef>
@@ -5896,9 +5986,6 @@
                 </a:spcAft>
                 <a:buNone/>
               </a:pPr>
-              <a:r>
-                <a:t/>
-              </a:r>
               <a:endParaRPr/>
             </a:p>
           </p:txBody>
@@ -5925,12 +6012,12 @@
             </a:ln>
           </p:spPr>
           <p:txBody>
-            <a:bodyPr anchorCtr="0" anchor="ctr" bIns="91425" lIns="91425" spcFirstLastPara="1" rIns="91425" wrap="square" tIns="91425">
+            <a:bodyPr spcFirstLastPara="1" wrap="square" lIns="91425" tIns="91425" rIns="91425" bIns="91425" anchor="ctr" anchorCtr="0">
               <a:noAutofit/>
             </a:bodyPr>
             <a:lstStyle/>
             <a:p>
-              <a:pPr indent="0" lvl="0" marL="0" rtl="0" algn="l">
+              <a:pPr marL="0" lvl="0" indent="0" algn="l" rtl="0">
                 <a:spcBef>
                   <a:spcPts val="0"/>
                 </a:spcBef>
@@ -5939,9 +6026,6 @@
                 </a:spcAft>
                 <a:buNone/>
               </a:pPr>
-              <a:r>
-                <a:t/>
-              </a:r>
               <a:endParaRPr/>
             </a:p>
           </p:txBody>
@@ -5953,7 +6037,7 @@
             <p:nvPr/>
           </p:nvSpPr>
           <p:spPr>
-            <a:xfrm flipH="1" rot="10800000">
+            <a:xfrm rot="10800000" flipH="1">
               <a:off x="7113588" y="107"/>
               <a:ext cx="1015200" cy="1015200"/>
             </a:xfrm>
@@ -5968,12 +6052,12 @@
             </a:ln>
           </p:spPr>
           <p:txBody>
-            <a:bodyPr anchorCtr="0" anchor="ctr" bIns="91425" lIns="91425" spcFirstLastPara="1" rIns="91425" wrap="square" tIns="91425">
+            <a:bodyPr spcFirstLastPara="1" wrap="square" lIns="91425" tIns="91425" rIns="91425" bIns="91425" anchor="ctr" anchorCtr="0">
               <a:noAutofit/>
             </a:bodyPr>
             <a:lstStyle/>
             <a:p>
-              <a:pPr indent="0" lvl="0" marL="0" rtl="0" algn="l">
+              <a:pPr marL="0" lvl="0" indent="0" algn="l" rtl="0">
                 <a:spcBef>
                   <a:spcPts val="0"/>
                 </a:spcBef>
@@ -5982,9 +6066,6 @@
                 </a:spcAft>
                 <a:buNone/>
               </a:pPr>
-              <a:r>
-                <a:t/>
-              </a:r>
               <a:endParaRPr/>
             </a:p>
           </p:txBody>
@@ -6011,12 +6092,12 @@
             </a:ln>
           </p:spPr>
           <p:txBody>
-            <a:bodyPr anchorCtr="0" anchor="ctr" bIns="91425" lIns="91425" spcFirstLastPara="1" rIns="91425" wrap="square" tIns="91425">
+            <a:bodyPr spcFirstLastPara="1" wrap="square" lIns="91425" tIns="91425" rIns="91425" bIns="91425" anchor="ctr" anchorCtr="0">
               <a:noAutofit/>
             </a:bodyPr>
             <a:lstStyle/>
             <a:p>
-              <a:pPr indent="0" lvl="0" marL="0" rtl="0" algn="l">
+              <a:pPr marL="0" lvl="0" indent="0" algn="l" rtl="0">
                 <a:spcBef>
                   <a:spcPts val="0"/>
                 </a:spcBef>
@@ -6025,9 +6106,6 @@
                 </a:spcAft>
                 <a:buNone/>
               </a:pPr>
-              <a:r>
-                <a:t/>
-              </a:r>
               <a:endParaRPr/>
             </a:p>
           </p:txBody>
@@ -6054,12 +6132,12 @@
             </a:ln>
           </p:spPr>
           <p:txBody>
-            <a:bodyPr anchorCtr="0" anchor="ctr" bIns="91425" lIns="91425" spcFirstLastPara="1" rIns="91425" wrap="square" tIns="91425">
+            <a:bodyPr spcFirstLastPara="1" wrap="square" lIns="91425" tIns="91425" rIns="91425" bIns="91425" anchor="ctr" anchorCtr="0">
               <a:noAutofit/>
             </a:bodyPr>
             <a:lstStyle/>
             <a:p>
-              <a:pPr indent="0" lvl="0" marL="0" rtl="0" algn="l">
+              <a:pPr marL="0" lvl="0" indent="0" algn="l" rtl="0">
                 <a:spcBef>
                   <a:spcPts val="0"/>
                 </a:spcBef>
@@ -6068,9 +6146,6 @@
                 </a:spcAft>
                 <a:buNone/>
               </a:pPr>
-              <a:r>
-                <a:t/>
-              </a:r>
               <a:endParaRPr/>
             </a:p>
           </p:txBody>
@@ -6079,7 +6154,9 @@
       <p:sp>
         <p:nvSpPr>
           <p:cNvPr id="57" name="Google Shape;57;p8"/>
-          <p:cNvSpPr txBox="1"/>
+          <p:cNvSpPr txBox="1">
+            <a:spLocks noGrp="1"/>
+          </p:cNvSpPr>
           <p:nvPr>
             <p:ph type="title"/>
           </p:nvPr>
@@ -6094,7 +6171,7 @@
           </a:prstGeom>
         </p:spPr>
         <p:txBody>
-          <a:bodyPr anchorCtr="0" anchor="ctr" bIns="91425" lIns="91425" spcFirstLastPara="1" rIns="91425" wrap="square" tIns="91425"/>
+          <a:bodyPr spcFirstLastPara="1" wrap="square" lIns="91425" tIns="91425" rIns="91425" bIns="91425" anchor="ctr" anchorCtr="0"/>
           <a:lstStyle>
             <a:lvl1pPr lvl="0">
               <a:spcBef>
@@ -6259,15 +6336,19 @@
               </a:defRPr>
             </a:lvl9pPr>
           </a:lstStyle>
-          <a:p/>
+          <a:p>
+            <a:endParaRPr/>
+          </a:p>
         </p:txBody>
       </p:sp>
       <p:sp>
         <p:nvSpPr>
           <p:cNvPr id="58" name="Google Shape;58;p8"/>
-          <p:cNvSpPr txBox="1"/>
+          <p:cNvSpPr txBox="1">
+            <a:spLocks noGrp="1"/>
+          </p:cNvSpPr>
           <p:nvPr>
-            <p:ph idx="12" type="sldNum"/>
+            <p:ph type="sldNum" idx="12"/>
           </p:nvPr>
         </p:nvSpPr>
         <p:spPr>
@@ -6280,7 +6361,7 @@
           </a:prstGeom>
         </p:spPr>
         <p:txBody>
-          <a:bodyPr anchorCtr="0" anchor="ctr" bIns="91425" lIns="91425" spcFirstLastPara="1" rIns="91425" wrap="square" tIns="91425">
+          <a:bodyPr spcFirstLastPara="1" wrap="square" lIns="91425" tIns="91425" rIns="91425" bIns="91425" anchor="ctr" anchorCtr="0">
             <a:noAutofit/>
           </a:bodyPr>
           <a:lstStyle>
@@ -6322,7 +6403,7 @@
             </a:lvl9pPr>
           </a:lstStyle>
           <a:p>
-            <a:pPr indent="0" lvl="0" marL="0" rtl="0" algn="r">
+            <a:pPr marL="0" lvl="0" indent="0" algn="r" rtl="0">
               <a:spcBef>
                 <a:spcPts val="0"/>
               </a:spcBef>
@@ -6348,11 +6429,11 @@
 </file>
 
 <file path=ppt/slideLayouts/slideLayout8.xml><?xml version="1.0" encoding="utf-8"?>
-<p:sldLayout xmlns:a="http://schemas.openxmlformats.org/drawingml/2006/main" xmlns:r="http://schemas.openxmlformats.org/officeDocument/2006/relationships" xmlns:mc="http://schemas.openxmlformats.org/markup-compatibility/2006" xmlns:mv="urn:schemas-microsoft-com:mac:vml" xmlns:p="http://schemas.openxmlformats.org/presentationml/2006/main" xmlns:c="http://schemas.openxmlformats.org/drawingml/2006/chart" xmlns:dgm="http://schemas.openxmlformats.org/drawingml/2006/diagram" xmlns:o="urn:schemas-microsoft-com:office:office" xmlns:v="urn:schemas-microsoft-com:vml" xmlns:pvml="urn:schemas-microsoft-com:office:powerpoint" xmlns:com="http://schemas.openxmlformats.org/drawingml/2006/compatibility" xmlns:p14="http://schemas.microsoft.com/office/powerpoint/2010/main" xmlns:p15="http://schemas.microsoft.com/office/powerpoint/2012/main" matchingName="Section title and description">
+<p:sldLayout xmlns:a="http://schemas.openxmlformats.org/drawingml/2006/main" xmlns:r="http://schemas.openxmlformats.org/officeDocument/2006/relationships" xmlns:p="http://schemas.openxmlformats.org/presentationml/2006/main" matchingName="Section title and description">
   <p:cSld name="SECTION_TITLE_AND_DESCRIPTION">
     <p:spTree>
       <p:nvGrpSpPr>
-        <p:cNvPr id="59" name="Shape 59"/>
+        <p:cNvPr id="1" name="Shape 59"/>
         <p:cNvGrpSpPr/>
         <p:nvPr/>
       </p:nvGrpSpPr>
@@ -6386,12 +6467,12 @@
           </a:ln>
         </p:spPr>
         <p:txBody>
-          <a:bodyPr anchorCtr="0" anchor="ctr" bIns="91425" lIns="91425" spcFirstLastPara="1" rIns="91425" wrap="square" tIns="91425">
+          <a:bodyPr spcFirstLastPara="1" wrap="square" lIns="91425" tIns="91425" rIns="91425" bIns="91425" anchor="ctr" anchorCtr="0">
             <a:noAutofit/>
           </a:bodyPr>
           <a:lstStyle/>
           <a:p>
-            <a:pPr indent="0" lvl="0" marL="0" rtl="0" algn="l">
+            <a:pPr marL="0" lvl="0" indent="0" algn="l" rtl="0">
               <a:spcBef>
                 <a:spcPts val="0"/>
               </a:spcBef>
@@ -6400,9 +6481,6 @@
               </a:spcAft>
               <a:buNone/>
             </a:pPr>
-            <a:r>
-              <a:t/>
-            </a:r>
             <a:endParaRPr/>
           </a:p>
         </p:txBody>
@@ -6422,21 +6500,23 @@
             <a:avLst/>
           </a:prstGeom>
           <a:noFill/>
-          <a:ln cap="flat" cmpd="sng" w="19050">
+          <a:ln w="19050" cap="flat" cmpd="sng">
             <a:solidFill>
               <a:schemeClr val="lt1"/>
             </a:solidFill>
             <a:prstDash val="solid"/>
             <a:round/>
-            <a:headEnd len="sm" w="sm" type="none"/>
-            <a:tailEnd len="sm" w="sm" type="none"/>
+            <a:headEnd type="none" w="sm" len="sm"/>
+            <a:tailEnd type="none" w="sm" len="sm"/>
           </a:ln>
         </p:spPr>
       </p:cxnSp>
       <p:sp>
         <p:nvSpPr>
           <p:cNvPr id="62" name="Google Shape;62;p9"/>
-          <p:cNvSpPr txBox="1"/>
+          <p:cNvSpPr txBox="1">
+            <a:spLocks noGrp="1"/>
+          </p:cNvSpPr>
           <p:nvPr>
             <p:ph type="title"/>
           </p:nvPr>
@@ -6451,7 +6531,7 @@
           </a:prstGeom>
         </p:spPr>
         <p:txBody>
-          <a:bodyPr anchorCtr="0" anchor="b" bIns="91425" lIns="91425" spcFirstLastPara="1" rIns="91425" wrap="square" tIns="91425"/>
+          <a:bodyPr spcFirstLastPara="1" wrap="square" lIns="91425" tIns="91425" rIns="91425" bIns="91425" anchor="b" anchorCtr="0"/>
           <a:lstStyle>
             <a:lvl1pPr lvl="0" algn="ctr">
               <a:spcBef>
@@ -6553,15 +6633,19 @@
               <a:defRPr sz="4200"/>
             </a:lvl9pPr>
           </a:lstStyle>
-          <a:p/>
+          <a:p>
+            <a:endParaRPr/>
+          </a:p>
         </p:txBody>
       </p:sp>
       <p:sp>
         <p:nvSpPr>
           <p:cNvPr id="63" name="Google Shape;63;p9"/>
-          <p:cNvSpPr txBox="1"/>
+          <p:cNvSpPr txBox="1">
+            <a:spLocks noGrp="1"/>
+          </p:cNvSpPr>
           <p:nvPr>
-            <p:ph idx="1" type="subTitle"/>
+            <p:ph type="subTitle" idx="1"/>
           </p:nvPr>
         </p:nvSpPr>
         <p:spPr>
@@ -6574,7 +6658,7 @@
           </a:prstGeom>
         </p:spPr>
         <p:txBody>
-          <a:bodyPr anchorCtr="0" anchor="t" bIns="91425" lIns="91425" spcFirstLastPara="1" rIns="91425" wrap="square" tIns="91425"/>
+          <a:bodyPr spcFirstLastPara="1" wrap="square" lIns="91425" tIns="91425" rIns="91425" bIns="91425" anchor="t" anchorCtr="0"/>
           <a:lstStyle>
             <a:lvl1pPr lvl="0" algn="ctr">
               <a:lnSpc>
@@ -6703,15 +6787,19 @@
               <a:defRPr sz="2100"/>
             </a:lvl9pPr>
           </a:lstStyle>
-          <a:p/>
+          <a:p>
+            <a:endParaRPr/>
+          </a:p>
         </p:txBody>
       </p:sp>
       <p:sp>
         <p:nvSpPr>
           <p:cNvPr id="64" name="Google Shape;64;p9"/>
-          <p:cNvSpPr txBox="1"/>
+          <p:cNvSpPr txBox="1">
+            <a:spLocks noGrp="1"/>
+          </p:cNvSpPr>
           <p:nvPr>
-            <p:ph idx="2" type="body"/>
+            <p:ph type="body" idx="2"/>
           </p:nvPr>
         </p:nvSpPr>
         <p:spPr>
@@ -6724,9 +6812,9 @@
           </a:prstGeom>
         </p:spPr>
         <p:txBody>
-          <a:bodyPr anchorCtr="0" anchor="ctr" bIns="91425" lIns="91425" spcFirstLastPara="1" rIns="91425" wrap="square" tIns="91425"/>
+          <a:bodyPr spcFirstLastPara="1" wrap="square" lIns="91425" tIns="91425" rIns="91425" bIns="91425" anchor="ctr" anchorCtr="0"/>
           <a:lstStyle>
-            <a:lvl1pPr indent="-342900" lvl="0" marL="457200">
+            <a:lvl1pPr marL="457200" lvl="0" indent="-342900">
               <a:spcBef>
                 <a:spcPts val="0"/>
               </a:spcBef>
@@ -6744,7 +6832,7 @@
                 </a:solidFill>
               </a:defRPr>
             </a:lvl1pPr>
-            <a:lvl2pPr indent="-317500" lvl="1" marL="914400">
+            <a:lvl2pPr marL="914400" lvl="1" indent="-317500">
               <a:spcBef>
                 <a:spcPts val="1600"/>
               </a:spcBef>
@@ -6762,7 +6850,7 @@
                 </a:solidFill>
               </a:defRPr>
             </a:lvl2pPr>
-            <a:lvl3pPr indent="-317500" lvl="2" marL="1371600">
+            <a:lvl3pPr marL="1371600" lvl="2" indent="-317500">
               <a:spcBef>
                 <a:spcPts val="1600"/>
               </a:spcBef>
@@ -6780,7 +6868,7 @@
                 </a:solidFill>
               </a:defRPr>
             </a:lvl3pPr>
-            <a:lvl4pPr indent="-317500" lvl="3" marL="1828800">
+            <a:lvl4pPr marL="1828800" lvl="3" indent="-317500">
               <a:spcBef>
                 <a:spcPts val="1600"/>
               </a:spcBef>
@@ -6798,7 +6886,7 @@
                 </a:solidFill>
               </a:defRPr>
             </a:lvl4pPr>
-            <a:lvl5pPr indent="-317500" lvl="4" marL="2286000">
+            <a:lvl5pPr marL="2286000" lvl="4" indent="-317500">
               <a:spcBef>
                 <a:spcPts val="1600"/>
               </a:spcBef>
@@ -6816,7 +6904,7 @@
                 </a:solidFill>
               </a:defRPr>
             </a:lvl5pPr>
-            <a:lvl6pPr indent="-317500" lvl="5" marL="2743200">
+            <a:lvl6pPr marL="2743200" lvl="5" indent="-317500">
               <a:spcBef>
                 <a:spcPts val="1600"/>
               </a:spcBef>
@@ -6834,7 +6922,7 @@
                 </a:solidFill>
               </a:defRPr>
             </a:lvl6pPr>
-            <a:lvl7pPr indent="-317500" lvl="6" marL="3200400">
+            <a:lvl7pPr marL="3200400" lvl="6" indent="-317500">
               <a:spcBef>
                 <a:spcPts val="1600"/>
               </a:spcBef>
@@ -6852,7 +6940,7 @@
                 </a:solidFill>
               </a:defRPr>
             </a:lvl7pPr>
-            <a:lvl8pPr indent="-317500" lvl="7" marL="3657600">
+            <a:lvl8pPr marL="3657600" lvl="7" indent="-317500">
               <a:spcBef>
                 <a:spcPts val="1600"/>
               </a:spcBef>
@@ -6870,7 +6958,7 @@
                 </a:solidFill>
               </a:defRPr>
             </a:lvl8pPr>
-            <a:lvl9pPr indent="-317500" lvl="8" marL="4114800">
+            <a:lvl9pPr marL="4114800" lvl="8" indent="-317500">
               <a:spcBef>
                 <a:spcPts val="1600"/>
               </a:spcBef>
@@ -6889,15 +6977,19 @@
               </a:defRPr>
             </a:lvl9pPr>
           </a:lstStyle>
-          <a:p/>
+          <a:p>
+            <a:endParaRPr/>
+          </a:p>
         </p:txBody>
       </p:sp>
       <p:sp>
         <p:nvSpPr>
           <p:cNvPr id="65" name="Google Shape;65;p9"/>
-          <p:cNvSpPr txBox="1"/>
+          <p:cNvSpPr txBox="1">
+            <a:spLocks noGrp="1"/>
+          </p:cNvSpPr>
           <p:nvPr>
-            <p:ph idx="12" type="sldNum"/>
+            <p:ph type="sldNum" idx="12"/>
           </p:nvPr>
         </p:nvSpPr>
         <p:spPr>
@@ -6910,7 +7002,7 @@
           </a:prstGeom>
         </p:spPr>
         <p:txBody>
-          <a:bodyPr anchorCtr="0" anchor="ctr" bIns="91425" lIns="91425" spcFirstLastPara="1" rIns="91425" wrap="square" tIns="91425">
+          <a:bodyPr spcFirstLastPara="1" wrap="square" lIns="91425" tIns="91425" rIns="91425" bIns="91425" anchor="ctr" anchorCtr="0">
             <a:noAutofit/>
           </a:bodyPr>
           <a:lstStyle>
@@ -6952,7 +7044,7 @@
             </a:lvl9pPr>
           </a:lstStyle>
           <a:p>
-            <a:pPr indent="0" lvl="0" marL="0" rtl="0" algn="r">
+            <a:pPr marL="0" lvl="0" indent="0" algn="r" rtl="0">
               <a:spcBef>
                 <a:spcPts val="0"/>
               </a:spcBef>
@@ -6978,11 +7070,11 @@
 </file>
 
 <file path=ppt/slideLayouts/slideLayout9.xml><?xml version="1.0" encoding="utf-8"?>
-<p:sldLayout xmlns:a="http://schemas.openxmlformats.org/drawingml/2006/main" xmlns:r="http://schemas.openxmlformats.org/officeDocument/2006/relationships" xmlns:mc="http://schemas.openxmlformats.org/markup-compatibility/2006" xmlns:mv="urn:schemas-microsoft-com:mac:vml" xmlns:p="http://schemas.openxmlformats.org/presentationml/2006/main" xmlns:c="http://schemas.openxmlformats.org/drawingml/2006/chart" xmlns:dgm="http://schemas.openxmlformats.org/drawingml/2006/diagram" xmlns:o="urn:schemas-microsoft-com:office:office" xmlns:v="urn:schemas-microsoft-com:vml" xmlns:pvml="urn:schemas-microsoft-com:office:powerpoint" xmlns:com="http://schemas.openxmlformats.org/drawingml/2006/compatibility" xmlns:p14="http://schemas.microsoft.com/office/powerpoint/2010/main" xmlns:p15="http://schemas.microsoft.com/office/powerpoint/2012/main" matchingName="Caption">
+<p:sldLayout xmlns:a="http://schemas.openxmlformats.org/drawingml/2006/main" xmlns:r="http://schemas.openxmlformats.org/officeDocument/2006/relationships" xmlns:p="http://schemas.openxmlformats.org/presentationml/2006/main" matchingName="Caption">
   <p:cSld name="CAPTION_ONLY">
     <p:spTree>
       <p:nvGrpSpPr>
-        <p:cNvPr id="66" name="Shape 66"/>
+        <p:cNvPr id="1" name="Shape 66"/>
         <p:cNvGrpSpPr/>
         <p:nvPr/>
       </p:nvGrpSpPr>
@@ -6997,9 +7089,11 @@
       <p:sp>
         <p:nvSpPr>
           <p:cNvPr id="67" name="Google Shape;67;p10"/>
-          <p:cNvSpPr txBox="1"/>
+          <p:cNvSpPr txBox="1">
+            <a:spLocks noGrp="1"/>
+          </p:cNvSpPr>
           <p:nvPr>
-            <p:ph idx="1" type="body"/>
+            <p:ph type="body" idx="1"/>
           </p:nvPr>
         </p:nvSpPr>
         <p:spPr>
@@ -7012,9 +7106,9 @@
           </a:prstGeom>
         </p:spPr>
         <p:txBody>
-          <a:bodyPr anchorCtr="0" anchor="ctr" bIns="91425" lIns="91425" spcFirstLastPara="1" rIns="91425" wrap="square" tIns="91425"/>
+          <a:bodyPr spcFirstLastPara="1" wrap="square" lIns="91425" tIns="91425" rIns="91425" bIns="91425" anchor="ctr" anchorCtr="0"/>
           <a:lstStyle>
-            <a:lvl1pPr indent="-228600" lvl="0" marL="457200">
+            <a:lvl1pPr marL="457200" lvl="0" indent="-228600">
               <a:lnSpc>
                 <a:spcPct val="100000"/>
               </a:lnSpc>
@@ -7029,15 +7123,19 @@
               <a:defRPr/>
             </a:lvl1pPr>
           </a:lstStyle>
-          <a:p/>
+          <a:p>
+            <a:endParaRPr/>
+          </a:p>
         </p:txBody>
       </p:sp>
       <p:sp>
         <p:nvSpPr>
           <p:cNvPr id="68" name="Google Shape;68;p10"/>
-          <p:cNvSpPr txBox="1"/>
+          <p:cNvSpPr txBox="1">
+            <a:spLocks noGrp="1"/>
+          </p:cNvSpPr>
           <p:nvPr>
-            <p:ph idx="12" type="sldNum"/>
+            <p:ph type="sldNum" idx="12"/>
           </p:nvPr>
         </p:nvSpPr>
         <p:spPr>
@@ -7050,7 +7148,7 @@
           </a:prstGeom>
         </p:spPr>
         <p:txBody>
-          <a:bodyPr anchorCtr="0" anchor="ctr" bIns="91425" lIns="91425" spcFirstLastPara="1" rIns="91425" wrap="square" tIns="91425">
+          <a:bodyPr spcFirstLastPara="1" wrap="square" lIns="91425" tIns="91425" rIns="91425" bIns="91425" anchor="ctr" anchorCtr="0">
             <a:noAutofit/>
           </a:bodyPr>
           <a:lstStyle>
@@ -7128,7 +7226,7 @@
             </a:lvl9pPr>
           </a:lstStyle>
           <a:p>
-            <a:pPr indent="0" lvl="0" marL="0" rtl="0" algn="r">
+            <a:pPr marL="0" lvl="0" indent="0" algn="r" rtl="0">
               <a:spcBef>
                 <a:spcPts val="0"/>
               </a:spcBef>
@@ -7154,18 +7252,19 @@
 </file>
 
 <file path=ppt/slideMasters/slideMaster1.xml><?xml version="1.0" encoding="utf-8"?>
-<p:sldMaster xmlns:a="http://schemas.openxmlformats.org/drawingml/2006/main" xmlns:r="http://schemas.openxmlformats.org/officeDocument/2006/relationships" xmlns:mc="http://schemas.openxmlformats.org/markup-compatibility/2006" xmlns:mv="urn:schemas-microsoft-com:mac:vml" xmlns:p="http://schemas.openxmlformats.org/presentationml/2006/main" xmlns:c="http://schemas.openxmlformats.org/drawingml/2006/chart" xmlns:dgm="http://schemas.openxmlformats.org/drawingml/2006/diagram" xmlns:o="urn:schemas-microsoft-com:office:office" xmlns:v="urn:schemas-microsoft-com:vml" xmlns:pvml="urn:schemas-microsoft-com:office:powerpoint" xmlns:com="http://schemas.openxmlformats.org/drawingml/2006/compatibility" xmlns:p14="http://schemas.microsoft.com/office/powerpoint/2010/main" xmlns:p15="http://schemas.microsoft.com/office/powerpoint/2012/main">
+<p:sldMaster xmlns:a="http://schemas.openxmlformats.org/drawingml/2006/main" xmlns:r="http://schemas.openxmlformats.org/officeDocument/2006/relationships" xmlns:p="http://schemas.openxmlformats.org/presentationml/2006/main">
   <p:cSld name="geometric">
     <p:bg>
       <p:bgPr>
         <a:solidFill>
           <a:schemeClr val="lt1"/>
         </a:solidFill>
+        <a:effectLst/>
       </p:bgPr>
     </p:bg>
     <p:spTree>
       <p:nvGrpSpPr>
-        <p:cNvPr id="5" name="Shape 5"/>
+        <p:cNvPr id="1" name="Shape 5"/>
         <p:cNvGrpSpPr/>
         <p:nvPr/>
       </p:nvGrpSpPr>
@@ -7180,7 +7279,9 @@
       <p:sp>
         <p:nvSpPr>
           <p:cNvPr id="6" name="Google Shape;6;p1"/>
-          <p:cNvSpPr txBox="1"/>
+          <p:cNvSpPr txBox="1">
+            <a:spLocks noGrp="1"/>
+          </p:cNvSpPr>
           <p:nvPr>
             <p:ph type="title"/>
           </p:nvPr>
@@ -7199,7 +7300,7 @@
           </a:ln>
         </p:spPr>
         <p:txBody>
-          <a:bodyPr anchorCtr="0" anchor="t" bIns="91425" lIns="91425" spcFirstLastPara="1" rIns="91425" wrap="square" tIns="91425"/>
+          <a:bodyPr spcFirstLastPara="1" wrap="square" lIns="91425" tIns="91425" rIns="91425" bIns="91425" anchor="t" anchorCtr="0"/>
           <a:lstStyle>
             <a:lvl1pPr lvl="0">
               <a:spcBef>
@@ -7409,15 +7510,19 @@
               </a:defRPr>
             </a:lvl9pPr>
           </a:lstStyle>
-          <a:p/>
+          <a:p>
+            <a:endParaRPr/>
+          </a:p>
         </p:txBody>
       </p:sp>
       <p:sp>
         <p:nvSpPr>
           <p:cNvPr id="7" name="Google Shape;7;p1"/>
-          <p:cNvSpPr txBox="1"/>
+          <p:cNvSpPr txBox="1">
+            <a:spLocks noGrp="1"/>
+          </p:cNvSpPr>
           <p:nvPr>
-            <p:ph idx="1" type="body"/>
+            <p:ph type="body" idx="1"/>
           </p:nvPr>
         </p:nvSpPr>
         <p:spPr>
@@ -7434,9 +7539,9 @@
           </a:ln>
         </p:spPr>
         <p:txBody>
-          <a:bodyPr anchorCtr="0" anchor="t" bIns="91425" lIns="91425" spcFirstLastPara="1" rIns="91425" wrap="square" tIns="91425"/>
+          <a:bodyPr spcFirstLastPara="1" wrap="square" lIns="91425" tIns="91425" rIns="91425" bIns="91425" anchor="t" anchorCtr="0"/>
           <a:lstStyle>
-            <a:lvl1pPr indent="-342900" lvl="0" marL="457200">
+            <a:lvl1pPr marL="457200" lvl="0" indent="-342900">
               <a:lnSpc>
                 <a:spcPct val="115000"/>
               </a:lnSpc>
@@ -7462,7 +7567,7 @@
                 <a:sym typeface="Roboto"/>
               </a:defRPr>
             </a:lvl1pPr>
-            <a:lvl2pPr indent="-317500" lvl="1" marL="914400">
+            <a:lvl2pPr marL="914400" lvl="1" indent="-317500">
               <a:lnSpc>
                 <a:spcPct val="115000"/>
               </a:lnSpc>
@@ -7488,7 +7593,7 @@
                 <a:sym typeface="Roboto"/>
               </a:defRPr>
             </a:lvl2pPr>
-            <a:lvl3pPr indent="-317500" lvl="2" marL="1371600">
+            <a:lvl3pPr marL="1371600" lvl="2" indent="-317500">
               <a:lnSpc>
                 <a:spcPct val="115000"/>
               </a:lnSpc>
@@ -7514,7 +7619,7 @@
                 <a:sym typeface="Roboto"/>
               </a:defRPr>
             </a:lvl3pPr>
-            <a:lvl4pPr indent="-317500" lvl="3" marL="1828800">
+            <a:lvl4pPr marL="1828800" lvl="3" indent="-317500">
               <a:lnSpc>
                 <a:spcPct val="115000"/>
               </a:lnSpc>
@@ -7540,7 +7645,7 @@
                 <a:sym typeface="Roboto"/>
               </a:defRPr>
             </a:lvl4pPr>
-            <a:lvl5pPr indent="-317500" lvl="4" marL="2286000">
+            <a:lvl5pPr marL="2286000" lvl="4" indent="-317500">
               <a:lnSpc>
                 <a:spcPct val="115000"/>
               </a:lnSpc>
@@ -7566,7 +7671,7 @@
                 <a:sym typeface="Roboto"/>
               </a:defRPr>
             </a:lvl5pPr>
-            <a:lvl6pPr indent="-317500" lvl="5" marL="2743200">
+            <a:lvl6pPr marL="2743200" lvl="5" indent="-317500">
               <a:lnSpc>
                 <a:spcPct val="115000"/>
               </a:lnSpc>
@@ -7592,7 +7697,7 @@
                 <a:sym typeface="Roboto"/>
               </a:defRPr>
             </a:lvl6pPr>
-            <a:lvl7pPr indent="-317500" lvl="6" marL="3200400">
+            <a:lvl7pPr marL="3200400" lvl="6" indent="-317500">
               <a:lnSpc>
                 <a:spcPct val="115000"/>
               </a:lnSpc>
@@ -7618,7 +7723,7 @@
                 <a:sym typeface="Roboto"/>
               </a:defRPr>
             </a:lvl7pPr>
-            <a:lvl8pPr indent="-317500" lvl="7" marL="3657600">
+            <a:lvl8pPr marL="3657600" lvl="7" indent="-317500">
               <a:lnSpc>
                 <a:spcPct val="115000"/>
               </a:lnSpc>
@@ -7644,7 +7749,7 @@
                 <a:sym typeface="Roboto"/>
               </a:defRPr>
             </a:lvl8pPr>
-            <a:lvl9pPr indent="-317500" lvl="8" marL="4114800">
+            <a:lvl9pPr marL="4114800" lvl="8" indent="-317500">
               <a:lnSpc>
                 <a:spcPct val="115000"/>
               </a:lnSpc>
@@ -7671,15 +7776,19 @@
               </a:defRPr>
             </a:lvl9pPr>
           </a:lstStyle>
-          <a:p/>
+          <a:p>
+            <a:endParaRPr/>
+          </a:p>
         </p:txBody>
       </p:sp>
       <p:sp>
         <p:nvSpPr>
           <p:cNvPr id="8" name="Google Shape;8;p1"/>
-          <p:cNvSpPr txBox="1"/>
+          <p:cNvSpPr txBox="1">
+            <a:spLocks noGrp="1"/>
+          </p:cNvSpPr>
           <p:nvPr>
-            <p:ph idx="12" type="sldNum"/>
+            <p:ph type="sldNum" idx="12"/>
           </p:nvPr>
         </p:nvSpPr>
         <p:spPr>
@@ -7696,7 +7805,7 @@
           </a:ln>
         </p:spPr>
         <p:txBody>
-          <a:bodyPr anchorCtr="0" anchor="ctr" bIns="91425" lIns="91425" spcFirstLastPara="1" rIns="91425" wrap="square" tIns="91425">
+          <a:bodyPr spcFirstLastPara="1" wrap="square" lIns="91425" tIns="91425" rIns="91425" bIns="91425" anchor="ctr" anchorCtr="0">
             <a:noAutofit/>
           </a:bodyPr>
           <a:lstStyle>
@@ -7810,7 +7919,7 @@
             </a:lvl9pPr>
           </a:lstStyle>
           <a:p>
-            <a:pPr indent="0" lvl="0" marL="0" rtl="0" algn="r">
+            <a:pPr marL="0" lvl="0" indent="0" algn="r" rtl="0">
               <a:spcBef>
                 <a:spcPts val="0"/>
               </a:spcBef>
@@ -7829,7 +7938,7 @@
       </p:sp>
     </p:spTree>
   </p:cSld>
-  <p:clrMap accent1="accent1" accent2="accent2" accent3="accent3" accent4="accent4" accent5="accent5" accent6="accent6" bg1="lt1" bg2="dk2" tx1="dk1" tx2="lt2" folHlink="folHlink" hlink="hlink"/>
+  <p:clrMap bg1="lt1" tx1="dk1" bg2="dk2" tx2="lt2" accent1="accent1" accent2="accent2" accent3="accent3" accent4="accent4" accent5="accent5" accent6="accent6" hlink="hlink" folHlink="folHlink"/>
   <p:sldLayoutIdLst>
     <p:sldLayoutId id="2147483648" r:id="rId1"/>
     <p:sldLayoutId id="2147483649" r:id="rId2"/>
@@ -7843,10 +7952,10 @@
     <p:sldLayoutId id="2147483657" r:id="rId10"/>
     <p:sldLayoutId id="2147483658" r:id="rId11"/>
   </p:sldLayoutIdLst>
-  <p:hf dt="0" ftr="0" hdr="0" sldNum="0"/>
+  <p:hf sldNum="0" hdr="0" ftr="0" dt="0"/>
   <p:txStyles>
     <p:titleStyle>
-      <a:defPPr lvl="0" marR="0" rtl="0" algn="l">
+      <a:defPPr marR="0" lvl="0" algn="l" rtl="0">
         <a:lnSpc>
           <a:spcPct val="100000"/>
         </a:lnSpc>
@@ -7857,7 +7966,7 @@
           <a:spcPts val="0"/>
         </a:spcAft>
       </a:defPPr>
-      <a:lvl1pPr lvl="0" marR="0" rtl="0" algn="l">
+      <a:lvl1pPr marR="0" lvl="0" algn="l" rtl="0">
         <a:lnSpc>
           <a:spcPct val="100000"/>
         </a:lnSpc>
@@ -7871,7 +7980,7 @@
           <a:srgbClr val="000000"/>
         </a:buClr>
         <a:buFont typeface="Arial"/>
-        <a:defRPr b="0" i="0" sz="1400" u="none" cap="none" strike="noStrike">
+        <a:defRPr sz="1400" b="0" i="0" u="none" strike="noStrike" cap="none">
           <a:solidFill>
             <a:srgbClr val="000000"/>
           </a:solidFill>
@@ -7881,7 +7990,7 @@
           <a:sym typeface="Arial"/>
         </a:defRPr>
       </a:lvl1pPr>
-      <a:lvl2pPr lvl="1" marR="0" rtl="0" algn="l">
+      <a:lvl2pPr marR="0" lvl="1" algn="l" rtl="0">
         <a:lnSpc>
           <a:spcPct val="100000"/>
         </a:lnSpc>
@@ -7895,7 +8004,7 @@
           <a:srgbClr val="000000"/>
         </a:buClr>
         <a:buFont typeface="Arial"/>
-        <a:defRPr b="0" i="0" sz="1400" u="none" cap="none" strike="noStrike">
+        <a:defRPr sz="1400" b="0" i="0" u="none" strike="noStrike" cap="none">
           <a:solidFill>
             <a:srgbClr val="000000"/>
           </a:solidFill>
@@ -7905,7 +8014,7 @@
           <a:sym typeface="Arial"/>
         </a:defRPr>
       </a:lvl2pPr>
-      <a:lvl3pPr lvl="2" marR="0" rtl="0" algn="l">
+      <a:lvl3pPr marR="0" lvl="2" algn="l" rtl="0">
         <a:lnSpc>
           <a:spcPct val="100000"/>
         </a:lnSpc>
@@ -7919,7 +8028,7 @@
           <a:srgbClr val="000000"/>
         </a:buClr>
         <a:buFont typeface="Arial"/>
-        <a:defRPr b="0" i="0" sz="1400" u="none" cap="none" strike="noStrike">
+        <a:defRPr sz="1400" b="0" i="0" u="none" strike="noStrike" cap="none">
           <a:solidFill>
             <a:srgbClr val="000000"/>
           </a:solidFill>
@@ -7929,7 +8038,7 @@
           <a:sym typeface="Arial"/>
         </a:defRPr>
       </a:lvl3pPr>
-      <a:lvl4pPr lvl="3" marR="0" rtl="0" algn="l">
+      <a:lvl4pPr marR="0" lvl="3" algn="l" rtl="0">
         <a:lnSpc>
           <a:spcPct val="100000"/>
         </a:lnSpc>
@@ -7943,7 +8052,7 @@
           <a:srgbClr val="000000"/>
         </a:buClr>
         <a:buFont typeface="Arial"/>
-        <a:defRPr b="0" i="0" sz="1400" u="none" cap="none" strike="noStrike">
+        <a:defRPr sz="1400" b="0" i="0" u="none" strike="noStrike" cap="none">
           <a:solidFill>
             <a:srgbClr val="000000"/>
           </a:solidFill>
@@ -7953,7 +8062,7 @@
           <a:sym typeface="Arial"/>
         </a:defRPr>
       </a:lvl4pPr>
-      <a:lvl5pPr lvl="4" marR="0" rtl="0" algn="l">
+      <a:lvl5pPr marR="0" lvl="4" algn="l" rtl="0">
         <a:lnSpc>
           <a:spcPct val="100000"/>
         </a:lnSpc>
@@ -7967,7 +8076,7 @@
           <a:srgbClr val="000000"/>
         </a:buClr>
         <a:buFont typeface="Arial"/>
-        <a:defRPr b="0" i="0" sz="1400" u="none" cap="none" strike="noStrike">
+        <a:defRPr sz="1400" b="0" i="0" u="none" strike="noStrike" cap="none">
           <a:solidFill>
             <a:srgbClr val="000000"/>
           </a:solidFill>
@@ -7977,7 +8086,7 @@
           <a:sym typeface="Arial"/>
         </a:defRPr>
       </a:lvl5pPr>
-      <a:lvl6pPr lvl="5" marR="0" rtl="0" algn="l">
+      <a:lvl6pPr marR="0" lvl="5" algn="l" rtl="0">
         <a:lnSpc>
           <a:spcPct val="100000"/>
         </a:lnSpc>
@@ -7991,7 +8100,7 @@
           <a:srgbClr val="000000"/>
         </a:buClr>
         <a:buFont typeface="Arial"/>
-        <a:defRPr b="0" i="0" sz="1400" u="none" cap="none" strike="noStrike">
+        <a:defRPr sz="1400" b="0" i="0" u="none" strike="noStrike" cap="none">
           <a:solidFill>
             <a:srgbClr val="000000"/>
           </a:solidFill>
@@ -8001,7 +8110,7 @@
           <a:sym typeface="Arial"/>
         </a:defRPr>
       </a:lvl6pPr>
-      <a:lvl7pPr lvl="6" marR="0" rtl="0" algn="l">
+      <a:lvl7pPr marR="0" lvl="6" algn="l" rtl="0">
         <a:lnSpc>
           <a:spcPct val="100000"/>
         </a:lnSpc>
@@ -8015,7 +8124,7 @@
           <a:srgbClr val="000000"/>
         </a:buClr>
         <a:buFont typeface="Arial"/>
-        <a:defRPr b="0" i="0" sz="1400" u="none" cap="none" strike="noStrike">
+        <a:defRPr sz="1400" b="0" i="0" u="none" strike="noStrike" cap="none">
           <a:solidFill>
             <a:srgbClr val="000000"/>
           </a:solidFill>
@@ -8025,7 +8134,7 @@
           <a:sym typeface="Arial"/>
         </a:defRPr>
       </a:lvl7pPr>
-      <a:lvl8pPr lvl="7" marR="0" rtl="0" algn="l">
+      <a:lvl8pPr marR="0" lvl="7" algn="l" rtl="0">
         <a:lnSpc>
           <a:spcPct val="100000"/>
         </a:lnSpc>
@@ -8039,7 +8148,7 @@
           <a:srgbClr val="000000"/>
         </a:buClr>
         <a:buFont typeface="Arial"/>
-        <a:defRPr b="0" i="0" sz="1400" u="none" cap="none" strike="noStrike">
+        <a:defRPr sz="1400" b="0" i="0" u="none" strike="noStrike" cap="none">
           <a:solidFill>
             <a:srgbClr val="000000"/>
           </a:solidFill>
@@ -8049,7 +8158,7 @@
           <a:sym typeface="Arial"/>
         </a:defRPr>
       </a:lvl8pPr>
-      <a:lvl9pPr lvl="8" marR="0" rtl="0" algn="l">
+      <a:lvl9pPr marR="0" lvl="8" algn="l" rtl="0">
         <a:lnSpc>
           <a:spcPct val="100000"/>
         </a:lnSpc>
@@ -8063,7 +8172,7 @@
           <a:srgbClr val="000000"/>
         </a:buClr>
         <a:buFont typeface="Arial"/>
-        <a:defRPr b="0" i="0" sz="1400" u="none" cap="none" strike="noStrike">
+        <a:defRPr sz="1400" b="0" i="0" u="none" strike="noStrike" cap="none">
           <a:solidFill>
             <a:srgbClr val="000000"/>
           </a:solidFill>
@@ -8075,7 +8184,7 @@
       </a:lvl9pPr>
     </p:titleStyle>
     <p:bodyStyle>
-      <a:defPPr lvl="0" marR="0" rtl="0" algn="l">
+      <a:defPPr marR="0" lvl="0" algn="l" rtl="0">
         <a:lnSpc>
           <a:spcPct val="100000"/>
         </a:lnSpc>
@@ -8086,7 +8195,7 @@
           <a:spcPts val="0"/>
         </a:spcAft>
       </a:defPPr>
-      <a:lvl1pPr lvl="0" marR="0" rtl="0" algn="l">
+      <a:lvl1pPr marR="0" lvl="0" algn="l" rtl="0">
         <a:lnSpc>
           <a:spcPct val="100000"/>
         </a:lnSpc>
@@ -8100,7 +8209,7 @@
           <a:srgbClr val="000000"/>
         </a:buClr>
         <a:buFont typeface="Arial"/>
-        <a:defRPr b="0" i="0" sz="1400" u="none" cap="none" strike="noStrike">
+        <a:defRPr sz="1400" b="0" i="0" u="none" strike="noStrike" cap="none">
           <a:solidFill>
             <a:srgbClr val="000000"/>
           </a:solidFill>
@@ -8110,7 +8219,7 @@
           <a:sym typeface="Arial"/>
         </a:defRPr>
       </a:lvl1pPr>
-      <a:lvl2pPr lvl="1" marR="0" rtl="0" algn="l">
+      <a:lvl2pPr marR="0" lvl="1" algn="l" rtl="0">
         <a:lnSpc>
           <a:spcPct val="100000"/>
         </a:lnSpc>
@@ -8124,7 +8233,7 @@
           <a:srgbClr val="000000"/>
         </a:buClr>
         <a:buFont typeface="Arial"/>
-        <a:defRPr b="0" i="0" sz="1400" u="none" cap="none" strike="noStrike">
+        <a:defRPr sz="1400" b="0" i="0" u="none" strike="noStrike" cap="none">
           <a:solidFill>
             <a:srgbClr val="000000"/>
           </a:solidFill>
@@ -8134,7 +8243,7 @@
           <a:sym typeface="Arial"/>
         </a:defRPr>
       </a:lvl2pPr>
-      <a:lvl3pPr lvl="2" marR="0" rtl="0" algn="l">
+      <a:lvl3pPr marR="0" lvl="2" algn="l" rtl="0">
         <a:lnSpc>
           <a:spcPct val="100000"/>
         </a:lnSpc>
@@ -8148,7 +8257,7 @@
           <a:srgbClr val="000000"/>
         </a:buClr>
         <a:buFont typeface="Arial"/>
-        <a:defRPr b="0" i="0" sz="1400" u="none" cap="none" strike="noStrike">
+        <a:defRPr sz="1400" b="0" i="0" u="none" strike="noStrike" cap="none">
           <a:solidFill>
             <a:srgbClr val="000000"/>
           </a:solidFill>
@@ -8158,7 +8267,7 @@
           <a:sym typeface="Arial"/>
         </a:defRPr>
       </a:lvl3pPr>
-      <a:lvl4pPr lvl="3" marR="0" rtl="0" algn="l">
+      <a:lvl4pPr marR="0" lvl="3" algn="l" rtl="0">
         <a:lnSpc>
           <a:spcPct val="100000"/>
         </a:lnSpc>
@@ -8172,7 +8281,7 @@
           <a:srgbClr val="000000"/>
         </a:buClr>
         <a:buFont typeface="Arial"/>
-        <a:defRPr b="0" i="0" sz="1400" u="none" cap="none" strike="noStrike">
+        <a:defRPr sz="1400" b="0" i="0" u="none" strike="noStrike" cap="none">
           <a:solidFill>
             <a:srgbClr val="000000"/>
           </a:solidFill>
@@ -8182,7 +8291,7 @@
           <a:sym typeface="Arial"/>
         </a:defRPr>
       </a:lvl4pPr>
-      <a:lvl5pPr lvl="4" marR="0" rtl="0" algn="l">
+      <a:lvl5pPr marR="0" lvl="4" algn="l" rtl="0">
         <a:lnSpc>
           <a:spcPct val="100000"/>
         </a:lnSpc>
@@ -8196,7 +8305,7 @@
           <a:srgbClr val="000000"/>
         </a:buClr>
         <a:buFont typeface="Arial"/>
-        <a:defRPr b="0" i="0" sz="1400" u="none" cap="none" strike="noStrike">
+        <a:defRPr sz="1400" b="0" i="0" u="none" strike="noStrike" cap="none">
           <a:solidFill>
             <a:srgbClr val="000000"/>
           </a:solidFill>
@@ -8206,7 +8315,7 @@
           <a:sym typeface="Arial"/>
         </a:defRPr>
       </a:lvl5pPr>
-      <a:lvl6pPr lvl="5" marR="0" rtl="0" algn="l">
+      <a:lvl6pPr marR="0" lvl="5" algn="l" rtl="0">
         <a:lnSpc>
           <a:spcPct val="100000"/>
         </a:lnSpc>
@@ -8220,7 +8329,7 @@
           <a:srgbClr val="000000"/>
         </a:buClr>
         <a:buFont typeface="Arial"/>
-        <a:defRPr b="0" i="0" sz="1400" u="none" cap="none" strike="noStrike">
+        <a:defRPr sz="1400" b="0" i="0" u="none" strike="noStrike" cap="none">
           <a:solidFill>
             <a:srgbClr val="000000"/>
           </a:solidFill>
@@ -8230,7 +8339,7 @@
           <a:sym typeface="Arial"/>
         </a:defRPr>
       </a:lvl6pPr>
-      <a:lvl7pPr lvl="6" marR="0" rtl="0" algn="l">
+      <a:lvl7pPr marR="0" lvl="6" algn="l" rtl="0">
         <a:lnSpc>
           <a:spcPct val="100000"/>
         </a:lnSpc>
@@ -8244,7 +8353,7 @@
           <a:srgbClr val="000000"/>
         </a:buClr>
         <a:buFont typeface="Arial"/>
-        <a:defRPr b="0" i="0" sz="1400" u="none" cap="none" strike="noStrike">
+        <a:defRPr sz="1400" b="0" i="0" u="none" strike="noStrike" cap="none">
           <a:solidFill>
             <a:srgbClr val="000000"/>
           </a:solidFill>
@@ -8254,7 +8363,7 @@
           <a:sym typeface="Arial"/>
         </a:defRPr>
       </a:lvl7pPr>
-      <a:lvl8pPr lvl="7" marR="0" rtl="0" algn="l">
+      <a:lvl8pPr marR="0" lvl="7" algn="l" rtl="0">
         <a:lnSpc>
           <a:spcPct val="100000"/>
         </a:lnSpc>
@@ -8268,7 +8377,7 @@
           <a:srgbClr val="000000"/>
         </a:buClr>
         <a:buFont typeface="Arial"/>
-        <a:defRPr b="0" i="0" sz="1400" u="none" cap="none" strike="noStrike">
+        <a:defRPr sz="1400" b="0" i="0" u="none" strike="noStrike" cap="none">
           <a:solidFill>
             <a:srgbClr val="000000"/>
           </a:solidFill>
@@ -8278,7 +8387,7 @@
           <a:sym typeface="Arial"/>
         </a:defRPr>
       </a:lvl8pPr>
-      <a:lvl9pPr lvl="8" marR="0" rtl="0" algn="l">
+      <a:lvl9pPr marR="0" lvl="8" algn="l" rtl="0">
         <a:lnSpc>
           <a:spcPct val="100000"/>
         </a:lnSpc>
@@ -8292,7 +8401,7 @@
           <a:srgbClr val="000000"/>
         </a:buClr>
         <a:buFont typeface="Arial"/>
-        <a:defRPr b="0" i="0" sz="1400" u="none" cap="none" strike="noStrike">
+        <a:defRPr sz="1400" b="0" i="0" u="none" strike="noStrike" cap="none">
           <a:solidFill>
             <a:srgbClr val="000000"/>
           </a:solidFill>
@@ -8304,7 +8413,7 @@
       </a:lvl9pPr>
     </p:bodyStyle>
     <p:otherStyle>
-      <a:defPPr lvl="0" marR="0" rtl="0" algn="l">
+      <a:defPPr marR="0" lvl="0" algn="l" rtl="0">
         <a:lnSpc>
           <a:spcPct val="100000"/>
         </a:lnSpc>
@@ -8315,7 +8424,7 @@
           <a:spcPts val="0"/>
         </a:spcAft>
       </a:defPPr>
-      <a:lvl1pPr lvl="0" marR="0" rtl="0" algn="l">
+      <a:lvl1pPr marR="0" lvl="0" algn="l" rtl="0">
         <a:lnSpc>
           <a:spcPct val="100000"/>
         </a:lnSpc>
@@ -8329,7 +8438,7 @@
           <a:srgbClr val="000000"/>
         </a:buClr>
         <a:buFont typeface="Arial"/>
-        <a:defRPr b="0" i="0" sz="1400" u="none" cap="none" strike="noStrike">
+        <a:defRPr sz="1400" b="0" i="0" u="none" strike="noStrike" cap="none">
           <a:solidFill>
             <a:srgbClr val="000000"/>
           </a:solidFill>
@@ -8339,7 +8448,7 @@
           <a:sym typeface="Arial"/>
         </a:defRPr>
       </a:lvl1pPr>
-      <a:lvl2pPr lvl="1" marR="0" rtl="0" algn="l">
+      <a:lvl2pPr marR="0" lvl="1" algn="l" rtl="0">
         <a:lnSpc>
           <a:spcPct val="100000"/>
         </a:lnSpc>
@@ -8353,7 +8462,7 @@
           <a:srgbClr val="000000"/>
         </a:buClr>
         <a:buFont typeface="Arial"/>
-        <a:defRPr b="0" i="0" sz="1400" u="none" cap="none" strike="noStrike">
+        <a:defRPr sz="1400" b="0" i="0" u="none" strike="noStrike" cap="none">
           <a:solidFill>
             <a:srgbClr val="000000"/>
           </a:solidFill>
@@ -8363,7 +8472,7 @@
           <a:sym typeface="Arial"/>
         </a:defRPr>
       </a:lvl2pPr>
-      <a:lvl3pPr lvl="2" marR="0" rtl="0" algn="l">
+      <a:lvl3pPr marR="0" lvl="2" algn="l" rtl="0">
         <a:lnSpc>
           <a:spcPct val="100000"/>
         </a:lnSpc>
@@ -8377,7 +8486,7 @@
           <a:srgbClr val="000000"/>
         </a:buClr>
         <a:buFont typeface="Arial"/>
-        <a:defRPr b="0" i="0" sz="1400" u="none" cap="none" strike="noStrike">
+        <a:defRPr sz="1400" b="0" i="0" u="none" strike="noStrike" cap="none">
           <a:solidFill>
             <a:srgbClr val="000000"/>
           </a:solidFill>
@@ -8387,7 +8496,7 @@
           <a:sym typeface="Arial"/>
         </a:defRPr>
       </a:lvl3pPr>
-      <a:lvl4pPr lvl="3" marR="0" rtl="0" algn="l">
+      <a:lvl4pPr marR="0" lvl="3" algn="l" rtl="0">
         <a:lnSpc>
           <a:spcPct val="100000"/>
         </a:lnSpc>
@@ -8401,7 +8510,7 @@
           <a:srgbClr val="000000"/>
         </a:buClr>
         <a:buFont typeface="Arial"/>
-        <a:defRPr b="0" i="0" sz="1400" u="none" cap="none" strike="noStrike">
+        <a:defRPr sz="1400" b="0" i="0" u="none" strike="noStrike" cap="none">
           <a:solidFill>
             <a:srgbClr val="000000"/>
           </a:solidFill>
@@ -8411,7 +8520,7 @@
           <a:sym typeface="Arial"/>
         </a:defRPr>
       </a:lvl4pPr>
-      <a:lvl5pPr lvl="4" marR="0" rtl="0" algn="l">
+      <a:lvl5pPr marR="0" lvl="4" algn="l" rtl="0">
         <a:lnSpc>
           <a:spcPct val="100000"/>
         </a:lnSpc>
@@ -8425,7 +8534,7 @@
           <a:srgbClr val="000000"/>
         </a:buClr>
         <a:buFont typeface="Arial"/>
-        <a:defRPr b="0" i="0" sz="1400" u="none" cap="none" strike="noStrike">
+        <a:defRPr sz="1400" b="0" i="0" u="none" strike="noStrike" cap="none">
           <a:solidFill>
             <a:srgbClr val="000000"/>
           </a:solidFill>
@@ -8435,7 +8544,7 @@
           <a:sym typeface="Arial"/>
         </a:defRPr>
       </a:lvl5pPr>
-      <a:lvl6pPr lvl="5" marR="0" rtl="0" algn="l">
+      <a:lvl6pPr marR="0" lvl="5" algn="l" rtl="0">
         <a:lnSpc>
           <a:spcPct val="100000"/>
         </a:lnSpc>
@@ -8449,7 +8558,7 @@
           <a:srgbClr val="000000"/>
         </a:buClr>
         <a:buFont typeface="Arial"/>
-        <a:defRPr b="0" i="0" sz="1400" u="none" cap="none" strike="noStrike">
+        <a:defRPr sz="1400" b="0" i="0" u="none" strike="noStrike" cap="none">
           <a:solidFill>
             <a:srgbClr val="000000"/>
           </a:solidFill>
@@ -8459,7 +8568,7 @@
           <a:sym typeface="Arial"/>
         </a:defRPr>
       </a:lvl6pPr>
-      <a:lvl7pPr lvl="6" marR="0" rtl="0" algn="l">
+      <a:lvl7pPr marR="0" lvl="6" algn="l" rtl="0">
         <a:lnSpc>
           <a:spcPct val="100000"/>
         </a:lnSpc>
@@ -8473,7 +8582,7 @@
           <a:srgbClr val="000000"/>
         </a:buClr>
         <a:buFont typeface="Arial"/>
-        <a:defRPr b="0" i="0" sz="1400" u="none" cap="none" strike="noStrike">
+        <a:defRPr sz="1400" b="0" i="0" u="none" strike="noStrike" cap="none">
           <a:solidFill>
             <a:srgbClr val="000000"/>
           </a:solidFill>
@@ -8483,7 +8592,7 @@
           <a:sym typeface="Arial"/>
         </a:defRPr>
       </a:lvl7pPr>
-      <a:lvl8pPr lvl="7" marR="0" rtl="0" algn="l">
+      <a:lvl8pPr marR="0" lvl="7" algn="l" rtl="0">
         <a:lnSpc>
           <a:spcPct val="100000"/>
         </a:lnSpc>
@@ -8497,7 +8606,7 @@
           <a:srgbClr val="000000"/>
         </a:buClr>
         <a:buFont typeface="Arial"/>
-        <a:defRPr b="0" i="0" sz="1400" u="none" cap="none" strike="noStrike">
+        <a:defRPr sz="1400" b="0" i="0" u="none" strike="noStrike" cap="none">
           <a:solidFill>
             <a:srgbClr val="000000"/>
           </a:solidFill>
@@ -8507,7 +8616,7 @@
           <a:sym typeface="Arial"/>
         </a:defRPr>
       </a:lvl8pPr>
-      <a:lvl9pPr lvl="8" marR="0" rtl="0" algn="l">
+      <a:lvl9pPr marR="0" lvl="8" algn="l" rtl="0">
         <a:lnSpc>
           <a:spcPct val="100000"/>
         </a:lnSpc>
@@ -8521,7 +8630,7 @@
           <a:srgbClr val="000000"/>
         </a:buClr>
         <a:buFont typeface="Arial"/>
-        <a:defRPr b="0" i="0" sz="1400" u="none" cap="none" strike="noStrike">
+        <a:defRPr sz="1400" b="0" i="0" u="none" strike="noStrike" cap="none">
           <a:solidFill>
             <a:srgbClr val="000000"/>
           </a:solidFill>
@@ -8537,11 +8646,11 @@
 </file>
 
 <file path=ppt/slides/slide1.xml><?xml version="1.0" encoding="utf-8"?>
-<p:sld xmlns:a="http://schemas.openxmlformats.org/drawingml/2006/main" xmlns:r="http://schemas.openxmlformats.org/officeDocument/2006/relationships" xmlns:mc="http://schemas.openxmlformats.org/markup-compatibility/2006" xmlns:mv="urn:schemas-microsoft-com:mac:vml" xmlns:p="http://schemas.openxmlformats.org/presentationml/2006/main" xmlns:c="http://schemas.openxmlformats.org/drawingml/2006/chart" xmlns:dgm="http://schemas.openxmlformats.org/drawingml/2006/diagram" xmlns:o="urn:schemas-microsoft-com:office:office" xmlns:v="urn:schemas-microsoft-com:vml" xmlns:pvml="urn:schemas-microsoft-com:office:powerpoint" xmlns:com="http://schemas.openxmlformats.org/drawingml/2006/compatibility" xmlns:p14="http://schemas.microsoft.com/office/powerpoint/2010/main" xmlns:p15="http://schemas.microsoft.com/office/powerpoint/2012/main">
+<p:sld xmlns:a="http://schemas.openxmlformats.org/drawingml/2006/main" xmlns:r="http://schemas.openxmlformats.org/officeDocument/2006/relationships" xmlns:p="http://schemas.openxmlformats.org/presentationml/2006/main">
   <p:cSld>
     <p:spTree>
       <p:nvGrpSpPr>
-        <p:cNvPr id="84" name="Shape 84"/>
+        <p:cNvPr id="1" name="Shape 84"/>
         <p:cNvGrpSpPr/>
         <p:nvPr/>
       </p:nvGrpSpPr>
@@ -8584,7 +8693,9 @@
       <p:sp>
         <p:nvSpPr>
           <p:cNvPr id="86" name="Google Shape;86;p13"/>
-          <p:cNvSpPr txBox="1"/>
+          <p:cNvSpPr txBox="1">
+            <a:spLocks noGrp="1"/>
+          </p:cNvSpPr>
           <p:nvPr>
             <p:ph type="title"/>
           </p:nvPr>
@@ -8599,12 +8710,12 @@
           </a:prstGeom>
         </p:spPr>
         <p:txBody>
-          <a:bodyPr anchorCtr="0" anchor="t" bIns="91425" lIns="91425" spcFirstLastPara="1" rIns="91425" wrap="square" tIns="91425">
+          <a:bodyPr spcFirstLastPara="1" wrap="square" lIns="91425" tIns="91425" rIns="91425" bIns="91425" anchor="t" anchorCtr="0">
             <a:noAutofit/>
           </a:bodyPr>
           <a:lstStyle/>
           <a:p>
-            <a:pPr indent="0" lvl="0" marL="0" rtl="0" algn="l">
+            <a:pPr marL="0" lvl="0" indent="0" algn="l" rtl="0">
               <a:spcBef>
                 <a:spcPts val="0"/>
               </a:spcBef>
@@ -8638,11 +8749,11 @@
 </file>
 
 <file path=ppt/slides/slide10.xml><?xml version="1.0" encoding="utf-8"?>
-<p:sld xmlns:a="http://schemas.openxmlformats.org/drawingml/2006/main" xmlns:r="http://schemas.openxmlformats.org/officeDocument/2006/relationships" xmlns:mc="http://schemas.openxmlformats.org/markup-compatibility/2006" xmlns:mv="urn:schemas-microsoft-com:mac:vml" xmlns:p="http://schemas.openxmlformats.org/presentationml/2006/main" xmlns:c="http://schemas.openxmlformats.org/drawingml/2006/chart" xmlns:dgm="http://schemas.openxmlformats.org/drawingml/2006/diagram" xmlns:o="urn:schemas-microsoft-com:office:office" xmlns:v="urn:schemas-microsoft-com:vml" xmlns:pvml="urn:schemas-microsoft-com:office:powerpoint" xmlns:com="http://schemas.openxmlformats.org/drawingml/2006/compatibility" xmlns:p14="http://schemas.microsoft.com/office/powerpoint/2010/main" xmlns:p15="http://schemas.microsoft.com/office/powerpoint/2012/main">
+<p:sld xmlns:a="http://schemas.openxmlformats.org/drawingml/2006/main" xmlns:r="http://schemas.openxmlformats.org/officeDocument/2006/relationships" xmlns:p="http://schemas.openxmlformats.org/presentationml/2006/main">
   <p:cSld>
     <p:spTree>
       <p:nvGrpSpPr>
-        <p:cNvPr id="140" name="Shape 140"/>
+        <p:cNvPr id="1" name="Shape 140"/>
         <p:cNvGrpSpPr/>
         <p:nvPr/>
       </p:nvGrpSpPr>
@@ -8657,7 +8768,9 @@
       <p:sp>
         <p:nvSpPr>
           <p:cNvPr id="141" name="Google Shape;141;p22"/>
-          <p:cNvSpPr txBox="1"/>
+          <p:cNvSpPr txBox="1">
+            <a:spLocks noGrp="1"/>
+          </p:cNvSpPr>
           <p:nvPr>
             <p:ph type="title"/>
           </p:nvPr>
@@ -8672,12 +8785,12 @@
           </a:prstGeom>
         </p:spPr>
         <p:txBody>
-          <a:bodyPr anchorCtr="0" anchor="t" bIns="91425" lIns="91425" spcFirstLastPara="1" rIns="91425" wrap="square" tIns="91425">
+          <a:bodyPr spcFirstLastPara="1" wrap="square" lIns="91425" tIns="91425" rIns="91425" bIns="91425" anchor="t" anchorCtr="0">
             <a:noAutofit/>
           </a:bodyPr>
           <a:lstStyle/>
           <a:p>
-            <a:pPr indent="0" lvl="0" marL="0" rtl="0" algn="l">
+            <a:pPr marL="0" lvl="0" indent="0" algn="l" rtl="0">
               <a:spcBef>
                 <a:spcPts val="0"/>
               </a:spcBef>
@@ -8693,7 +8806,7 @@
             <a:endParaRPr/>
           </a:p>
           <a:p>
-            <a:pPr indent="0" lvl="0" marL="0" rtl="0" algn="l">
+            <a:pPr marL="0" lvl="0" indent="0" algn="l" rtl="0">
               <a:spcBef>
                 <a:spcPts val="0"/>
               </a:spcBef>
@@ -8702,9 +8815,6 @@
               </a:spcAft>
               <a:buNone/>
             </a:pPr>
-            <a:r>
-              <a:t/>
-            </a:r>
             <a:endParaRPr/>
           </a:p>
         </p:txBody>
@@ -8746,11 +8856,11 @@
 </file>
 
 <file path=ppt/slides/slide11.xml><?xml version="1.0" encoding="utf-8"?>
-<p:sld xmlns:a="http://schemas.openxmlformats.org/drawingml/2006/main" xmlns:r="http://schemas.openxmlformats.org/officeDocument/2006/relationships" xmlns:mc="http://schemas.openxmlformats.org/markup-compatibility/2006" xmlns:mv="urn:schemas-microsoft-com:mac:vml" xmlns:p="http://schemas.openxmlformats.org/presentationml/2006/main" xmlns:c="http://schemas.openxmlformats.org/drawingml/2006/chart" xmlns:dgm="http://schemas.openxmlformats.org/drawingml/2006/diagram" xmlns:o="urn:schemas-microsoft-com:office:office" xmlns:v="urn:schemas-microsoft-com:vml" xmlns:pvml="urn:schemas-microsoft-com:office:powerpoint" xmlns:com="http://schemas.openxmlformats.org/drawingml/2006/compatibility" xmlns:p14="http://schemas.microsoft.com/office/powerpoint/2010/main" xmlns:p15="http://schemas.microsoft.com/office/powerpoint/2012/main">
+<p:sld xmlns:a="http://schemas.openxmlformats.org/drawingml/2006/main" xmlns:r="http://schemas.openxmlformats.org/officeDocument/2006/relationships" xmlns:p="http://schemas.openxmlformats.org/presentationml/2006/main">
   <p:cSld>
     <p:spTree>
       <p:nvGrpSpPr>
-        <p:cNvPr id="146" name="Shape 146"/>
+        <p:cNvPr id="1" name="Shape 146"/>
         <p:cNvGrpSpPr/>
         <p:nvPr/>
       </p:nvGrpSpPr>
@@ -8765,7 +8875,9 @@
       <p:sp>
         <p:nvSpPr>
           <p:cNvPr id="147" name="Google Shape;147;p23"/>
-          <p:cNvSpPr txBox="1"/>
+          <p:cNvSpPr txBox="1">
+            <a:spLocks noGrp="1"/>
+          </p:cNvSpPr>
           <p:nvPr>
             <p:ph type="title"/>
           </p:nvPr>
@@ -8780,12 +8892,12 @@
           </a:prstGeom>
         </p:spPr>
         <p:txBody>
-          <a:bodyPr anchorCtr="0" anchor="t" bIns="91425" lIns="91425" spcFirstLastPara="1" rIns="91425" wrap="square" tIns="91425">
+          <a:bodyPr spcFirstLastPara="1" wrap="square" lIns="91425" tIns="91425" rIns="91425" bIns="91425" anchor="t" anchorCtr="0">
             <a:noAutofit/>
           </a:bodyPr>
           <a:lstStyle/>
           <a:p>
-            <a:pPr indent="0" lvl="0" marL="0" rtl="0" algn="l">
+            <a:pPr marL="0" lvl="0" indent="0" algn="l" rtl="0">
               <a:spcBef>
                 <a:spcPts val="0"/>
               </a:spcBef>
@@ -8839,11 +8951,11 @@
 </file>
 
 <file path=ppt/slides/slide12.xml><?xml version="1.0" encoding="utf-8"?>
-<p:sld xmlns:a="http://schemas.openxmlformats.org/drawingml/2006/main" xmlns:r="http://schemas.openxmlformats.org/officeDocument/2006/relationships" xmlns:mc="http://schemas.openxmlformats.org/markup-compatibility/2006" xmlns:mv="urn:schemas-microsoft-com:mac:vml" xmlns:p="http://schemas.openxmlformats.org/presentationml/2006/main" xmlns:c="http://schemas.openxmlformats.org/drawingml/2006/chart" xmlns:dgm="http://schemas.openxmlformats.org/drawingml/2006/diagram" xmlns:o="urn:schemas-microsoft-com:office:office" xmlns:v="urn:schemas-microsoft-com:vml" xmlns:pvml="urn:schemas-microsoft-com:office:powerpoint" xmlns:com="http://schemas.openxmlformats.org/drawingml/2006/compatibility" xmlns:p14="http://schemas.microsoft.com/office/powerpoint/2010/main" xmlns:p15="http://schemas.microsoft.com/office/powerpoint/2012/main">
+<p:sld xmlns:a="http://schemas.openxmlformats.org/drawingml/2006/main" xmlns:r="http://schemas.openxmlformats.org/officeDocument/2006/relationships" xmlns:p="http://schemas.openxmlformats.org/presentationml/2006/main">
   <p:cSld>
     <p:spTree>
       <p:nvGrpSpPr>
-        <p:cNvPr id="152" name="Shape 152"/>
+        <p:cNvPr id="1" name="Shape 152"/>
         <p:cNvGrpSpPr/>
         <p:nvPr/>
       </p:nvGrpSpPr>
@@ -8858,7 +8970,9 @@
       <p:sp>
         <p:nvSpPr>
           <p:cNvPr id="153" name="Google Shape;153;p24"/>
-          <p:cNvSpPr txBox="1"/>
+          <p:cNvSpPr txBox="1">
+            <a:spLocks noGrp="1"/>
+          </p:cNvSpPr>
           <p:nvPr>
             <p:ph type="title"/>
           </p:nvPr>
@@ -8873,12 +8987,12 @@
           </a:prstGeom>
         </p:spPr>
         <p:txBody>
-          <a:bodyPr anchorCtr="0" anchor="t" bIns="91425" lIns="91425" spcFirstLastPara="1" rIns="91425" wrap="square" tIns="91425">
+          <a:bodyPr spcFirstLastPara="1" wrap="square" lIns="91425" tIns="91425" rIns="91425" bIns="91425" anchor="t" anchorCtr="0">
             <a:noAutofit/>
           </a:bodyPr>
           <a:lstStyle/>
           <a:p>
-            <a:pPr indent="0" lvl="0" marL="0" rtl="0" algn="l">
+            <a:pPr marL="0" lvl="0" indent="0" algn="l" rtl="0">
               <a:spcBef>
                 <a:spcPts val="0"/>
               </a:spcBef>
@@ -8932,11 +9046,11 @@
 </file>
 
 <file path=ppt/slides/slide13.xml><?xml version="1.0" encoding="utf-8"?>
-<p:sld xmlns:a="http://schemas.openxmlformats.org/drawingml/2006/main" xmlns:r="http://schemas.openxmlformats.org/officeDocument/2006/relationships" xmlns:mc="http://schemas.openxmlformats.org/markup-compatibility/2006" xmlns:mv="urn:schemas-microsoft-com:mac:vml" xmlns:p="http://schemas.openxmlformats.org/presentationml/2006/main" xmlns:c="http://schemas.openxmlformats.org/drawingml/2006/chart" xmlns:dgm="http://schemas.openxmlformats.org/drawingml/2006/diagram" xmlns:o="urn:schemas-microsoft-com:office:office" xmlns:v="urn:schemas-microsoft-com:vml" xmlns:pvml="urn:schemas-microsoft-com:office:powerpoint" xmlns:com="http://schemas.openxmlformats.org/drawingml/2006/compatibility" xmlns:p14="http://schemas.microsoft.com/office/powerpoint/2010/main" xmlns:p15="http://schemas.microsoft.com/office/powerpoint/2012/main">
+<p:sld xmlns:a="http://schemas.openxmlformats.org/drawingml/2006/main" xmlns:r="http://schemas.openxmlformats.org/officeDocument/2006/relationships" xmlns:p="http://schemas.openxmlformats.org/presentationml/2006/main">
   <p:cSld>
     <p:spTree>
       <p:nvGrpSpPr>
-        <p:cNvPr id="158" name="Shape 158"/>
+        <p:cNvPr id="1" name="Shape 158"/>
         <p:cNvGrpSpPr/>
         <p:nvPr/>
       </p:nvGrpSpPr>
@@ -8951,7 +9065,9 @@
       <p:sp>
         <p:nvSpPr>
           <p:cNvPr id="159" name="Google Shape;159;p25"/>
-          <p:cNvSpPr txBox="1"/>
+          <p:cNvSpPr txBox="1">
+            <a:spLocks noGrp="1"/>
+          </p:cNvSpPr>
           <p:nvPr>
             <p:ph type="title"/>
           </p:nvPr>
@@ -8966,12 +9082,12 @@
           </a:prstGeom>
         </p:spPr>
         <p:txBody>
-          <a:bodyPr anchorCtr="0" anchor="t" bIns="91425" lIns="91425" spcFirstLastPara="1" rIns="91425" wrap="square" tIns="91425">
+          <a:bodyPr spcFirstLastPara="1" wrap="square" lIns="91425" tIns="91425" rIns="91425" bIns="91425" anchor="t" anchorCtr="0">
             <a:noAutofit/>
           </a:bodyPr>
           <a:lstStyle/>
           <a:p>
-            <a:pPr indent="0" lvl="0" marL="0" rtl="0" algn="l">
+            <a:pPr marL="0" lvl="0" indent="0" algn="l" rtl="0">
               <a:spcBef>
                 <a:spcPts val="0"/>
               </a:spcBef>
@@ -8991,9 +9107,11 @@
       <p:sp>
         <p:nvSpPr>
           <p:cNvPr id="160" name="Google Shape;160;p25"/>
-          <p:cNvSpPr txBox="1"/>
+          <p:cNvSpPr txBox="1">
+            <a:spLocks noGrp="1"/>
+          </p:cNvSpPr>
           <p:nvPr>
-            <p:ph idx="1" type="body"/>
+            <p:ph type="body" idx="1"/>
           </p:nvPr>
         </p:nvSpPr>
         <p:spPr>
@@ -9006,12 +9124,12 @@
           </a:prstGeom>
         </p:spPr>
         <p:txBody>
-          <a:bodyPr anchorCtr="0" anchor="t" bIns="91425" lIns="91425" spcFirstLastPara="1" rIns="91425" wrap="square" tIns="91425">
+          <a:bodyPr spcFirstLastPara="1" wrap="square" lIns="91425" tIns="91425" rIns="91425" bIns="91425" anchor="t" anchorCtr="0">
             <a:noAutofit/>
           </a:bodyPr>
           <a:lstStyle/>
           <a:p>
-            <a:pPr indent="0" lvl="0" marL="0" rtl="0" algn="l">
+            <a:pPr marL="0" lvl="0" indent="0" algn="l" rtl="0">
               <a:spcBef>
                 <a:spcPts val="0"/>
               </a:spcBef>
@@ -9027,7 +9145,7 @@
             <a:endParaRPr/>
           </a:p>
           <a:p>
-            <a:pPr indent="0" lvl="0" marL="0" rtl="0" algn="l">
+            <a:pPr marL="0" lvl="0" indent="0" algn="l" rtl="0">
               <a:spcBef>
                 <a:spcPts val="1600"/>
               </a:spcBef>
@@ -9053,11 +9171,11 @@
 </file>
 
 <file path=ppt/slides/slide2.xml><?xml version="1.0" encoding="utf-8"?>
-<p:sld xmlns:a="http://schemas.openxmlformats.org/drawingml/2006/main" xmlns:r="http://schemas.openxmlformats.org/officeDocument/2006/relationships" xmlns:mc="http://schemas.openxmlformats.org/markup-compatibility/2006" xmlns:mv="urn:schemas-microsoft-com:mac:vml" xmlns:p="http://schemas.openxmlformats.org/presentationml/2006/main" xmlns:c="http://schemas.openxmlformats.org/drawingml/2006/chart" xmlns:dgm="http://schemas.openxmlformats.org/drawingml/2006/diagram" xmlns:o="urn:schemas-microsoft-com:office:office" xmlns:v="urn:schemas-microsoft-com:vml" xmlns:pvml="urn:schemas-microsoft-com:office:powerpoint" xmlns:com="http://schemas.openxmlformats.org/drawingml/2006/compatibility" xmlns:p14="http://schemas.microsoft.com/office/powerpoint/2010/main" xmlns:p15="http://schemas.microsoft.com/office/powerpoint/2012/main">
+<p:sld xmlns:a="http://schemas.openxmlformats.org/drawingml/2006/main" xmlns:r="http://schemas.openxmlformats.org/officeDocument/2006/relationships" xmlns:p="http://schemas.openxmlformats.org/presentationml/2006/main">
   <p:cSld>
     <p:spTree>
       <p:nvGrpSpPr>
-        <p:cNvPr id="90" name="Shape 90"/>
+        <p:cNvPr id="1" name="Shape 90"/>
         <p:cNvGrpSpPr/>
         <p:nvPr/>
       </p:nvGrpSpPr>
@@ -9072,7 +9190,9 @@
       <p:sp>
         <p:nvSpPr>
           <p:cNvPr id="91" name="Google Shape;91;p14"/>
-          <p:cNvSpPr txBox="1"/>
+          <p:cNvSpPr txBox="1">
+            <a:spLocks noGrp="1"/>
+          </p:cNvSpPr>
           <p:nvPr>
             <p:ph type="title"/>
           </p:nvPr>
@@ -9087,12 +9207,12 @@
           </a:prstGeom>
         </p:spPr>
         <p:txBody>
-          <a:bodyPr anchorCtr="0" anchor="t" bIns="91425" lIns="91425" spcFirstLastPara="1" rIns="91425" wrap="square" tIns="91425">
+          <a:bodyPr spcFirstLastPara="1" wrap="square" lIns="91425" tIns="91425" rIns="91425" bIns="91425" anchor="t" anchorCtr="0">
             <a:noAutofit/>
           </a:bodyPr>
           <a:lstStyle/>
           <a:p>
-            <a:pPr indent="0" lvl="0" marL="0" rtl="0" algn="l">
+            <a:pPr marL="0" lvl="0" indent="0" algn="l" rtl="0">
               <a:spcBef>
                 <a:spcPts val="0"/>
               </a:spcBef>
@@ -9112,9 +9232,11 @@
       <p:sp>
         <p:nvSpPr>
           <p:cNvPr id="92" name="Google Shape;92;p14"/>
-          <p:cNvSpPr txBox="1"/>
+          <p:cNvSpPr txBox="1">
+            <a:spLocks noGrp="1"/>
+          </p:cNvSpPr>
           <p:nvPr>
-            <p:ph idx="1" type="body"/>
+            <p:ph type="body" idx="1"/>
           </p:nvPr>
         </p:nvSpPr>
         <p:spPr>
@@ -9127,12 +9249,12 @@
           </a:prstGeom>
         </p:spPr>
         <p:txBody>
-          <a:bodyPr anchorCtr="0" anchor="t" bIns="91425" lIns="91425" spcFirstLastPara="1" rIns="91425" wrap="square" tIns="91425">
+          <a:bodyPr spcFirstLastPara="1" wrap="square" lIns="91425" tIns="91425" rIns="91425" bIns="91425" anchor="t" anchorCtr="0">
             <a:noAutofit/>
           </a:bodyPr>
           <a:lstStyle/>
           <a:p>
-            <a:pPr indent="-342900" lvl="0" marL="457200" rtl="0" algn="l">
+            <a:pPr marL="457200" lvl="0" indent="-342900" algn="l" rtl="0">
               <a:spcBef>
                 <a:spcPts val="0"/>
               </a:spcBef>
@@ -9144,20 +9266,12 @@
             </a:pPr>
             <a:r>
               <a:rPr lang="en"/>
-              <a:t>Classify multiple different types of animals using </a:t>
-            </a:r>
-            <a:r>
-              <a:rPr lang="en"/>
-              <a:t>convolution</a:t>
-            </a:r>
-            <a:r>
-              <a:rPr lang="en"/>
-              <a:t> image classifier</a:t>
+              <a:t>Classify multiple different types of animals using convolution image classifier</a:t>
             </a:r>
             <a:endParaRPr/>
           </a:p>
           <a:p>
-            <a:pPr indent="-342900" lvl="0" marL="457200" rtl="0" algn="l">
+            <a:pPr marL="457200" lvl="0" indent="-342900" algn="l" rtl="0">
               <a:spcBef>
                 <a:spcPts val="0"/>
               </a:spcBef>
@@ -9174,7 +9288,7 @@
             <a:endParaRPr/>
           </a:p>
           <a:p>
-            <a:pPr indent="-317500" lvl="1" marL="914400" rtl="0" algn="l">
+            <a:pPr marL="914400" lvl="1" indent="-317500" algn="l" rtl="0">
               <a:spcBef>
                 <a:spcPts val="0"/>
               </a:spcBef>
@@ -9191,7 +9305,7 @@
             <a:endParaRPr/>
           </a:p>
           <a:p>
-            <a:pPr indent="-342900" lvl="0" marL="457200" rtl="0" algn="l">
+            <a:pPr marL="457200" lvl="0" indent="-342900" algn="l" rtl="0">
               <a:spcBef>
                 <a:spcPts val="0"/>
               </a:spcBef>
@@ -9208,7 +9322,7 @@
             <a:endParaRPr/>
           </a:p>
           <a:p>
-            <a:pPr indent="-317500" lvl="1" marL="914400" rtl="0" algn="l">
+            <a:pPr marL="914400" lvl="1" indent="-317500" algn="l" rtl="0">
               <a:spcBef>
                 <a:spcPts val="0"/>
               </a:spcBef>
@@ -9263,11 +9377,11 @@
 </file>
 
 <file path=ppt/slides/slide3.xml><?xml version="1.0" encoding="utf-8"?>
-<p:sld xmlns:a="http://schemas.openxmlformats.org/drawingml/2006/main" xmlns:r="http://schemas.openxmlformats.org/officeDocument/2006/relationships" xmlns:mc="http://schemas.openxmlformats.org/markup-compatibility/2006" xmlns:mv="urn:schemas-microsoft-com:mac:vml" xmlns:p="http://schemas.openxmlformats.org/presentationml/2006/main" xmlns:c="http://schemas.openxmlformats.org/drawingml/2006/chart" xmlns:dgm="http://schemas.openxmlformats.org/drawingml/2006/diagram" xmlns:o="urn:schemas-microsoft-com:office:office" xmlns:v="urn:schemas-microsoft-com:vml" xmlns:pvml="urn:schemas-microsoft-com:office:powerpoint" xmlns:com="http://schemas.openxmlformats.org/drawingml/2006/compatibility" xmlns:p14="http://schemas.microsoft.com/office/powerpoint/2010/main" xmlns:p15="http://schemas.microsoft.com/office/powerpoint/2012/main">
+<p:sld xmlns:a="http://schemas.openxmlformats.org/drawingml/2006/main" xmlns:r="http://schemas.openxmlformats.org/officeDocument/2006/relationships" xmlns:p="http://schemas.openxmlformats.org/presentationml/2006/main">
   <p:cSld>
     <p:spTree>
       <p:nvGrpSpPr>
-        <p:cNvPr id="97" name="Shape 97"/>
+        <p:cNvPr id="1" name="Shape 97"/>
         <p:cNvGrpSpPr/>
         <p:nvPr/>
       </p:nvGrpSpPr>
@@ -9316,11 +9430,11 @@
 </file>
 
 <file path=ppt/slides/slide4.xml><?xml version="1.0" encoding="utf-8"?>
-<p:sld xmlns:a="http://schemas.openxmlformats.org/drawingml/2006/main" xmlns:r="http://schemas.openxmlformats.org/officeDocument/2006/relationships" xmlns:mc="http://schemas.openxmlformats.org/markup-compatibility/2006" xmlns:mv="urn:schemas-microsoft-com:mac:vml" xmlns:p="http://schemas.openxmlformats.org/presentationml/2006/main" xmlns:c="http://schemas.openxmlformats.org/drawingml/2006/chart" xmlns:dgm="http://schemas.openxmlformats.org/drawingml/2006/diagram" xmlns:o="urn:schemas-microsoft-com:office:office" xmlns:v="urn:schemas-microsoft-com:vml" xmlns:pvml="urn:schemas-microsoft-com:office:powerpoint" xmlns:com="http://schemas.openxmlformats.org/drawingml/2006/compatibility" xmlns:p14="http://schemas.microsoft.com/office/powerpoint/2010/main" xmlns:p15="http://schemas.microsoft.com/office/powerpoint/2012/main">
+<p:sld xmlns:a="http://schemas.openxmlformats.org/drawingml/2006/main" xmlns:r="http://schemas.openxmlformats.org/officeDocument/2006/relationships" xmlns:p="http://schemas.openxmlformats.org/presentationml/2006/main">
   <p:cSld>
     <p:spTree>
       <p:nvGrpSpPr>
-        <p:cNvPr id="102" name="Shape 102"/>
+        <p:cNvPr id="1" name="Shape 102"/>
         <p:cNvGrpSpPr/>
         <p:nvPr/>
       </p:nvGrpSpPr>
@@ -9335,7 +9449,9 @@
       <p:sp>
         <p:nvSpPr>
           <p:cNvPr id="103" name="Google Shape;103;p16"/>
-          <p:cNvSpPr txBox="1"/>
+          <p:cNvSpPr txBox="1">
+            <a:spLocks noGrp="1"/>
+          </p:cNvSpPr>
           <p:nvPr>
             <p:ph type="title"/>
           </p:nvPr>
@@ -9350,12 +9466,12 @@
           </a:prstGeom>
         </p:spPr>
         <p:txBody>
-          <a:bodyPr anchorCtr="0" anchor="t" bIns="91425" lIns="91425" spcFirstLastPara="1" rIns="91425" wrap="square" tIns="91425">
+          <a:bodyPr spcFirstLastPara="1" wrap="square" lIns="91425" tIns="91425" rIns="91425" bIns="91425" anchor="t" anchorCtr="0">
             <a:noAutofit/>
           </a:bodyPr>
           <a:lstStyle/>
           <a:p>
-            <a:pPr indent="0" lvl="0" marL="0" rtl="0" algn="l">
+            <a:pPr marL="0" lvl="0" indent="0" algn="l" rtl="0">
               <a:spcBef>
                 <a:spcPts val="0"/>
               </a:spcBef>
@@ -9371,7 +9487,7 @@
             <a:endParaRPr/>
           </a:p>
           <a:p>
-            <a:pPr indent="0" lvl="0" marL="0" rtl="0" algn="l">
+            <a:pPr marL="0" lvl="0" indent="0" algn="l" rtl="0">
               <a:spcBef>
                 <a:spcPts val="0"/>
               </a:spcBef>
@@ -9380,9 +9496,6 @@
               </a:spcAft>
               <a:buNone/>
             </a:pPr>
-            <a:r>
-              <a:t/>
-            </a:r>
             <a:endParaRPr/>
           </a:p>
         </p:txBody>
@@ -9425,7 +9538,7 @@
           <a:blip r:embed="rId4">
             <a:alphaModFix/>
           </a:blip>
-          <a:srcRect b="0" l="1167" r="26755" t="0"/>
+          <a:srcRect l="1167" r="26755"/>
           <a:stretch/>
         </p:blipFill>
         <p:spPr>
@@ -9451,11 +9564,11 @@
 </file>
 
 <file path=ppt/slides/slide5.xml><?xml version="1.0" encoding="utf-8"?>
-<p:sld xmlns:a="http://schemas.openxmlformats.org/drawingml/2006/main" xmlns:r="http://schemas.openxmlformats.org/officeDocument/2006/relationships" xmlns:mc="http://schemas.openxmlformats.org/markup-compatibility/2006" xmlns:mv="urn:schemas-microsoft-com:mac:vml" xmlns:p="http://schemas.openxmlformats.org/presentationml/2006/main" xmlns:c="http://schemas.openxmlformats.org/drawingml/2006/chart" xmlns:dgm="http://schemas.openxmlformats.org/drawingml/2006/diagram" xmlns:o="urn:schemas-microsoft-com:office:office" xmlns:v="urn:schemas-microsoft-com:vml" xmlns:pvml="urn:schemas-microsoft-com:office:powerpoint" xmlns:com="http://schemas.openxmlformats.org/drawingml/2006/compatibility" xmlns:p14="http://schemas.microsoft.com/office/powerpoint/2010/main" xmlns:p15="http://schemas.microsoft.com/office/powerpoint/2012/main">
+<p:sld xmlns:a="http://schemas.openxmlformats.org/drawingml/2006/main" xmlns:r="http://schemas.openxmlformats.org/officeDocument/2006/relationships" xmlns:p="http://schemas.openxmlformats.org/presentationml/2006/main">
   <p:cSld>
     <p:spTree>
       <p:nvGrpSpPr>
-        <p:cNvPr id="109" name="Shape 109"/>
+        <p:cNvPr id="1" name="Shape 109"/>
         <p:cNvGrpSpPr/>
         <p:nvPr/>
       </p:nvGrpSpPr>
@@ -9470,7 +9583,9 @@
       <p:sp>
         <p:nvSpPr>
           <p:cNvPr id="110" name="Google Shape;110;p17"/>
-          <p:cNvSpPr txBox="1"/>
+          <p:cNvSpPr txBox="1">
+            <a:spLocks noGrp="1"/>
+          </p:cNvSpPr>
           <p:nvPr>
             <p:ph type="title"/>
           </p:nvPr>
@@ -9485,12 +9600,12 @@
           </a:prstGeom>
         </p:spPr>
         <p:txBody>
-          <a:bodyPr anchorCtr="0" anchor="t" bIns="91425" lIns="91425" spcFirstLastPara="1" rIns="91425" wrap="square" tIns="91425">
+          <a:bodyPr spcFirstLastPara="1" wrap="square" lIns="91425" tIns="91425" rIns="91425" bIns="91425" anchor="t" anchorCtr="0">
             <a:noAutofit/>
           </a:bodyPr>
           <a:lstStyle/>
           <a:p>
-            <a:pPr indent="0" lvl="0" marL="0" rtl="0" algn="l">
+            <a:pPr marL="0" lvl="0" indent="0" algn="l" rtl="0">
               <a:spcBef>
                 <a:spcPts val="0"/>
               </a:spcBef>
@@ -9544,11 +9659,11 @@
 </file>
 
 <file path=ppt/slides/slide6.xml><?xml version="1.0" encoding="utf-8"?>
-<p:sld xmlns:a="http://schemas.openxmlformats.org/drawingml/2006/main" xmlns:r="http://schemas.openxmlformats.org/officeDocument/2006/relationships" xmlns:mc="http://schemas.openxmlformats.org/markup-compatibility/2006" xmlns:mv="urn:schemas-microsoft-com:mac:vml" xmlns:p="http://schemas.openxmlformats.org/presentationml/2006/main" xmlns:c="http://schemas.openxmlformats.org/drawingml/2006/chart" xmlns:dgm="http://schemas.openxmlformats.org/drawingml/2006/diagram" xmlns:o="urn:schemas-microsoft-com:office:office" xmlns:v="urn:schemas-microsoft-com:vml" xmlns:pvml="urn:schemas-microsoft-com:office:powerpoint" xmlns:com="http://schemas.openxmlformats.org/drawingml/2006/compatibility" xmlns:p14="http://schemas.microsoft.com/office/powerpoint/2010/main" xmlns:p15="http://schemas.microsoft.com/office/powerpoint/2012/main">
+<p:sld xmlns:a="http://schemas.openxmlformats.org/drawingml/2006/main" xmlns:r="http://schemas.openxmlformats.org/officeDocument/2006/relationships" xmlns:p="http://schemas.openxmlformats.org/presentationml/2006/main">
   <p:cSld>
     <p:spTree>
       <p:nvGrpSpPr>
-        <p:cNvPr id="115" name="Shape 115"/>
+        <p:cNvPr id="1" name="Shape 115"/>
         <p:cNvGrpSpPr/>
         <p:nvPr/>
       </p:nvGrpSpPr>
@@ -9563,7 +9678,9 @@
       <p:sp>
         <p:nvSpPr>
           <p:cNvPr id="116" name="Google Shape;116;p18"/>
-          <p:cNvSpPr txBox="1"/>
+          <p:cNvSpPr txBox="1">
+            <a:spLocks noGrp="1"/>
+          </p:cNvSpPr>
           <p:nvPr>
             <p:ph type="title"/>
           </p:nvPr>
@@ -9578,12 +9695,12 @@
           </a:prstGeom>
         </p:spPr>
         <p:txBody>
-          <a:bodyPr anchorCtr="0" anchor="t" bIns="91425" lIns="91425" spcFirstLastPara="1" rIns="91425" wrap="square" tIns="91425">
+          <a:bodyPr spcFirstLastPara="1" wrap="square" lIns="91425" tIns="91425" rIns="91425" bIns="91425" anchor="t" anchorCtr="0">
             <a:noAutofit/>
           </a:bodyPr>
           <a:lstStyle/>
           <a:p>
-            <a:pPr indent="0" lvl="0" marL="0" rtl="0" algn="l">
+            <a:pPr marL="0" lvl="0" indent="0" algn="l" rtl="0">
               <a:spcBef>
                 <a:spcPts val="0"/>
               </a:spcBef>
@@ -9599,7 +9716,7 @@
             <a:endParaRPr/>
           </a:p>
           <a:p>
-            <a:pPr indent="0" lvl="0" marL="0" rtl="0" algn="l">
+            <a:pPr marL="0" lvl="0" indent="0" algn="l" rtl="0">
               <a:spcBef>
                 <a:spcPts val="0"/>
               </a:spcBef>
@@ -9608,9 +9725,6 @@
               </a:spcAft>
               <a:buNone/>
             </a:pPr>
-            <a:r>
-              <a:t/>
-            </a:r>
             <a:endParaRPr/>
           </a:p>
         </p:txBody>
@@ -9652,11 +9766,11 @@
 </file>
 
 <file path=ppt/slides/slide7.xml><?xml version="1.0" encoding="utf-8"?>
-<p:sld xmlns:a="http://schemas.openxmlformats.org/drawingml/2006/main" xmlns:r="http://schemas.openxmlformats.org/officeDocument/2006/relationships" xmlns:mc="http://schemas.openxmlformats.org/markup-compatibility/2006" xmlns:mv="urn:schemas-microsoft-com:mac:vml" xmlns:p="http://schemas.openxmlformats.org/presentationml/2006/main" xmlns:c="http://schemas.openxmlformats.org/drawingml/2006/chart" xmlns:dgm="http://schemas.openxmlformats.org/drawingml/2006/diagram" xmlns:o="urn:schemas-microsoft-com:office:office" xmlns:v="urn:schemas-microsoft-com:vml" xmlns:pvml="urn:schemas-microsoft-com:office:powerpoint" xmlns:com="http://schemas.openxmlformats.org/drawingml/2006/compatibility" xmlns:p14="http://schemas.microsoft.com/office/powerpoint/2010/main" xmlns:p15="http://schemas.microsoft.com/office/powerpoint/2012/main">
+<p:sld xmlns:a="http://schemas.openxmlformats.org/drawingml/2006/main" xmlns:r="http://schemas.openxmlformats.org/officeDocument/2006/relationships" xmlns:p="http://schemas.openxmlformats.org/presentationml/2006/main">
   <p:cSld>
     <p:spTree>
       <p:nvGrpSpPr>
-        <p:cNvPr id="121" name="Shape 121"/>
+        <p:cNvPr id="1" name="Shape 121"/>
         <p:cNvGrpSpPr/>
         <p:nvPr/>
       </p:nvGrpSpPr>
@@ -9671,7 +9785,9 @@
       <p:sp>
         <p:nvSpPr>
           <p:cNvPr id="122" name="Google Shape;122;p19"/>
-          <p:cNvSpPr txBox="1"/>
+          <p:cNvSpPr txBox="1">
+            <a:spLocks noGrp="1"/>
+          </p:cNvSpPr>
           <p:nvPr>
             <p:ph type="title"/>
           </p:nvPr>
@@ -9686,12 +9802,12 @@
           </a:prstGeom>
         </p:spPr>
         <p:txBody>
-          <a:bodyPr anchorCtr="0" anchor="t" bIns="91425" lIns="91425" spcFirstLastPara="1" rIns="91425" wrap="square" tIns="91425">
+          <a:bodyPr spcFirstLastPara="1" wrap="square" lIns="91425" tIns="91425" rIns="91425" bIns="91425" anchor="t" anchorCtr="0">
             <a:noAutofit/>
           </a:bodyPr>
           <a:lstStyle/>
           <a:p>
-            <a:pPr indent="0" lvl="0" marL="0" rtl="0" algn="l">
+            <a:pPr marL="0" lvl="0" indent="0" algn="l" rtl="0">
               <a:spcBef>
                 <a:spcPts val="0"/>
               </a:spcBef>
@@ -9745,11 +9861,11 @@
 </file>
 
 <file path=ppt/slides/slide8.xml><?xml version="1.0" encoding="utf-8"?>
-<p:sld xmlns:a="http://schemas.openxmlformats.org/drawingml/2006/main" xmlns:r="http://schemas.openxmlformats.org/officeDocument/2006/relationships" xmlns:mc="http://schemas.openxmlformats.org/markup-compatibility/2006" xmlns:mv="urn:schemas-microsoft-com:mac:vml" xmlns:p="http://schemas.openxmlformats.org/presentationml/2006/main" xmlns:c="http://schemas.openxmlformats.org/drawingml/2006/chart" xmlns:dgm="http://schemas.openxmlformats.org/drawingml/2006/diagram" xmlns:o="urn:schemas-microsoft-com:office:office" xmlns:v="urn:schemas-microsoft-com:vml" xmlns:pvml="urn:schemas-microsoft-com:office:powerpoint" xmlns:com="http://schemas.openxmlformats.org/drawingml/2006/compatibility" xmlns:p14="http://schemas.microsoft.com/office/powerpoint/2010/main" xmlns:p15="http://schemas.microsoft.com/office/powerpoint/2012/main">
+<p:sld xmlns:a="http://schemas.openxmlformats.org/drawingml/2006/main" xmlns:r="http://schemas.openxmlformats.org/officeDocument/2006/relationships" xmlns:p="http://schemas.openxmlformats.org/presentationml/2006/main">
   <p:cSld>
     <p:spTree>
       <p:nvGrpSpPr>
-        <p:cNvPr id="127" name="Shape 127"/>
+        <p:cNvPr id="1" name="Shape 127"/>
         <p:cNvGrpSpPr/>
         <p:nvPr/>
       </p:nvGrpSpPr>
@@ -9764,7 +9880,9 @@
       <p:sp>
         <p:nvSpPr>
           <p:cNvPr id="128" name="Google Shape;128;p20"/>
-          <p:cNvSpPr txBox="1"/>
+          <p:cNvSpPr txBox="1">
+            <a:spLocks noGrp="1"/>
+          </p:cNvSpPr>
           <p:nvPr>
             <p:ph type="title"/>
           </p:nvPr>
@@ -9779,12 +9897,12 @@
           </a:prstGeom>
         </p:spPr>
         <p:txBody>
-          <a:bodyPr anchorCtr="0" anchor="t" bIns="91425" lIns="91425" spcFirstLastPara="1" rIns="91425" wrap="square" tIns="91425">
+          <a:bodyPr spcFirstLastPara="1" wrap="square" lIns="91425" tIns="91425" rIns="91425" bIns="91425" anchor="t" anchorCtr="0">
             <a:noAutofit/>
           </a:bodyPr>
           <a:lstStyle/>
           <a:p>
-            <a:pPr indent="0" lvl="0" marL="0" rtl="0" algn="l">
+            <a:pPr marL="0" lvl="0" indent="0" algn="l" rtl="0">
               <a:spcBef>
                 <a:spcPts val="0"/>
               </a:spcBef>
@@ -9838,11 +9956,11 @@
 </file>
 
 <file path=ppt/slides/slide9.xml><?xml version="1.0" encoding="utf-8"?>
-<p:sld xmlns:a="http://schemas.openxmlformats.org/drawingml/2006/main" xmlns:r="http://schemas.openxmlformats.org/officeDocument/2006/relationships" xmlns:mc="http://schemas.openxmlformats.org/markup-compatibility/2006" xmlns:mv="urn:schemas-microsoft-com:mac:vml" xmlns:p="http://schemas.openxmlformats.org/presentationml/2006/main" xmlns:c="http://schemas.openxmlformats.org/drawingml/2006/chart" xmlns:dgm="http://schemas.openxmlformats.org/drawingml/2006/diagram" xmlns:o="urn:schemas-microsoft-com:office:office" xmlns:v="urn:schemas-microsoft-com:vml" xmlns:pvml="urn:schemas-microsoft-com:office:powerpoint" xmlns:com="http://schemas.openxmlformats.org/drawingml/2006/compatibility" xmlns:p14="http://schemas.microsoft.com/office/powerpoint/2010/main" xmlns:p15="http://schemas.microsoft.com/office/powerpoint/2012/main">
+<p:sld xmlns:a="http://schemas.openxmlformats.org/drawingml/2006/main" xmlns:r="http://schemas.openxmlformats.org/officeDocument/2006/relationships" xmlns:p="http://schemas.openxmlformats.org/presentationml/2006/main">
   <p:cSld>
     <p:spTree>
       <p:nvGrpSpPr>
-        <p:cNvPr id="133" name="Shape 133"/>
+        <p:cNvPr id="1" name="Shape 133"/>
         <p:cNvGrpSpPr/>
         <p:nvPr/>
       </p:nvGrpSpPr>
@@ -9857,7 +9975,9 @@
       <p:sp>
         <p:nvSpPr>
           <p:cNvPr id="134" name="Google Shape;134;p21"/>
-          <p:cNvSpPr txBox="1"/>
+          <p:cNvSpPr txBox="1">
+            <a:spLocks noGrp="1"/>
+          </p:cNvSpPr>
           <p:nvPr>
             <p:ph type="title"/>
           </p:nvPr>
@@ -9872,12 +9992,12 @@
           </a:prstGeom>
         </p:spPr>
         <p:txBody>
-          <a:bodyPr anchorCtr="0" anchor="t" bIns="91425" lIns="91425" spcFirstLastPara="1" rIns="91425" wrap="square" tIns="91425">
+          <a:bodyPr spcFirstLastPara="1" wrap="square" lIns="91425" tIns="91425" rIns="91425" bIns="91425" anchor="t" anchorCtr="0">
             <a:noAutofit/>
           </a:bodyPr>
           <a:lstStyle/>
           <a:p>
-            <a:pPr indent="0" lvl="0" marL="0" rtl="0" algn="l">
+            <a:pPr marL="0" lvl="0" indent="0" algn="l" rtl="0">
               <a:spcBef>
                 <a:spcPts val="0"/>
               </a:spcBef>
@@ -9904,7 +10024,7 @@
           <a:blip r:embed="rId3">
             <a:alphaModFix/>
           </a:blip>
-          <a:srcRect b="0" l="0" r="16957" t="0"/>
+          <a:srcRect r="16957"/>
           <a:stretch/>
         </p:blipFill>
         <p:spPr>
@@ -9941,12 +10061,12 @@
           </a:ln>
         </p:spPr>
         <p:txBody>
-          <a:bodyPr anchorCtr="0" anchor="t" bIns="91425" lIns="91425" spcFirstLastPara="1" rIns="91425" wrap="square" tIns="91425">
+          <a:bodyPr spcFirstLastPara="1" wrap="square" lIns="91425" tIns="91425" rIns="91425" bIns="91425" anchor="t" anchorCtr="0">
             <a:noAutofit/>
           </a:bodyPr>
           <a:lstStyle/>
           <a:p>
-            <a:pPr indent="0" lvl="0" marL="0" rtl="0" algn="l">
+            <a:pPr marL="0" lvl="0" indent="0" algn="l" rtl="0">
               <a:spcBef>
                 <a:spcPts val="0"/>
               </a:spcBef>
@@ -9956,13 +10076,13 @@
               <a:buNone/>
             </a:pPr>
             <a:r>
-              <a:rPr lang="en" sz="1600"/>
+              <a:rPr lang="en" sz="1600" dirty="0"/>
               <a:t>Butterflies:</a:t>
             </a:r>
-            <a:endParaRPr sz="1600"/>
+            <a:endParaRPr sz="1600" dirty="0"/>
           </a:p>
           <a:p>
-            <a:pPr indent="0" lvl="0" marL="0" rtl="0" algn="l">
+            <a:pPr marL="0" lvl="0" indent="0" algn="l" rtl="0">
               <a:spcBef>
                 <a:spcPts val="0"/>
               </a:spcBef>
@@ -9972,13 +10092,13 @@
               <a:buNone/>
             </a:pPr>
             <a:r>
-              <a:rPr lang="en" sz="1600"/>
+              <a:rPr lang="en" sz="1600" dirty="0"/>
               <a:t>Chickens:</a:t>
             </a:r>
-            <a:endParaRPr sz="1600"/>
+            <a:endParaRPr sz="1600" dirty="0"/>
           </a:p>
           <a:p>
-            <a:pPr indent="0" lvl="0" marL="0" rtl="0" algn="l">
+            <a:pPr marL="0" lvl="0" indent="0" algn="l" rtl="0">
               <a:spcBef>
                 <a:spcPts val="0"/>
               </a:spcBef>
@@ -9988,13 +10108,13 @@
               <a:buNone/>
             </a:pPr>
             <a:r>
-              <a:rPr lang="en" sz="1600"/>
+              <a:rPr lang="en" sz="1600" dirty="0"/>
               <a:t>Elephants:</a:t>
             </a:r>
-            <a:endParaRPr sz="1600"/>
+            <a:endParaRPr sz="1600" dirty="0"/>
           </a:p>
           <a:p>
-            <a:pPr indent="0" lvl="0" marL="0" rtl="0" algn="l">
+            <a:pPr marL="0" lvl="0" indent="0" algn="l" rtl="0">
               <a:spcBef>
                 <a:spcPts val="0"/>
               </a:spcBef>
@@ -10004,13 +10124,13 @@
               <a:buNone/>
             </a:pPr>
             <a:r>
-              <a:rPr lang="en" sz="1600"/>
+              <a:rPr lang="en" sz="1600" dirty="0"/>
               <a:t>Horses:</a:t>
             </a:r>
-            <a:endParaRPr sz="1600"/>
+            <a:endParaRPr sz="1600" dirty="0"/>
           </a:p>
           <a:p>
-            <a:pPr indent="0" lvl="0" marL="0" rtl="0" algn="l">
+            <a:pPr marL="0" lvl="0" indent="0" algn="l" rtl="0">
               <a:spcBef>
                 <a:spcPts val="0"/>
               </a:spcBef>
@@ -10020,13 +10140,13 @@
               <a:buNone/>
             </a:pPr>
             <a:r>
-              <a:rPr lang="en" sz="1600"/>
+              <a:rPr lang="en" sz="1600" dirty="0"/>
               <a:t>Spiders:</a:t>
             </a:r>
-            <a:endParaRPr sz="1600"/>
+            <a:endParaRPr sz="1600" dirty="0"/>
           </a:p>
           <a:p>
-            <a:pPr indent="0" lvl="0" marL="0" rtl="0" algn="l">
+            <a:pPr marL="0" lvl="0" indent="0" algn="l" rtl="0">
               <a:spcBef>
                 <a:spcPts val="0"/>
               </a:spcBef>
@@ -10036,10 +10156,14 @@
               <a:buNone/>
             </a:pPr>
             <a:r>
-              <a:rPr lang="en" sz="1600"/>
-              <a:t>Squirrells: </a:t>
+              <a:rPr lang="en-US" sz="1600" dirty="0"/>
+              <a:t>Squirrels</a:t>
             </a:r>
-            <a:endParaRPr sz="1600"/>
+            <a:r>
+              <a:rPr lang="en" sz="1600" dirty="0"/>
+              <a:t>: </a:t>
+            </a:r>
+            <a:endParaRPr sz="1600" dirty="0"/>
           </a:p>
         </p:txBody>
       </p:sp>
@@ -10052,7 +10176,288 @@
 </file>
 
 <file path=ppt/theme/theme1.xml><?xml version="1.0" encoding="utf-8"?>
-<a:theme xmlns:a="http://schemas.openxmlformats.org/drawingml/2006/main" xmlns:r="http://schemas.openxmlformats.org/officeDocument/2006/relationships">
+<a:theme xmlns:a="http://schemas.openxmlformats.org/drawingml/2006/main" name="Geometric">
+  <a:themeElements>
+    <a:clrScheme name="Geometric">
+      <a:dk1>
+        <a:srgbClr val="2A3990"/>
+      </a:dk1>
+      <a:lt1>
+        <a:srgbClr val="FFFFFF"/>
+      </a:lt1>
+      <a:dk2>
+        <a:srgbClr val="434343"/>
+      </a:dk2>
+      <a:lt2>
+        <a:srgbClr val="999999"/>
+      </a:lt2>
+      <a:accent1>
+        <a:srgbClr val="212D74"/>
+      </a:accent1>
+      <a:accent2>
+        <a:srgbClr val="3949AB"/>
+      </a:accent2>
+      <a:accent3>
+        <a:srgbClr val="9C254D"/>
+      </a:accent3>
+      <a:accent4>
+        <a:srgbClr val="D23369"/>
+      </a:accent4>
+      <a:accent5>
+        <a:srgbClr val="F06292"/>
+      </a:accent5>
+      <a:accent6>
+        <a:srgbClr val="7890CD"/>
+      </a:accent6>
+      <a:hlink>
+        <a:srgbClr val="F06292"/>
+      </a:hlink>
+      <a:folHlink>
+        <a:srgbClr val="F06292"/>
+      </a:folHlink>
+    </a:clrScheme>
+    <a:fontScheme name="Office">
+      <a:majorFont>
+        <a:latin typeface="Arial"/>
+        <a:ea typeface=""/>
+        <a:cs typeface=""/>
+        <a:font script="Jpan" typeface="ＭＳ Ｐゴシック"/>
+        <a:font script="Hang" typeface="맑은 고딕"/>
+        <a:font script="Hans" typeface="宋体"/>
+        <a:font script="Hant" typeface="新細明體"/>
+        <a:font script="Arab" typeface="Times New Roman"/>
+        <a:font script="Hebr" typeface="Times New Roman"/>
+        <a:font script="Thai" typeface="Angsana New"/>
+        <a:font script="Ethi" typeface="Nyala"/>
+        <a:font script="Beng" typeface="Vrinda"/>
+        <a:font script="Gujr" typeface="Shruti"/>
+        <a:font script="Khmr" typeface="MoolBoran"/>
+        <a:font script="Knda" typeface="Tunga"/>
+        <a:font script="Guru" typeface="Raavi"/>
+        <a:font script="Cans" typeface="Euphemia"/>
+        <a:font script="Cher" typeface="Plantagenet Cherokee"/>
+        <a:font script="Yiii" typeface="Microsoft Yi Baiti"/>
+        <a:font script="Tibt" typeface="Microsoft Himalaya"/>
+        <a:font script="Thaa" typeface="MV Boli"/>
+        <a:font script="Deva" typeface="Mangal"/>
+        <a:font script="Telu" typeface="Gautami"/>
+        <a:font script="Taml" typeface="Latha"/>
+        <a:font script="Syrc" typeface="Estrangelo Edessa"/>
+        <a:font script="Orya" typeface="Kalinga"/>
+        <a:font script="Mlym" typeface="Kartika"/>
+        <a:font script="Laoo" typeface="DokChampa"/>
+        <a:font script="Sinh" typeface="Iskoola Pota"/>
+        <a:font script="Mong" typeface="Mongolian Baiti"/>
+        <a:font script="Viet" typeface="Times New Roman"/>
+        <a:font script="Uigh" typeface="Microsoft Uighur"/>
+        <a:font script="Geor" typeface="Sylfaen"/>
+      </a:majorFont>
+      <a:minorFont>
+        <a:latin typeface="Arial"/>
+        <a:ea typeface=""/>
+        <a:cs typeface=""/>
+        <a:font script="Jpan" typeface="ＭＳ Ｐゴシック"/>
+        <a:font script="Hang" typeface="맑은 고딕"/>
+        <a:font script="Hans" typeface="宋体"/>
+        <a:font script="Hant" typeface="新細明體"/>
+        <a:font script="Arab" typeface="Arial"/>
+        <a:font script="Hebr" typeface="Arial"/>
+        <a:font script="Thai" typeface="Cordia New"/>
+        <a:font script="Ethi" typeface="Nyala"/>
+        <a:font script="Beng" typeface="Vrinda"/>
+        <a:font script="Gujr" typeface="Shruti"/>
+        <a:font script="Khmr" typeface="DaunPenh"/>
+        <a:font script="Knda" typeface="Tunga"/>
+        <a:font script="Guru" typeface="Raavi"/>
+        <a:font script="Cans" typeface="Euphemia"/>
+        <a:font script="Cher" typeface="Plantagenet Cherokee"/>
+        <a:font script="Yiii" typeface="Microsoft Yi Baiti"/>
+        <a:font script="Tibt" typeface="Microsoft Himalaya"/>
+        <a:font script="Thaa" typeface="MV Boli"/>
+        <a:font script="Deva" typeface="Mangal"/>
+        <a:font script="Telu" typeface="Gautami"/>
+        <a:font script="Taml" typeface="Latha"/>
+        <a:font script="Syrc" typeface="Estrangelo Edessa"/>
+        <a:font script="Orya" typeface="Kalinga"/>
+        <a:font script="Mlym" typeface="Kartika"/>
+        <a:font script="Laoo" typeface="DokChampa"/>
+        <a:font script="Sinh" typeface="Iskoola Pota"/>
+        <a:font script="Mong" typeface="Mongolian Baiti"/>
+        <a:font script="Viet" typeface="Arial"/>
+        <a:font script="Uigh" typeface="Microsoft Uighur"/>
+        <a:font script="Geor" typeface="Sylfaen"/>
+      </a:minorFont>
+    </a:fontScheme>
+    <a:fmtScheme name="Office">
+      <a:fillStyleLst>
+        <a:solidFill>
+          <a:schemeClr val="phClr"/>
+        </a:solidFill>
+        <a:gradFill rotWithShape="1">
+          <a:gsLst>
+            <a:gs pos="0">
+              <a:schemeClr val="phClr">
+                <a:tint val="50000"/>
+                <a:satMod val="300000"/>
+              </a:schemeClr>
+            </a:gs>
+            <a:gs pos="35000">
+              <a:schemeClr val="phClr">
+                <a:tint val="37000"/>
+                <a:satMod val="300000"/>
+              </a:schemeClr>
+            </a:gs>
+            <a:gs pos="100000">
+              <a:schemeClr val="phClr">
+                <a:tint val="15000"/>
+                <a:satMod val="350000"/>
+              </a:schemeClr>
+            </a:gs>
+          </a:gsLst>
+          <a:lin ang="16200000" scaled="1"/>
+        </a:gradFill>
+        <a:gradFill rotWithShape="1">
+          <a:gsLst>
+            <a:gs pos="0">
+              <a:schemeClr val="phClr">
+                <a:tint val="100000"/>
+                <a:shade val="100000"/>
+                <a:satMod val="130000"/>
+              </a:schemeClr>
+            </a:gs>
+            <a:gs pos="100000">
+              <a:schemeClr val="phClr">
+                <a:tint val="50000"/>
+                <a:shade val="100000"/>
+                <a:satMod val="350000"/>
+              </a:schemeClr>
+            </a:gs>
+          </a:gsLst>
+          <a:lin ang="16200000" scaled="0"/>
+        </a:gradFill>
+      </a:fillStyleLst>
+      <a:lnStyleLst>
+        <a:ln w="9525" cap="flat" cmpd="sng" algn="ctr">
+          <a:solidFill>
+            <a:schemeClr val="phClr">
+              <a:shade val="95000"/>
+              <a:satMod val="105000"/>
+            </a:schemeClr>
+          </a:solidFill>
+          <a:prstDash val="solid"/>
+        </a:ln>
+        <a:ln w="25400" cap="flat" cmpd="sng" algn="ctr">
+          <a:solidFill>
+            <a:schemeClr val="phClr"/>
+          </a:solidFill>
+          <a:prstDash val="solid"/>
+        </a:ln>
+        <a:ln w="38100" cap="flat" cmpd="sng" algn="ctr">
+          <a:solidFill>
+            <a:schemeClr val="phClr"/>
+          </a:solidFill>
+          <a:prstDash val="solid"/>
+        </a:ln>
+      </a:lnStyleLst>
+      <a:effectStyleLst>
+        <a:effectStyle>
+          <a:effectLst>
+            <a:outerShdw blurRad="40000" dist="20000" dir="5400000" rotWithShape="0">
+              <a:srgbClr val="000000">
+                <a:alpha val="38000"/>
+              </a:srgbClr>
+            </a:outerShdw>
+          </a:effectLst>
+        </a:effectStyle>
+        <a:effectStyle>
+          <a:effectLst>
+            <a:outerShdw blurRad="40000" dist="23000" dir="5400000" rotWithShape="0">
+              <a:srgbClr val="000000">
+                <a:alpha val="35000"/>
+              </a:srgbClr>
+            </a:outerShdw>
+          </a:effectLst>
+        </a:effectStyle>
+        <a:effectStyle>
+          <a:effectLst>
+            <a:outerShdw blurRad="40000" dist="23000" dir="5400000" rotWithShape="0">
+              <a:srgbClr val="000000">
+                <a:alpha val="35000"/>
+              </a:srgbClr>
+            </a:outerShdw>
+          </a:effectLst>
+          <a:scene3d>
+            <a:camera prst="orthographicFront">
+              <a:rot lat="0" lon="0" rev="0"/>
+            </a:camera>
+            <a:lightRig rig="threePt" dir="t">
+              <a:rot lat="0" lon="0" rev="1200000"/>
+            </a:lightRig>
+          </a:scene3d>
+          <a:sp3d>
+            <a:bevelT w="63500" h="25400"/>
+          </a:sp3d>
+        </a:effectStyle>
+      </a:effectStyleLst>
+      <a:bgFillStyleLst>
+        <a:solidFill>
+          <a:schemeClr val="phClr"/>
+        </a:solidFill>
+        <a:gradFill rotWithShape="1">
+          <a:gsLst>
+            <a:gs pos="0">
+              <a:schemeClr val="phClr">
+                <a:tint val="40000"/>
+                <a:satMod val="350000"/>
+              </a:schemeClr>
+            </a:gs>
+            <a:gs pos="40000">
+              <a:schemeClr val="phClr">
+                <a:tint val="45000"/>
+                <a:shade val="99000"/>
+                <a:satMod val="350000"/>
+              </a:schemeClr>
+            </a:gs>
+            <a:gs pos="100000">
+              <a:schemeClr val="phClr">
+                <a:shade val="20000"/>
+                <a:satMod val="255000"/>
+              </a:schemeClr>
+            </a:gs>
+          </a:gsLst>
+          <a:path path="circle">
+            <a:fillToRect l="50000" t="-80000" r="50000" b="180000"/>
+          </a:path>
+        </a:gradFill>
+        <a:gradFill rotWithShape="1">
+          <a:gsLst>
+            <a:gs pos="0">
+              <a:schemeClr val="phClr">
+                <a:tint val="80000"/>
+                <a:satMod val="300000"/>
+              </a:schemeClr>
+            </a:gs>
+            <a:gs pos="100000">
+              <a:schemeClr val="phClr">
+                <a:shade val="30000"/>
+                <a:satMod val="200000"/>
+              </a:schemeClr>
+            </a:gs>
+          </a:gsLst>
+          <a:path path="circle">
+            <a:fillToRect l="50000" t="50000" r="50000" b="50000"/>
+          </a:path>
+        </a:gradFill>
+      </a:bgFillStyleLst>
+    </a:fmtScheme>
+  </a:themeElements>
+  <a:objectDefaults/>
+  <a:extraClrSchemeLst/>
+</a:theme>
+</file>
+
+<file path=ppt/theme/theme2.xml><?xml version="1.0" encoding="utf-8"?>
+<a:theme xmlns:a="http://schemas.openxmlformats.org/drawingml/2006/main">
   <a:themeElements>
     <a:clrScheme name="Default">
       <a:dk1>
@@ -10327,284 +10732,7 @@
       </a:bgFillStyleLst>
     </a:fmtScheme>
   </a:themeElements>
-</a:theme>
-</file>
-
-<file path=ppt/theme/theme2.xml><?xml version="1.0" encoding="utf-8"?>
-<a:theme xmlns:a="http://schemas.openxmlformats.org/drawingml/2006/main" xmlns:r="http://schemas.openxmlformats.org/officeDocument/2006/relationships" name="Geometric">
-  <a:themeElements>
-    <a:clrScheme name="Geometric">
-      <a:dk1>
-        <a:srgbClr val="2A3990"/>
-      </a:dk1>
-      <a:lt1>
-        <a:srgbClr val="FFFFFF"/>
-      </a:lt1>
-      <a:dk2>
-        <a:srgbClr val="434343"/>
-      </a:dk2>
-      <a:lt2>
-        <a:srgbClr val="999999"/>
-      </a:lt2>
-      <a:accent1>
-        <a:srgbClr val="212D74"/>
-      </a:accent1>
-      <a:accent2>
-        <a:srgbClr val="3949AB"/>
-      </a:accent2>
-      <a:accent3>
-        <a:srgbClr val="9C254D"/>
-      </a:accent3>
-      <a:accent4>
-        <a:srgbClr val="D23369"/>
-      </a:accent4>
-      <a:accent5>
-        <a:srgbClr val="F06292"/>
-      </a:accent5>
-      <a:accent6>
-        <a:srgbClr val="7890CD"/>
-      </a:accent6>
-      <a:hlink>
-        <a:srgbClr val="F06292"/>
-      </a:hlink>
-      <a:folHlink>
-        <a:srgbClr val="F06292"/>
-      </a:folHlink>
-    </a:clrScheme>
-    <a:fontScheme name="Office">
-      <a:majorFont>
-        <a:latin typeface="Arial"/>
-        <a:ea typeface=""/>
-        <a:cs typeface=""/>
-        <a:font script="Jpan" typeface="ＭＳ Ｐゴシック"/>
-        <a:font script="Hang" typeface="맑은 고딕"/>
-        <a:font script="Hans" typeface="宋体"/>
-        <a:font script="Hant" typeface="新細明體"/>
-        <a:font script="Arab" typeface="Times New Roman"/>
-        <a:font script="Hebr" typeface="Times New Roman"/>
-        <a:font script="Thai" typeface="Angsana New"/>
-        <a:font script="Ethi" typeface="Nyala"/>
-        <a:font script="Beng" typeface="Vrinda"/>
-        <a:font script="Gujr" typeface="Shruti"/>
-        <a:font script="Khmr" typeface="MoolBoran"/>
-        <a:font script="Knda" typeface="Tunga"/>
-        <a:font script="Guru" typeface="Raavi"/>
-        <a:font script="Cans" typeface="Euphemia"/>
-        <a:font script="Cher" typeface="Plantagenet Cherokee"/>
-        <a:font script="Yiii" typeface="Microsoft Yi Baiti"/>
-        <a:font script="Tibt" typeface="Microsoft Himalaya"/>
-        <a:font script="Thaa" typeface="MV Boli"/>
-        <a:font script="Deva" typeface="Mangal"/>
-        <a:font script="Telu" typeface="Gautami"/>
-        <a:font script="Taml" typeface="Latha"/>
-        <a:font script="Syrc" typeface="Estrangelo Edessa"/>
-        <a:font script="Orya" typeface="Kalinga"/>
-        <a:font script="Mlym" typeface="Kartika"/>
-        <a:font script="Laoo" typeface="DokChampa"/>
-        <a:font script="Sinh" typeface="Iskoola Pota"/>
-        <a:font script="Mong" typeface="Mongolian Baiti"/>
-        <a:font script="Viet" typeface="Times New Roman"/>
-        <a:font script="Uigh" typeface="Microsoft Uighur"/>
-        <a:font script="Geor" typeface="Sylfaen"/>
-      </a:majorFont>
-      <a:minorFont>
-        <a:latin typeface="Arial"/>
-        <a:ea typeface=""/>
-        <a:cs typeface=""/>
-        <a:font script="Jpan" typeface="ＭＳ Ｐゴシック"/>
-        <a:font script="Hang" typeface="맑은 고딕"/>
-        <a:font script="Hans" typeface="宋体"/>
-        <a:font script="Hant" typeface="新細明體"/>
-        <a:font script="Arab" typeface="Arial"/>
-        <a:font script="Hebr" typeface="Arial"/>
-        <a:font script="Thai" typeface="Cordia New"/>
-        <a:font script="Ethi" typeface="Nyala"/>
-        <a:font script="Beng" typeface="Vrinda"/>
-        <a:font script="Gujr" typeface="Shruti"/>
-        <a:font script="Khmr" typeface="DaunPenh"/>
-        <a:font script="Knda" typeface="Tunga"/>
-        <a:font script="Guru" typeface="Raavi"/>
-        <a:font script="Cans" typeface="Euphemia"/>
-        <a:font script="Cher" typeface="Plantagenet Cherokee"/>
-        <a:font script="Yiii" typeface="Microsoft Yi Baiti"/>
-        <a:font script="Tibt" typeface="Microsoft Himalaya"/>
-        <a:font script="Thaa" typeface="MV Boli"/>
-        <a:font script="Deva" typeface="Mangal"/>
-        <a:font script="Telu" typeface="Gautami"/>
-        <a:font script="Taml" typeface="Latha"/>
-        <a:font script="Syrc" typeface="Estrangelo Edessa"/>
-        <a:font script="Orya" typeface="Kalinga"/>
-        <a:font script="Mlym" typeface="Kartika"/>
-        <a:font script="Laoo" typeface="DokChampa"/>
-        <a:font script="Sinh" typeface="Iskoola Pota"/>
-        <a:font script="Mong" typeface="Mongolian Baiti"/>
-        <a:font script="Viet" typeface="Arial"/>
-        <a:font script="Uigh" typeface="Microsoft Uighur"/>
-        <a:font script="Geor" typeface="Sylfaen"/>
-      </a:minorFont>
-    </a:fontScheme>
-    <a:fmtScheme name="Office">
-      <a:fillStyleLst>
-        <a:solidFill>
-          <a:schemeClr val="phClr"/>
-        </a:solidFill>
-        <a:gradFill rotWithShape="1">
-          <a:gsLst>
-            <a:gs pos="0">
-              <a:schemeClr val="phClr">
-                <a:tint val="50000"/>
-                <a:satMod val="300000"/>
-              </a:schemeClr>
-            </a:gs>
-            <a:gs pos="35000">
-              <a:schemeClr val="phClr">
-                <a:tint val="37000"/>
-                <a:satMod val="300000"/>
-              </a:schemeClr>
-            </a:gs>
-            <a:gs pos="100000">
-              <a:schemeClr val="phClr">
-                <a:tint val="15000"/>
-                <a:satMod val="350000"/>
-              </a:schemeClr>
-            </a:gs>
-          </a:gsLst>
-          <a:lin ang="16200000" scaled="1"/>
-        </a:gradFill>
-        <a:gradFill rotWithShape="1">
-          <a:gsLst>
-            <a:gs pos="0">
-              <a:schemeClr val="phClr">
-                <a:tint val="100000"/>
-                <a:shade val="100000"/>
-                <a:satMod val="130000"/>
-              </a:schemeClr>
-            </a:gs>
-            <a:gs pos="100000">
-              <a:schemeClr val="phClr">
-                <a:tint val="50000"/>
-                <a:shade val="100000"/>
-                <a:satMod val="350000"/>
-              </a:schemeClr>
-            </a:gs>
-          </a:gsLst>
-          <a:lin ang="16200000" scaled="0"/>
-        </a:gradFill>
-      </a:fillStyleLst>
-      <a:lnStyleLst>
-        <a:ln w="9525" cap="flat" cmpd="sng" algn="ctr">
-          <a:solidFill>
-            <a:schemeClr val="phClr">
-              <a:shade val="95000"/>
-              <a:satMod val="105000"/>
-            </a:schemeClr>
-          </a:solidFill>
-          <a:prstDash val="solid"/>
-        </a:ln>
-        <a:ln w="25400" cap="flat" cmpd="sng" algn="ctr">
-          <a:solidFill>
-            <a:schemeClr val="phClr"/>
-          </a:solidFill>
-          <a:prstDash val="solid"/>
-        </a:ln>
-        <a:ln w="38100" cap="flat" cmpd="sng" algn="ctr">
-          <a:solidFill>
-            <a:schemeClr val="phClr"/>
-          </a:solidFill>
-          <a:prstDash val="solid"/>
-        </a:ln>
-      </a:lnStyleLst>
-      <a:effectStyleLst>
-        <a:effectStyle>
-          <a:effectLst>
-            <a:outerShdw blurRad="40000" dist="20000" dir="5400000" rotWithShape="0">
-              <a:srgbClr val="000000">
-                <a:alpha val="38000"/>
-              </a:srgbClr>
-            </a:outerShdw>
-          </a:effectLst>
-        </a:effectStyle>
-        <a:effectStyle>
-          <a:effectLst>
-            <a:outerShdw blurRad="40000" dist="23000" dir="5400000" rotWithShape="0">
-              <a:srgbClr val="000000">
-                <a:alpha val="35000"/>
-              </a:srgbClr>
-            </a:outerShdw>
-          </a:effectLst>
-        </a:effectStyle>
-        <a:effectStyle>
-          <a:effectLst>
-            <a:outerShdw blurRad="40000" dist="23000" dir="5400000" rotWithShape="0">
-              <a:srgbClr val="000000">
-                <a:alpha val="35000"/>
-              </a:srgbClr>
-            </a:outerShdw>
-          </a:effectLst>
-          <a:scene3d>
-            <a:camera prst="orthographicFront">
-              <a:rot lat="0" lon="0" rev="0"/>
-            </a:camera>
-            <a:lightRig rig="threePt" dir="t">
-              <a:rot lat="0" lon="0" rev="1200000"/>
-            </a:lightRig>
-          </a:scene3d>
-          <a:sp3d>
-            <a:bevelT w="63500" h="25400"/>
-          </a:sp3d>
-        </a:effectStyle>
-      </a:effectStyleLst>
-      <a:bgFillStyleLst>
-        <a:solidFill>
-          <a:schemeClr val="phClr"/>
-        </a:solidFill>
-        <a:gradFill rotWithShape="1">
-          <a:gsLst>
-            <a:gs pos="0">
-              <a:schemeClr val="phClr">
-                <a:tint val="40000"/>
-                <a:satMod val="350000"/>
-              </a:schemeClr>
-            </a:gs>
-            <a:gs pos="40000">
-              <a:schemeClr val="phClr">
-                <a:tint val="45000"/>
-                <a:shade val="99000"/>
-                <a:satMod val="350000"/>
-              </a:schemeClr>
-            </a:gs>
-            <a:gs pos="100000">
-              <a:schemeClr val="phClr">
-                <a:shade val="20000"/>
-                <a:satMod val="255000"/>
-              </a:schemeClr>
-            </a:gs>
-          </a:gsLst>
-          <a:path path="circle">
-            <a:fillToRect l="50000" t="-80000" r="50000" b="180000"/>
-          </a:path>
-        </a:gradFill>
-        <a:gradFill rotWithShape="1">
-          <a:gsLst>
-            <a:gs pos="0">
-              <a:schemeClr val="phClr">
-                <a:tint val="80000"/>
-                <a:satMod val="300000"/>
-              </a:schemeClr>
-            </a:gs>
-            <a:gs pos="100000">
-              <a:schemeClr val="phClr">
-                <a:shade val="30000"/>
-                <a:satMod val="200000"/>
-              </a:schemeClr>
-            </a:gs>
-          </a:gsLst>
-          <a:path path="circle">
-            <a:fillToRect l="50000" t="50000" r="50000" b="50000"/>
-          </a:path>
-        </a:gradFill>
-      </a:bgFillStyleLst>
-    </a:fmtScheme>
-  </a:themeElements>
+  <a:objectDefaults/>
+  <a:extraClrSchemeLst/>
 </a:theme>
 </file>